--- a/Termin_4/folien/UebungModellierung#4.pptx
+++ b/Termin_4/folien/UebungModellierung#4.pptx
@@ -5,29 +5,30 @@
     <p:sldMasterId id="2147483648" r:id="rId1"/>
   </p:sldMasterIdLst>
   <p:notesMasterIdLst>
-    <p:notesMasterId r:id="rId5"/>
+    <p:notesMasterId r:id="rId6"/>
   </p:notesMasterIdLst>
   <p:handoutMasterIdLst>
-    <p:handoutMasterId r:id="rId6"/>
+    <p:handoutMasterId r:id="rId7"/>
   </p:handoutMasterIdLst>
   <p:sldIdLst>
     <p:sldId id="892" r:id="rId2"/>
     <p:sldId id="966" r:id="rId3"/>
     <p:sldId id="979" r:id="rId4"/>
+    <p:sldId id="980" r:id="rId5"/>
   </p:sldIdLst>
   <p:sldSz cx="9144000" cy="6858000" type="screen4x3"/>
   <p:notesSz cx="7099300" cy="9601200"/>
   <p:embeddedFontLst>
     <p:embeddedFont>
       <p:font typeface="Calibri" pitchFamily="34" charset="0"/>
-      <p:regular r:id="rId7"/>
-      <p:bold r:id="rId8"/>
-      <p:italic r:id="rId9"/>
-      <p:boldItalic r:id="rId10"/>
+      <p:regular r:id="rId8"/>
+      <p:bold r:id="rId9"/>
+      <p:italic r:id="rId10"/>
+      <p:boldItalic r:id="rId11"/>
     </p:embeddedFont>
     <p:embeddedFont>
       <p:font typeface="MV Boli" pitchFamily="2" charset="0"/>
-      <p:regular r:id="rId11"/>
+      <p:regular r:id="rId12"/>
     </p:embeddedFont>
   </p:embeddedFontLst>
   <p:defaultTextStyle>
@@ -1203,6 +1204,108 @@
 </p:notes>
 </file>
 
+<file path=ppt/notesSlides/notesSlide4.xml><?xml version="1.0" encoding="utf-8"?>
+<p:notes xmlns:a="http://schemas.openxmlformats.org/drawingml/2006/main" xmlns:r="http://schemas.openxmlformats.org/officeDocument/2006/relationships" xmlns:p="http://schemas.openxmlformats.org/presentationml/2006/main">
+  <p:cSld>
+    <p:spTree>
+      <p:nvGrpSpPr>
+        <p:cNvPr id="1" name=""/>
+        <p:cNvGrpSpPr/>
+        <p:nvPr/>
+      </p:nvGrpSpPr>
+      <p:grpSpPr>
+        <a:xfrm>
+          <a:off x="0" y="0"/>
+          <a:ext cx="0" cy="0"/>
+          <a:chOff x="0" y="0"/>
+          <a:chExt cx="0" cy="0"/>
+        </a:xfrm>
+      </p:grpSpPr>
+      <p:sp>
+        <p:nvSpPr>
+          <p:cNvPr id="54274" name="Rectangle 7"/>
+          <p:cNvSpPr>
+            <a:spLocks noGrp="1" noChangeArrowheads="1"/>
+          </p:cNvSpPr>
+          <p:nvPr>
+            <p:ph type="sldNum" sz="quarter" idx="5"/>
+          </p:nvPr>
+        </p:nvSpPr>
+        <p:spPr/>
+        <p:txBody>
+          <a:bodyPr/>
+          <a:lstStyle/>
+          <a:p>
+            <a:pPr>
+              <a:defRPr/>
+            </a:pPr>
+            <a:fld id="{10FECC1A-FDCF-43AB-8611-DC3836B8FF46}" type="slidenum">
+              <a:rPr lang="de-DE" smtClean="0"/>
+              <a:pPr>
+                <a:defRPr/>
+              </a:pPr>
+              <a:t>4</a:t>
+            </a:fld>
+            <a:endParaRPr lang="de-DE" smtClean="0"/>
+          </a:p>
+        </p:txBody>
+      </p:sp>
+      <p:sp>
+        <p:nvSpPr>
+          <p:cNvPr id="28675" name="Rectangle 2"/>
+          <p:cNvSpPr>
+            <a:spLocks noGrp="1" noRot="1" noChangeAspect="1" noChangeArrowheads="1" noTextEdit="1"/>
+          </p:cNvSpPr>
+          <p:nvPr>
+            <p:ph type="sldImg"/>
+          </p:nvPr>
+        </p:nvSpPr>
+        <p:spPr>
+          <a:xfrm>
+            <a:off x="1152525" y="720725"/>
+            <a:ext cx="4799013" cy="3598863"/>
+          </a:xfrm>
+          <a:ln/>
+        </p:spPr>
+      </p:sp>
+      <p:sp>
+        <p:nvSpPr>
+          <p:cNvPr id="28676" name="Rectangle 3"/>
+          <p:cNvSpPr>
+            <a:spLocks noGrp="1" noChangeArrowheads="1"/>
+          </p:cNvSpPr>
+          <p:nvPr>
+            <p:ph type="body" idx="1"/>
+          </p:nvPr>
+        </p:nvSpPr>
+        <p:spPr>
+          <a:xfrm>
+            <a:off x="946150" y="4559300"/>
+            <a:ext cx="5207000" cy="4321175"/>
+          </a:xfrm>
+          <a:noFill/>
+          <a:ln/>
+        </p:spPr>
+        <p:txBody>
+          <a:bodyPr/>
+          <a:lstStyle/>
+          <a:p>
+            <a:pPr eaLnBrk="1" hangingPunct="1"/>
+            <a:r>
+              <a:rPr lang="en-US" dirty="0" smtClean="0"/>
+              <a:t>This is the main motivation…</a:t>
+            </a:r>
+          </a:p>
+        </p:txBody>
+      </p:sp>
+    </p:spTree>
+  </p:cSld>
+  <p:clrMapOvr>
+    <a:masterClrMapping/>
+  </p:clrMapOvr>
+</p:notes>
+</file>
+
 <file path=ppt/slideLayouts/slideLayout1.xml><?xml version="1.0" encoding="utf-8"?>
 <p:sldLayout xmlns:a="http://schemas.openxmlformats.org/drawingml/2006/main" xmlns:r="http://schemas.openxmlformats.org/officeDocument/2006/relationships" xmlns:p="http://schemas.openxmlformats.org/presentationml/2006/main" type="title" preserve="1">
   <p:cSld name="Titelfolie">
@@ -3078,7 +3181,7 @@
                 <a:latin typeface="Calibri" pitchFamily="34" charset="0"/>
                 <a:cs typeface="+mn-cs"/>
               </a:rPr>
-              <a:t>Übung zur Einführung in die Modellierung, Wintersemester 2016/17                 #</a:t>
+              <a:t>Seminar „Einführung in die Modellierung“, Wintersemester 2016/17                 #</a:t>
             </a:r>
             <a:fld id="{19621714-58BB-457A-826B-841F6E217726}" type="slidenum">
               <a:rPr lang="de-DE" noProof="0" smtClean="0">
@@ -3849,36 +3952,36 @@
                 <a:rPr lang="de-DE" sz="2000" dirty="0" smtClean="0">
                   <a:latin typeface="Calibri" pitchFamily="34" charset="0"/>
                 </a:rPr>
-                <a:t>Übung im </a:t>
+                <a:t>Seminar </a:t>
               </a:r>
               <a:r>
-                <a:rPr lang="de-DE" sz="2000" smtClean="0">
+                <a:rPr lang="de-DE" sz="2000" i="1" dirty="0" smtClean="0">
                   <a:latin typeface="Calibri" pitchFamily="34" charset="0"/>
                 </a:rPr>
-                <a:t>Modul </a:t>
-              </a:r>
-              <a:br>
-                <a:rPr lang="de-DE" sz="2000" smtClean="0">
-                  <a:latin typeface="Calibri" pitchFamily="34" charset="0"/>
-                </a:rPr>
-              </a:br>
-              <a:r>
-                <a:rPr lang="de-DE" sz="2000" smtClean="0">
-                  <a:latin typeface="Calibri" pitchFamily="34" charset="0"/>
-                </a:rPr>
-                <a:t>Versuchsplanung </a:t>
+                <a:t>Einführung in die Modellierung</a:t>
               </a:r>
               <a:r>
                 <a:rPr lang="de-DE" sz="2000" dirty="0" smtClean="0">
                   <a:latin typeface="Calibri" pitchFamily="34" charset="0"/>
                 </a:rPr>
-                <a:t>und </a:t>
+                <a:t/>
+              </a:r>
+              <a:br>
+                <a:rPr lang="de-DE" sz="2000" dirty="0" smtClean="0">
+                  <a:latin typeface="Calibri" pitchFamily="34" charset="0"/>
+                </a:rPr>
+              </a:br>
+              <a:r>
+                <a:rPr lang="de-DE" sz="2000" dirty="0" smtClean="0">
+                  <a:latin typeface="Calibri" pitchFamily="34" charset="0"/>
+                </a:rPr>
+                <a:t>im Modul </a:t>
               </a:r>
               <a:r>
-                <a:rPr lang="de-DE" sz="2000" smtClean="0">
+                <a:rPr lang="de-DE" sz="2000" i="1" dirty="0" smtClean="0">
                   <a:latin typeface="Calibri" pitchFamily="34" charset="0"/>
                 </a:rPr>
-                <a:t>Geoökologische Modellierung</a:t>
+                <a:t>Versuchsplanung und Geoökologische Modellierung</a:t>
               </a:r>
               <a:endParaRPr lang="de-DE" sz="2000" dirty="0" smtClean="0">
                 <a:latin typeface="Calibri" pitchFamily="34" charset="0"/>
@@ -4678,7 +4781,139 @@
               </a:rPr>
               <a:t>Abschlussquiz Hydrologie</a:t>
             </a:r>
-            <a:endParaRPr lang="de-DE" sz="2400" dirty="0" smtClean="0">
+          </a:p>
+        </p:txBody>
+      </p:sp>
+    </p:spTree>
+  </p:cSld>
+  <p:clrMapOvr>
+    <a:masterClrMapping/>
+  </p:clrMapOvr>
+  <p:transition>
+    <p:zoom/>
+  </p:transition>
+  <p:timing>
+    <p:tnLst>
+      <p:par>
+        <p:cTn id="1" dur="indefinite" restart="never" nodeType="tmRoot"/>
+      </p:par>
+    </p:tnLst>
+  </p:timing>
+</p:sld>
+</file>
+
+<file path=ppt/slides/slide4.xml><?xml version="1.0" encoding="utf-8"?>
+<p:sld xmlns:a="http://schemas.openxmlformats.org/drawingml/2006/main" xmlns:r="http://schemas.openxmlformats.org/officeDocument/2006/relationships" xmlns:p="http://schemas.openxmlformats.org/presentationml/2006/main">
+  <p:cSld>
+    <p:spTree>
+      <p:nvGrpSpPr>
+        <p:cNvPr id="1" name=""/>
+        <p:cNvGrpSpPr/>
+        <p:nvPr/>
+      </p:nvGrpSpPr>
+      <p:grpSpPr>
+        <a:xfrm>
+          <a:off x="0" y="0"/>
+          <a:ext cx="0" cy="0"/>
+          <a:chOff x="0" y="0"/>
+          <a:chExt cx="0" cy="0"/>
+        </a:xfrm>
+      </p:grpSpPr>
+      <p:sp>
+        <p:nvSpPr>
+          <p:cNvPr id="13" name="Textfeld 12"/>
+          <p:cNvSpPr txBox="1"/>
+          <p:nvPr/>
+        </p:nvSpPr>
+        <p:spPr>
+          <a:xfrm>
+            <a:off x="1" y="-21515"/>
+            <a:ext cx="9108504" cy="476250"/>
+          </a:xfrm>
+          <a:prstGeom prst="rect">
+            <a:avLst/>
+          </a:prstGeom>
+          <a:noFill/>
+          <a:effectLst/>
+        </p:spPr>
+        <p:txBody>
+          <a:bodyPr wrap="square" lIns="0" rIns="0" rtlCol="0">
+            <a:noAutofit/>
+          </a:bodyPr>
+          <a:lstStyle/>
+          <a:p>
+            <a:pPr algn="ctr">
+              <a:spcAft>
+                <a:spcPts val="0"/>
+              </a:spcAft>
+              <a:defRPr/>
+            </a:pPr>
+            <a:r>
+              <a:rPr lang="de-DE" sz="2800" dirty="0" smtClean="0">
+                <a:solidFill>
+                  <a:schemeClr val="bg1">
+                    <a:lumMod val="85000"/>
+                  </a:schemeClr>
+                </a:solidFill>
+                <a:latin typeface="Calibri" pitchFamily="34" charset="0"/>
+              </a:rPr>
+              <a:t>Rekapitulation: Das </a:t>
+            </a:r>
+            <a:r>
+              <a:rPr lang="de-DE" sz="2800" i="1" dirty="0" smtClean="0">
+                <a:solidFill>
+                  <a:schemeClr val="bg1">
+                    <a:lumMod val="85000"/>
+                  </a:schemeClr>
+                </a:solidFill>
+                <a:latin typeface="Calibri" pitchFamily="34" charset="0"/>
+              </a:rPr>
+              <a:t>abcd</a:t>
+            </a:r>
+            <a:r>
+              <a:rPr lang="de-DE" sz="2800" dirty="0" smtClean="0">
+                <a:solidFill>
+                  <a:schemeClr val="bg1">
+                    <a:lumMod val="85000"/>
+                  </a:schemeClr>
+                </a:solidFill>
+                <a:latin typeface="Calibri" pitchFamily="34" charset="0"/>
+              </a:rPr>
+              <a:t>-Modell </a:t>
+            </a:r>
+          </a:p>
+        </p:txBody>
+      </p:sp>
+      <p:sp>
+        <p:nvSpPr>
+          <p:cNvPr id="10" name="Textfeld 9"/>
+          <p:cNvSpPr txBox="1"/>
+          <p:nvPr/>
+        </p:nvSpPr>
+        <p:spPr>
+          <a:xfrm>
+            <a:off x="755576" y="908720"/>
+            <a:ext cx="2736230" cy="523220"/>
+          </a:xfrm>
+          <a:prstGeom prst="rect">
+            <a:avLst/>
+          </a:prstGeom>
+          <a:noFill/>
+        </p:spPr>
+        <p:txBody>
+          <a:bodyPr wrap="square" rtlCol="0">
+            <a:spAutoFit/>
+          </a:bodyPr>
+          <a:lstStyle/>
+          <a:p>
+            <a:pPr algn="ctr"/>
+            <a:r>
+              <a:rPr lang="de-DE" sz="2800" dirty="0" smtClean="0">
+                <a:latin typeface="Calibri" pitchFamily="34" charset="0"/>
+              </a:rPr>
+              <a:t>…</a:t>
+            </a:r>
+            <a:endParaRPr lang="de-DE" sz="2800" dirty="0">
               <a:latin typeface="Calibri" pitchFamily="34" charset="0"/>
             </a:endParaRPr>
           </a:p>

--- a/Termin_4/folien/UebungModellierung#4.pptx
+++ b/Termin_4/folien/UebungModellierung#4.pptx
@@ -5,30 +5,35 @@
     <p:sldMasterId id="2147483648" r:id="rId1"/>
   </p:sldMasterIdLst>
   <p:notesMasterIdLst>
-    <p:notesMasterId r:id="rId6"/>
+    <p:notesMasterId r:id="rId11"/>
   </p:notesMasterIdLst>
   <p:handoutMasterIdLst>
-    <p:handoutMasterId r:id="rId7"/>
+    <p:handoutMasterId r:id="rId12"/>
   </p:handoutMasterIdLst>
   <p:sldIdLst>
     <p:sldId id="892" r:id="rId2"/>
     <p:sldId id="966" r:id="rId3"/>
     <p:sldId id="979" r:id="rId4"/>
     <p:sldId id="980" r:id="rId5"/>
+    <p:sldId id="981" r:id="rId6"/>
+    <p:sldId id="985" r:id="rId7"/>
+    <p:sldId id="982" r:id="rId8"/>
+    <p:sldId id="983" r:id="rId9"/>
+    <p:sldId id="984" r:id="rId10"/>
   </p:sldIdLst>
   <p:sldSz cx="9144000" cy="6858000" type="screen4x3"/>
   <p:notesSz cx="7099300" cy="9601200"/>
   <p:embeddedFontLst>
     <p:embeddedFont>
       <p:font typeface="Calibri" pitchFamily="34" charset="0"/>
-      <p:regular r:id="rId8"/>
-      <p:bold r:id="rId9"/>
-      <p:italic r:id="rId10"/>
-      <p:boldItalic r:id="rId11"/>
+      <p:regular r:id="rId13"/>
+      <p:bold r:id="rId14"/>
+      <p:italic r:id="rId15"/>
+      <p:boldItalic r:id="rId16"/>
     </p:embeddedFont>
     <p:embeddedFont>
       <p:font typeface="MV Boli" pitchFamily="2" charset="0"/>
-      <p:regular r:id="rId12"/>
+      <p:regular r:id="rId17"/>
     </p:embeddedFont>
   </p:embeddedFontLst>
   <p:defaultTextStyle>
@@ -1245,6 +1250,516 @@
                 <a:defRPr/>
               </a:pPr>
               <a:t>4</a:t>
+            </a:fld>
+            <a:endParaRPr lang="de-DE" smtClean="0"/>
+          </a:p>
+        </p:txBody>
+      </p:sp>
+      <p:sp>
+        <p:nvSpPr>
+          <p:cNvPr id="28675" name="Rectangle 2"/>
+          <p:cNvSpPr>
+            <a:spLocks noGrp="1" noRot="1" noChangeAspect="1" noChangeArrowheads="1" noTextEdit="1"/>
+          </p:cNvSpPr>
+          <p:nvPr>
+            <p:ph type="sldImg"/>
+          </p:nvPr>
+        </p:nvSpPr>
+        <p:spPr>
+          <a:xfrm>
+            <a:off x="1152525" y="720725"/>
+            <a:ext cx="4799013" cy="3598863"/>
+          </a:xfrm>
+          <a:ln/>
+        </p:spPr>
+      </p:sp>
+      <p:sp>
+        <p:nvSpPr>
+          <p:cNvPr id="28676" name="Rectangle 3"/>
+          <p:cNvSpPr>
+            <a:spLocks noGrp="1" noChangeArrowheads="1"/>
+          </p:cNvSpPr>
+          <p:nvPr>
+            <p:ph type="body" idx="1"/>
+          </p:nvPr>
+        </p:nvSpPr>
+        <p:spPr>
+          <a:xfrm>
+            <a:off x="946150" y="4559300"/>
+            <a:ext cx="5207000" cy="4321175"/>
+          </a:xfrm>
+          <a:noFill/>
+          <a:ln/>
+        </p:spPr>
+        <p:txBody>
+          <a:bodyPr/>
+          <a:lstStyle/>
+          <a:p>
+            <a:pPr eaLnBrk="1" hangingPunct="1"/>
+            <a:r>
+              <a:rPr lang="en-US" dirty="0" smtClean="0"/>
+              <a:t>This is the main motivation…</a:t>
+            </a:r>
+          </a:p>
+        </p:txBody>
+      </p:sp>
+    </p:spTree>
+  </p:cSld>
+  <p:clrMapOvr>
+    <a:masterClrMapping/>
+  </p:clrMapOvr>
+</p:notes>
+</file>
+
+<file path=ppt/notesSlides/notesSlide5.xml><?xml version="1.0" encoding="utf-8"?>
+<p:notes xmlns:a="http://schemas.openxmlformats.org/drawingml/2006/main" xmlns:r="http://schemas.openxmlformats.org/officeDocument/2006/relationships" xmlns:p="http://schemas.openxmlformats.org/presentationml/2006/main">
+  <p:cSld>
+    <p:spTree>
+      <p:nvGrpSpPr>
+        <p:cNvPr id="1" name=""/>
+        <p:cNvGrpSpPr/>
+        <p:nvPr/>
+      </p:nvGrpSpPr>
+      <p:grpSpPr>
+        <a:xfrm>
+          <a:off x="0" y="0"/>
+          <a:ext cx="0" cy="0"/>
+          <a:chOff x="0" y="0"/>
+          <a:chExt cx="0" cy="0"/>
+        </a:xfrm>
+      </p:grpSpPr>
+      <p:sp>
+        <p:nvSpPr>
+          <p:cNvPr id="54274" name="Rectangle 7"/>
+          <p:cNvSpPr>
+            <a:spLocks noGrp="1" noChangeArrowheads="1"/>
+          </p:cNvSpPr>
+          <p:nvPr>
+            <p:ph type="sldNum" sz="quarter" idx="5"/>
+          </p:nvPr>
+        </p:nvSpPr>
+        <p:spPr/>
+        <p:txBody>
+          <a:bodyPr/>
+          <a:lstStyle/>
+          <a:p>
+            <a:pPr>
+              <a:defRPr/>
+            </a:pPr>
+            <a:fld id="{10FECC1A-FDCF-43AB-8611-DC3836B8FF46}" type="slidenum">
+              <a:rPr lang="de-DE" smtClean="0"/>
+              <a:pPr>
+                <a:defRPr/>
+              </a:pPr>
+              <a:t>5</a:t>
+            </a:fld>
+            <a:endParaRPr lang="de-DE" smtClean="0"/>
+          </a:p>
+        </p:txBody>
+      </p:sp>
+      <p:sp>
+        <p:nvSpPr>
+          <p:cNvPr id="28675" name="Rectangle 2"/>
+          <p:cNvSpPr>
+            <a:spLocks noGrp="1" noRot="1" noChangeAspect="1" noChangeArrowheads="1" noTextEdit="1"/>
+          </p:cNvSpPr>
+          <p:nvPr>
+            <p:ph type="sldImg"/>
+          </p:nvPr>
+        </p:nvSpPr>
+        <p:spPr>
+          <a:xfrm>
+            <a:off x="1152525" y="720725"/>
+            <a:ext cx="4799013" cy="3598863"/>
+          </a:xfrm>
+          <a:ln/>
+        </p:spPr>
+      </p:sp>
+      <p:sp>
+        <p:nvSpPr>
+          <p:cNvPr id="28676" name="Rectangle 3"/>
+          <p:cNvSpPr>
+            <a:spLocks noGrp="1" noChangeArrowheads="1"/>
+          </p:cNvSpPr>
+          <p:nvPr>
+            <p:ph type="body" idx="1"/>
+          </p:nvPr>
+        </p:nvSpPr>
+        <p:spPr>
+          <a:xfrm>
+            <a:off x="946150" y="4559300"/>
+            <a:ext cx="5207000" cy="4321175"/>
+          </a:xfrm>
+          <a:noFill/>
+          <a:ln/>
+        </p:spPr>
+        <p:txBody>
+          <a:bodyPr/>
+          <a:lstStyle/>
+          <a:p>
+            <a:pPr eaLnBrk="1" hangingPunct="1"/>
+            <a:r>
+              <a:rPr lang="en-US" dirty="0" smtClean="0"/>
+              <a:t>This is the main motivation…</a:t>
+            </a:r>
+          </a:p>
+        </p:txBody>
+      </p:sp>
+    </p:spTree>
+  </p:cSld>
+  <p:clrMapOvr>
+    <a:masterClrMapping/>
+  </p:clrMapOvr>
+</p:notes>
+</file>
+
+<file path=ppt/notesSlides/notesSlide6.xml><?xml version="1.0" encoding="utf-8"?>
+<p:notes xmlns:a="http://schemas.openxmlformats.org/drawingml/2006/main" xmlns:r="http://schemas.openxmlformats.org/officeDocument/2006/relationships" xmlns:p="http://schemas.openxmlformats.org/presentationml/2006/main">
+  <p:cSld>
+    <p:spTree>
+      <p:nvGrpSpPr>
+        <p:cNvPr id="1" name=""/>
+        <p:cNvGrpSpPr/>
+        <p:nvPr/>
+      </p:nvGrpSpPr>
+      <p:grpSpPr>
+        <a:xfrm>
+          <a:off x="0" y="0"/>
+          <a:ext cx="0" cy="0"/>
+          <a:chOff x="0" y="0"/>
+          <a:chExt cx="0" cy="0"/>
+        </a:xfrm>
+      </p:grpSpPr>
+      <p:sp>
+        <p:nvSpPr>
+          <p:cNvPr id="54274" name="Rectangle 7"/>
+          <p:cNvSpPr>
+            <a:spLocks noGrp="1" noChangeArrowheads="1"/>
+          </p:cNvSpPr>
+          <p:nvPr>
+            <p:ph type="sldNum" sz="quarter" idx="5"/>
+          </p:nvPr>
+        </p:nvSpPr>
+        <p:spPr/>
+        <p:txBody>
+          <a:bodyPr/>
+          <a:lstStyle/>
+          <a:p>
+            <a:pPr>
+              <a:defRPr/>
+            </a:pPr>
+            <a:fld id="{10FECC1A-FDCF-43AB-8611-DC3836B8FF46}" type="slidenum">
+              <a:rPr lang="de-DE" smtClean="0"/>
+              <a:pPr>
+                <a:defRPr/>
+              </a:pPr>
+              <a:t>6</a:t>
+            </a:fld>
+            <a:endParaRPr lang="de-DE" smtClean="0"/>
+          </a:p>
+        </p:txBody>
+      </p:sp>
+      <p:sp>
+        <p:nvSpPr>
+          <p:cNvPr id="28675" name="Rectangle 2"/>
+          <p:cNvSpPr>
+            <a:spLocks noGrp="1" noRot="1" noChangeAspect="1" noChangeArrowheads="1" noTextEdit="1"/>
+          </p:cNvSpPr>
+          <p:nvPr>
+            <p:ph type="sldImg"/>
+          </p:nvPr>
+        </p:nvSpPr>
+        <p:spPr>
+          <a:xfrm>
+            <a:off x="1152525" y="720725"/>
+            <a:ext cx="4799013" cy="3598863"/>
+          </a:xfrm>
+          <a:ln/>
+        </p:spPr>
+      </p:sp>
+      <p:sp>
+        <p:nvSpPr>
+          <p:cNvPr id="28676" name="Rectangle 3"/>
+          <p:cNvSpPr>
+            <a:spLocks noGrp="1" noChangeArrowheads="1"/>
+          </p:cNvSpPr>
+          <p:nvPr>
+            <p:ph type="body" idx="1"/>
+          </p:nvPr>
+        </p:nvSpPr>
+        <p:spPr>
+          <a:xfrm>
+            <a:off x="946150" y="4559300"/>
+            <a:ext cx="5207000" cy="4321175"/>
+          </a:xfrm>
+          <a:noFill/>
+          <a:ln/>
+        </p:spPr>
+        <p:txBody>
+          <a:bodyPr/>
+          <a:lstStyle/>
+          <a:p>
+            <a:pPr eaLnBrk="1" hangingPunct="1"/>
+            <a:r>
+              <a:rPr lang="en-US" dirty="0" smtClean="0"/>
+              <a:t>This is the main motivation…</a:t>
+            </a:r>
+          </a:p>
+        </p:txBody>
+      </p:sp>
+    </p:spTree>
+  </p:cSld>
+  <p:clrMapOvr>
+    <a:masterClrMapping/>
+  </p:clrMapOvr>
+</p:notes>
+</file>
+
+<file path=ppt/notesSlides/notesSlide7.xml><?xml version="1.0" encoding="utf-8"?>
+<p:notes xmlns:a="http://schemas.openxmlformats.org/drawingml/2006/main" xmlns:r="http://schemas.openxmlformats.org/officeDocument/2006/relationships" xmlns:p="http://schemas.openxmlformats.org/presentationml/2006/main">
+  <p:cSld>
+    <p:spTree>
+      <p:nvGrpSpPr>
+        <p:cNvPr id="1" name=""/>
+        <p:cNvGrpSpPr/>
+        <p:nvPr/>
+      </p:nvGrpSpPr>
+      <p:grpSpPr>
+        <a:xfrm>
+          <a:off x="0" y="0"/>
+          <a:ext cx="0" cy="0"/>
+          <a:chOff x="0" y="0"/>
+          <a:chExt cx="0" cy="0"/>
+        </a:xfrm>
+      </p:grpSpPr>
+      <p:sp>
+        <p:nvSpPr>
+          <p:cNvPr id="54274" name="Rectangle 7"/>
+          <p:cNvSpPr>
+            <a:spLocks noGrp="1" noChangeArrowheads="1"/>
+          </p:cNvSpPr>
+          <p:nvPr>
+            <p:ph type="sldNum" sz="quarter" idx="5"/>
+          </p:nvPr>
+        </p:nvSpPr>
+        <p:spPr/>
+        <p:txBody>
+          <a:bodyPr/>
+          <a:lstStyle/>
+          <a:p>
+            <a:pPr>
+              <a:defRPr/>
+            </a:pPr>
+            <a:fld id="{10FECC1A-FDCF-43AB-8611-DC3836B8FF46}" type="slidenum">
+              <a:rPr lang="de-DE" smtClean="0"/>
+              <a:pPr>
+                <a:defRPr/>
+              </a:pPr>
+              <a:t>7</a:t>
+            </a:fld>
+            <a:endParaRPr lang="de-DE" smtClean="0"/>
+          </a:p>
+        </p:txBody>
+      </p:sp>
+      <p:sp>
+        <p:nvSpPr>
+          <p:cNvPr id="28675" name="Rectangle 2"/>
+          <p:cNvSpPr>
+            <a:spLocks noGrp="1" noRot="1" noChangeAspect="1" noChangeArrowheads="1" noTextEdit="1"/>
+          </p:cNvSpPr>
+          <p:nvPr>
+            <p:ph type="sldImg"/>
+          </p:nvPr>
+        </p:nvSpPr>
+        <p:spPr>
+          <a:xfrm>
+            <a:off x="1152525" y="720725"/>
+            <a:ext cx="4799013" cy="3598863"/>
+          </a:xfrm>
+          <a:ln/>
+        </p:spPr>
+      </p:sp>
+      <p:sp>
+        <p:nvSpPr>
+          <p:cNvPr id="28676" name="Rectangle 3"/>
+          <p:cNvSpPr>
+            <a:spLocks noGrp="1" noChangeArrowheads="1"/>
+          </p:cNvSpPr>
+          <p:nvPr>
+            <p:ph type="body" idx="1"/>
+          </p:nvPr>
+        </p:nvSpPr>
+        <p:spPr>
+          <a:xfrm>
+            <a:off x="946150" y="4559300"/>
+            <a:ext cx="5207000" cy="4321175"/>
+          </a:xfrm>
+          <a:noFill/>
+          <a:ln/>
+        </p:spPr>
+        <p:txBody>
+          <a:bodyPr/>
+          <a:lstStyle/>
+          <a:p>
+            <a:pPr eaLnBrk="1" hangingPunct="1"/>
+            <a:r>
+              <a:rPr lang="en-US" dirty="0" smtClean="0"/>
+              <a:t>This is the main motivation…</a:t>
+            </a:r>
+          </a:p>
+        </p:txBody>
+      </p:sp>
+    </p:spTree>
+  </p:cSld>
+  <p:clrMapOvr>
+    <a:masterClrMapping/>
+  </p:clrMapOvr>
+</p:notes>
+</file>
+
+<file path=ppt/notesSlides/notesSlide8.xml><?xml version="1.0" encoding="utf-8"?>
+<p:notes xmlns:a="http://schemas.openxmlformats.org/drawingml/2006/main" xmlns:r="http://schemas.openxmlformats.org/officeDocument/2006/relationships" xmlns:p="http://schemas.openxmlformats.org/presentationml/2006/main">
+  <p:cSld>
+    <p:spTree>
+      <p:nvGrpSpPr>
+        <p:cNvPr id="1" name=""/>
+        <p:cNvGrpSpPr/>
+        <p:nvPr/>
+      </p:nvGrpSpPr>
+      <p:grpSpPr>
+        <a:xfrm>
+          <a:off x="0" y="0"/>
+          <a:ext cx="0" cy="0"/>
+          <a:chOff x="0" y="0"/>
+          <a:chExt cx="0" cy="0"/>
+        </a:xfrm>
+      </p:grpSpPr>
+      <p:sp>
+        <p:nvSpPr>
+          <p:cNvPr id="54274" name="Rectangle 7"/>
+          <p:cNvSpPr>
+            <a:spLocks noGrp="1" noChangeArrowheads="1"/>
+          </p:cNvSpPr>
+          <p:nvPr>
+            <p:ph type="sldNum" sz="quarter" idx="5"/>
+          </p:nvPr>
+        </p:nvSpPr>
+        <p:spPr/>
+        <p:txBody>
+          <a:bodyPr/>
+          <a:lstStyle/>
+          <a:p>
+            <a:pPr>
+              <a:defRPr/>
+            </a:pPr>
+            <a:fld id="{10FECC1A-FDCF-43AB-8611-DC3836B8FF46}" type="slidenum">
+              <a:rPr lang="de-DE" smtClean="0"/>
+              <a:pPr>
+                <a:defRPr/>
+              </a:pPr>
+              <a:t>8</a:t>
+            </a:fld>
+            <a:endParaRPr lang="de-DE" smtClean="0"/>
+          </a:p>
+        </p:txBody>
+      </p:sp>
+      <p:sp>
+        <p:nvSpPr>
+          <p:cNvPr id="28675" name="Rectangle 2"/>
+          <p:cNvSpPr>
+            <a:spLocks noGrp="1" noRot="1" noChangeAspect="1" noChangeArrowheads="1" noTextEdit="1"/>
+          </p:cNvSpPr>
+          <p:nvPr>
+            <p:ph type="sldImg"/>
+          </p:nvPr>
+        </p:nvSpPr>
+        <p:spPr>
+          <a:xfrm>
+            <a:off x="1152525" y="720725"/>
+            <a:ext cx="4799013" cy="3598863"/>
+          </a:xfrm>
+          <a:ln/>
+        </p:spPr>
+      </p:sp>
+      <p:sp>
+        <p:nvSpPr>
+          <p:cNvPr id="28676" name="Rectangle 3"/>
+          <p:cNvSpPr>
+            <a:spLocks noGrp="1" noChangeArrowheads="1"/>
+          </p:cNvSpPr>
+          <p:nvPr>
+            <p:ph type="body" idx="1"/>
+          </p:nvPr>
+        </p:nvSpPr>
+        <p:spPr>
+          <a:xfrm>
+            <a:off x="946150" y="4559300"/>
+            <a:ext cx="5207000" cy="4321175"/>
+          </a:xfrm>
+          <a:noFill/>
+          <a:ln/>
+        </p:spPr>
+        <p:txBody>
+          <a:bodyPr/>
+          <a:lstStyle/>
+          <a:p>
+            <a:pPr eaLnBrk="1" hangingPunct="1"/>
+            <a:r>
+              <a:rPr lang="en-US" dirty="0" smtClean="0"/>
+              <a:t>This is the main motivation…</a:t>
+            </a:r>
+          </a:p>
+        </p:txBody>
+      </p:sp>
+    </p:spTree>
+  </p:cSld>
+  <p:clrMapOvr>
+    <a:masterClrMapping/>
+  </p:clrMapOvr>
+</p:notes>
+</file>
+
+<file path=ppt/notesSlides/notesSlide9.xml><?xml version="1.0" encoding="utf-8"?>
+<p:notes xmlns:a="http://schemas.openxmlformats.org/drawingml/2006/main" xmlns:r="http://schemas.openxmlformats.org/officeDocument/2006/relationships" xmlns:p="http://schemas.openxmlformats.org/presentationml/2006/main">
+  <p:cSld>
+    <p:spTree>
+      <p:nvGrpSpPr>
+        <p:cNvPr id="1" name=""/>
+        <p:cNvGrpSpPr/>
+        <p:nvPr/>
+      </p:nvGrpSpPr>
+      <p:grpSpPr>
+        <a:xfrm>
+          <a:off x="0" y="0"/>
+          <a:ext cx="0" cy="0"/>
+          <a:chOff x="0" y="0"/>
+          <a:chExt cx="0" cy="0"/>
+        </a:xfrm>
+      </p:grpSpPr>
+      <p:sp>
+        <p:nvSpPr>
+          <p:cNvPr id="54274" name="Rectangle 7"/>
+          <p:cNvSpPr>
+            <a:spLocks noGrp="1" noChangeArrowheads="1"/>
+          </p:cNvSpPr>
+          <p:nvPr>
+            <p:ph type="sldNum" sz="quarter" idx="5"/>
+          </p:nvPr>
+        </p:nvSpPr>
+        <p:spPr/>
+        <p:txBody>
+          <a:bodyPr/>
+          <a:lstStyle/>
+          <a:p>
+            <a:pPr>
+              <a:defRPr/>
+            </a:pPr>
+            <a:fld id="{10FECC1A-FDCF-43AB-8611-DC3836B8FF46}" type="slidenum">
+              <a:rPr lang="de-DE" smtClean="0"/>
+              <a:pPr>
+                <a:defRPr/>
+              </a:pPr>
+              <a:t>9</a:t>
             </a:fld>
             <a:endParaRPr lang="de-DE" smtClean="0"/>
           </a:p>
@@ -4766,8 +5281,23 @@
               <a:rPr lang="de-DE" sz="2400" dirty="0" smtClean="0">
                 <a:latin typeface="Calibri" pitchFamily="34" charset="0"/>
               </a:rPr>
-              <a:t>Erweiterung des abcd-Modells</a:t>
-            </a:r>
+              <a:t>(Erweiterung </a:t>
+            </a:r>
+            <a:r>
+              <a:rPr lang="de-DE" sz="2400" dirty="0" smtClean="0">
+                <a:latin typeface="Calibri" pitchFamily="34" charset="0"/>
+              </a:rPr>
+              <a:t>des </a:t>
+            </a:r>
+            <a:r>
+              <a:rPr lang="de-DE" sz="2400" dirty="0" smtClean="0">
+                <a:latin typeface="Calibri" pitchFamily="34" charset="0"/>
+              </a:rPr>
+              <a:t>abcd-Modells)</a:t>
+            </a:r>
+            <a:endParaRPr lang="de-DE" sz="2400" dirty="0" smtClean="0">
+              <a:latin typeface="Calibri" pitchFamily="34" charset="0"/>
+            </a:endParaRPr>
           </a:p>
           <a:p>
             <a:pPr marL="269875" indent="-269875" algn="ctr">
@@ -4892,8 +5422,8 @@
         </p:nvSpPr>
         <p:spPr>
           <a:xfrm>
-            <a:off x="755576" y="908720"/>
-            <a:ext cx="2736230" cy="523220"/>
+            <a:off x="250825" y="765175"/>
+            <a:ext cx="4896544" cy="523220"/>
           </a:xfrm>
           <a:prstGeom prst="rect">
             <a:avLst/>
@@ -4906,12 +5436,11 @@
           </a:bodyPr>
           <a:lstStyle/>
           <a:p>
-            <a:pPr algn="ctr"/>
             <a:r>
               <a:rPr lang="de-DE" sz="2800" dirty="0" smtClean="0">
                 <a:latin typeface="Calibri" pitchFamily="34" charset="0"/>
               </a:rPr>
-              <a:t>…</a:t>
+              <a:t>Eigenschaften des abcd-Modells </a:t>
             </a:r>
             <a:endParaRPr lang="de-DE" sz="2800" dirty="0">
               <a:latin typeface="Calibri" pitchFamily="34" charset="0"/>
@@ -4919,6 +5448,7794 @@
           </a:p>
         </p:txBody>
       </p:sp>
+      <p:grpSp>
+        <p:nvGrpSpPr>
+          <p:cNvPr id="4" name="Gruppieren 3"/>
+          <p:cNvGrpSpPr/>
+          <p:nvPr/>
+        </p:nvGrpSpPr>
+        <p:grpSpPr>
+          <a:xfrm>
+            <a:off x="5508104" y="1403544"/>
+            <a:ext cx="3672408" cy="2961560"/>
+            <a:chOff x="5364088" y="1403544"/>
+            <a:chExt cx="3672408" cy="2961560"/>
+          </a:xfrm>
+        </p:grpSpPr>
+        <p:sp>
+          <p:nvSpPr>
+            <p:cNvPr id="5" name="Pfeil nach rechts 4"/>
+            <p:cNvSpPr/>
+            <p:nvPr/>
+          </p:nvSpPr>
+          <p:spPr bwMode="auto">
+            <a:xfrm>
+              <a:off x="7236296" y="3788700"/>
+              <a:ext cx="864096" cy="288000"/>
+            </a:xfrm>
+            <a:prstGeom prst="rightArrow">
+              <a:avLst>
+                <a:gd name="adj1" fmla="val 94761"/>
+                <a:gd name="adj2" fmla="val 83623"/>
+              </a:avLst>
+            </a:prstGeom>
+            <a:solidFill>
+              <a:schemeClr val="bg1">
+                <a:lumMod val="65000"/>
+              </a:schemeClr>
+            </a:solidFill>
+            <a:ln w="19050" cap="flat" cmpd="sng" algn="ctr">
+              <a:noFill/>
+              <a:prstDash val="solid"/>
+              <a:round/>
+              <a:headEnd type="none" w="med" len="med"/>
+              <a:tailEnd type="none" w="med" len="med"/>
+            </a:ln>
+            <a:effectLst/>
+          </p:spPr>
+          <p:txBody>
+            <a:bodyPr vert="horz" wrap="square" lIns="91440" tIns="45720" rIns="91440" bIns="45720" numCol="1" rtlCol="0" anchor="t" anchorCtr="0" compatLnSpc="1">
+              <a:prstTxWarp prst="textNoShape">
+                <a:avLst/>
+              </a:prstTxWarp>
+            </a:bodyPr>
+            <a:lstStyle/>
+            <a:p>
+              <a:pPr marL="0" marR="0" indent="0" algn="l" defTabSz="914400" rtl="0" eaLnBrk="1" fontAlgn="base" latinLnBrk="0" hangingPunct="1">
+                <a:lnSpc>
+                  <a:spcPct val="100000"/>
+                </a:lnSpc>
+                <a:spcBef>
+                  <a:spcPct val="0"/>
+                </a:spcBef>
+                <a:spcAft>
+                  <a:spcPct val="0"/>
+                </a:spcAft>
+                <a:buClrTx/>
+                <a:buSzTx/>
+                <a:buFontTx/>
+                <a:buNone/>
+                <a:tabLst/>
+              </a:pPr>
+              <a:endParaRPr kumimoji="0" lang="de-DE" sz="1600" b="0" i="0" u="none" strike="noStrike" cap="none" normalizeH="0" baseline="0" smtClean="0">
+                <a:ln>
+                  <a:noFill/>
+                </a:ln>
+                <a:solidFill>
+                  <a:schemeClr val="tx1"/>
+                </a:solidFill>
+                <a:effectLst/>
+                <a:latin typeface="Arial" charset="0"/>
+              </a:endParaRPr>
+            </a:p>
+          </p:txBody>
+        </p:sp>
+        <p:sp>
+          <p:nvSpPr>
+            <p:cNvPr id="6" name="Pfeil nach unten 5"/>
+            <p:cNvSpPr/>
+            <p:nvPr/>
+          </p:nvSpPr>
+          <p:spPr bwMode="auto">
+            <a:xfrm>
+              <a:off x="6084243" y="3026632"/>
+              <a:ext cx="504056" cy="504056"/>
+            </a:xfrm>
+            <a:prstGeom prst="downArrow">
+              <a:avLst/>
+            </a:prstGeom>
+            <a:solidFill>
+              <a:schemeClr val="bg1">
+                <a:lumMod val="65000"/>
+              </a:schemeClr>
+            </a:solidFill>
+            <a:ln w="19050" cap="flat" cmpd="sng" algn="ctr">
+              <a:noFill/>
+              <a:prstDash val="solid"/>
+              <a:round/>
+              <a:headEnd type="none" w="med" len="med"/>
+              <a:tailEnd type="none" w="med" len="med"/>
+            </a:ln>
+            <a:effectLst/>
+          </p:spPr>
+          <p:txBody>
+            <a:bodyPr vert="horz" wrap="square" lIns="91440" tIns="45720" rIns="91440" bIns="45720" numCol="1" rtlCol="0" anchor="t" anchorCtr="0" compatLnSpc="1">
+              <a:prstTxWarp prst="textNoShape">
+                <a:avLst/>
+              </a:prstTxWarp>
+            </a:bodyPr>
+            <a:lstStyle/>
+            <a:p>
+              <a:pPr marL="0" marR="0" indent="0" algn="l" defTabSz="914400" rtl="0" eaLnBrk="1" fontAlgn="base" latinLnBrk="0" hangingPunct="1">
+                <a:lnSpc>
+                  <a:spcPct val="100000"/>
+                </a:lnSpc>
+                <a:spcBef>
+                  <a:spcPct val="0"/>
+                </a:spcBef>
+                <a:spcAft>
+                  <a:spcPct val="0"/>
+                </a:spcAft>
+                <a:buClrTx/>
+                <a:buSzTx/>
+                <a:buFontTx/>
+                <a:buNone/>
+                <a:tabLst/>
+              </a:pPr>
+              <a:endParaRPr kumimoji="0" lang="de-DE" sz="1600" b="0" i="0" u="none" strike="noStrike" cap="none" normalizeH="0" baseline="0" smtClean="0">
+                <a:ln>
+                  <a:noFill/>
+                </a:ln>
+                <a:solidFill>
+                  <a:schemeClr val="tx1"/>
+                </a:solidFill>
+                <a:effectLst/>
+                <a:latin typeface="Arial" charset="0"/>
+              </a:endParaRPr>
+            </a:p>
+          </p:txBody>
+        </p:sp>
+        <p:sp>
+          <p:nvSpPr>
+            <p:cNvPr id="7" name="Pfeil nach unten 6"/>
+            <p:cNvSpPr/>
+            <p:nvPr/>
+          </p:nvSpPr>
+          <p:spPr bwMode="auto">
+            <a:xfrm rot="10800000">
+              <a:off x="5436096" y="1415176"/>
+              <a:ext cx="504056" cy="716144"/>
+            </a:xfrm>
+            <a:prstGeom prst="downArrow">
+              <a:avLst/>
+            </a:prstGeom>
+            <a:solidFill>
+              <a:schemeClr val="bg1">
+                <a:lumMod val="65000"/>
+              </a:schemeClr>
+            </a:solidFill>
+            <a:ln w="19050" cap="flat" cmpd="sng" algn="ctr">
+              <a:noFill/>
+              <a:prstDash val="solid"/>
+              <a:round/>
+              <a:headEnd type="none" w="med" len="med"/>
+              <a:tailEnd type="none" w="med" len="med"/>
+            </a:ln>
+            <a:effectLst/>
+          </p:spPr>
+          <p:txBody>
+            <a:bodyPr vert="horz" wrap="square" lIns="91440" tIns="45720" rIns="91440" bIns="45720" numCol="1" rtlCol="0" anchor="t" anchorCtr="0" compatLnSpc="1">
+              <a:prstTxWarp prst="textNoShape">
+                <a:avLst/>
+              </a:prstTxWarp>
+            </a:bodyPr>
+            <a:lstStyle/>
+            <a:p>
+              <a:pPr marL="0" marR="0" indent="0" algn="l" defTabSz="914400" rtl="0" eaLnBrk="1" fontAlgn="base" latinLnBrk="0" hangingPunct="1">
+                <a:lnSpc>
+                  <a:spcPct val="100000"/>
+                </a:lnSpc>
+                <a:spcBef>
+                  <a:spcPct val="0"/>
+                </a:spcBef>
+                <a:spcAft>
+                  <a:spcPct val="0"/>
+                </a:spcAft>
+                <a:buClrTx/>
+                <a:buSzTx/>
+                <a:buFontTx/>
+                <a:buNone/>
+                <a:tabLst/>
+              </a:pPr>
+              <a:endParaRPr kumimoji="0" lang="de-DE" sz="1600" b="0" i="0" u="none" strike="noStrike" cap="none" normalizeH="0" baseline="0" smtClean="0">
+                <a:ln>
+                  <a:noFill/>
+                </a:ln>
+                <a:solidFill>
+                  <a:schemeClr val="tx1"/>
+                </a:solidFill>
+                <a:effectLst/>
+                <a:latin typeface="Arial" charset="0"/>
+              </a:endParaRPr>
+            </a:p>
+          </p:txBody>
+        </p:sp>
+        <p:sp>
+          <p:nvSpPr>
+            <p:cNvPr id="8" name="Rechteckiger Pfeil 7"/>
+            <p:cNvSpPr/>
+            <p:nvPr/>
+          </p:nvSpPr>
+          <p:spPr bwMode="auto">
+            <a:xfrm rot="5400000">
+              <a:off x="6777406" y="2955084"/>
+              <a:ext cx="1588111" cy="627301"/>
+            </a:xfrm>
+            <a:prstGeom prst="bentArrow">
+              <a:avLst>
+                <a:gd name="adj1" fmla="val 26910"/>
+                <a:gd name="adj2" fmla="val 19457"/>
+                <a:gd name="adj3" fmla="val 30433"/>
+                <a:gd name="adj4" fmla="val 20627"/>
+              </a:avLst>
+            </a:prstGeom>
+            <a:solidFill>
+              <a:schemeClr val="bg1">
+                <a:lumMod val="65000"/>
+              </a:schemeClr>
+            </a:solidFill>
+            <a:ln w="19050" cap="flat" cmpd="sng" algn="ctr">
+              <a:noFill/>
+              <a:prstDash val="solid"/>
+              <a:round/>
+              <a:headEnd type="none" w="med" len="med"/>
+              <a:tailEnd type="none" w="med" len="med"/>
+            </a:ln>
+            <a:effectLst/>
+          </p:spPr>
+          <p:txBody>
+            <a:bodyPr vert="horz" wrap="square" lIns="91440" tIns="45720" rIns="91440" bIns="45720" numCol="1" rtlCol="0" anchor="t" anchorCtr="0" compatLnSpc="1">
+              <a:prstTxWarp prst="textNoShape">
+                <a:avLst/>
+              </a:prstTxWarp>
+            </a:bodyPr>
+            <a:lstStyle/>
+            <a:p>
+              <a:pPr marL="0" marR="0" indent="0" algn="l" defTabSz="914400" rtl="0" eaLnBrk="1" fontAlgn="base" latinLnBrk="0" hangingPunct="1">
+                <a:lnSpc>
+                  <a:spcPct val="100000"/>
+                </a:lnSpc>
+                <a:spcBef>
+                  <a:spcPct val="0"/>
+                </a:spcBef>
+                <a:spcAft>
+                  <a:spcPct val="0"/>
+                </a:spcAft>
+                <a:buClrTx/>
+                <a:buSzTx/>
+                <a:buFontTx/>
+                <a:buNone/>
+                <a:tabLst/>
+              </a:pPr>
+              <a:endParaRPr kumimoji="0" lang="de-DE" sz="1600" b="0" i="0" u="none" strike="noStrike" cap="none" normalizeH="0" baseline="0" smtClean="0">
+                <a:ln>
+                  <a:noFill/>
+                </a:ln>
+                <a:solidFill>
+                  <a:schemeClr val="tx1"/>
+                </a:solidFill>
+                <a:effectLst/>
+                <a:latin typeface="Arial" charset="0"/>
+              </a:endParaRPr>
+            </a:p>
+          </p:txBody>
+        </p:sp>
+        <p:sp>
+          <p:nvSpPr>
+            <p:cNvPr id="9" name="Pfeil nach unten 8"/>
+            <p:cNvSpPr/>
+            <p:nvPr/>
+          </p:nvSpPr>
+          <p:spPr bwMode="auto">
+            <a:xfrm rot="16200000">
+              <a:off x="7819210" y="3475286"/>
+              <a:ext cx="461231" cy="720081"/>
+            </a:xfrm>
+            <a:prstGeom prst="downArrow">
+              <a:avLst>
+                <a:gd name="adj1" fmla="val 100000"/>
+                <a:gd name="adj2" fmla="val 64349"/>
+              </a:avLst>
+            </a:prstGeom>
+            <a:solidFill>
+              <a:schemeClr val="bg1">
+                <a:lumMod val="65000"/>
+              </a:schemeClr>
+            </a:solidFill>
+            <a:ln w="3175" cap="flat" cmpd="sng" algn="ctr">
+              <a:solidFill>
+                <a:schemeClr val="bg1">
+                  <a:lumMod val="65000"/>
+                </a:schemeClr>
+              </a:solidFill>
+              <a:prstDash val="solid"/>
+              <a:round/>
+              <a:headEnd type="none" w="med" len="med"/>
+              <a:tailEnd type="none" w="med" len="med"/>
+            </a:ln>
+            <a:effectLst/>
+          </p:spPr>
+          <p:txBody>
+            <a:bodyPr vert="horz" wrap="square" lIns="91440" tIns="45720" rIns="91440" bIns="45720" numCol="1" rtlCol="0" anchor="t" anchorCtr="0" compatLnSpc="1">
+              <a:prstTxWarp prst="textNoShape">
+                <a:avLst/>
+              </a:prstTxWarp>
+            </a:bodyPr>
+            <a:lstStyle/>
+            <a:p>
+              <a:pPr marL="0" marR="0" indent="0" algn="l" defTabSz="914400" rtl="0" eaLnBrk="1" fontAlgn="base" latinLnBrk="0" hangingPunct="1">
+                <a:lnSpc>
+                  <a:spcPct val="100000"/>
+                </a:lnSpc>
+                <a:spcBef>
+                  <a:spcPct val="0"/>
+                </a:spcBef>
+                <a:spcAft>
+                  <a:spcPct val="0"/>
+                </a:spcAft>
+                <a:buClrTx/>
+                <a:buSzTx/>
+                <a:buFontTx/>
+                <a:buNone/>
+                <a:tabLst/>
+              </a:pPr>
+              <a:endParaRPr kumimoji="0" lang="de-DE" sz="1600" b="0" i="0" u="none" strike="noStrike" cap="none" normalizeH="0" baseline="0" smtClean="0">
+                <a:ln>
+                  <a:noFill/>
+                </a:ln>
+                <a:solidFill>
+                  <a:schemeClr val="tx1"/>
+                </a:solidFill>
+                <a:effectLst/>
+                <a:latin typeface="Arial" charset="0"/>
+              </a:endParaRPr>
+            </a:p>
+          </p:txBody>
+        </p:sp>
+        <p:sp>
+          <p:nvSpPr>
+            <p:cNvPr id="11" name="Rechteck 10"/>
+            <p:cNvSpPr/>
+            <p:nvPr/>
+          </p:nvSpPr>
+          <p:spPr bwMode="auto">
+            <a:xfrm>
+              <a:off x="5436171" y="3546232"/>
+              <a:ext cx="1790471" cy="791840"/>
+            </a:xfrm>
+            <a:prstGeom prst="rect">
+              <a:avLst/>
+            </a:prstGeom>
+            <a:solidFill>
+              <a:srgbClr val="2B5681"/>
+            </a:solidFill>
+            <a:ln w="38100" cap="flat" cmpd="sng" algn="ctr">
+              <a:solidFill>
+                <a:srgbClr val="C00000"/>
+              </a:solidFill>
+              <a:prstDash val="solid"/>
+              <a:round/>
+              <a:headEnd type="none" w="med" len="med"/>
+              <a:tailEnd type="none" w="med" len="med"/>
+            </a:ln>
+            <a:effectLst/>
+          </p:spPr>
+          <p:txBody>
+            <a:bodyPr vert="horz" wrap="square" lIns="91440" tIns="45720" rIns="91440" bIns="45720" numCol="1" rtlCol="0" anchor="ctr" anchorCtr="0" compatLnSpc="1">
+              <a:prstTxWarp prst="textNoShape">
+                <a:avLst/>
+              </a:prstTxWarp>
+            </a:bodyPr>
+            <a:lstStyle/>
+            <a:p>
+              <a:pPr marL="0" marR="0" indent="0" algn="ctr" defTabSz="914400" rtl="0" eaLnBrk="1" fontAlgn="base" latinLnBrk="0" hangingPunct="1">
+                <a:lnSpc>
+                  <a:spcPct val="100000"/>
+                </a:lnSpc>
+                <a:spcBef>
+                  <a:spcPct val="0"/>
+                </a:spcBef>
+                <a:spcAft>
+                  <a:spcPct val="0"/>
+                </a:spcAft>
+                <a:buClrTx/>
+                <a:buSzTx/>
+                <a:buFontTx/>
+                <a:buNone/>
+                <a:tabLst/>
+              </a:pPr>
+              <a:r>
+                <a:rPr kumimoji="0" lang="de-DE" b="0" i="0" u="none" strike="noStrike" cap="none" normalizeH="0" baseline="0" dirty="0" smtClean="0">
+                  <a:ln>
+                    <a:noFill/>
+                  </a:ln>
+                  <a:solidFill>
+                    <a:schemeClr val="bg1"/>
+                  </a:solidFill>
+                  <a:effectLst/>
+                  <a:latin typeface="Calibri" pitchFamily="34" charset="0"/>
+                </a:rPr>
+                <a:t>Grundwasser-</a:t>
+              </a:r>
+              <a:br>
+                <a:rPr kumimoji="0" lang="de-DE" b="0" i="0" u="none" strike="noStrike" cap="none" normalizeH="0" baseline="0" dirty="0" smtClean="0">
+                  <a:ln>
+                    <a:noFill/>
+                  </a:ln>
+                  <a:solidFill>
+                    <a:schemeClr val="bg1"/>
+                  </a:solidFill>
+                  <a:effectLst/>
+                  <a:latin typeface="Calibri" pitchFamily="34" charset="0"/>
+                </a:rPr>
+              </a:br>
+              <a:r>
+                <a:rPr kumimoji="0" lang="de-DE" b="0" i="0" u="none" strike="noStrike" cap="none" normalizeH="0" baseline="0" dirty="0" smtClean="0">
+                  <a:ln>
+                    <a:noFill/>
+                  </a:ln>
+                  <a:solidFill>
+                    <a:schemeClr val="bg1"/>
+                  </a:solidFill>
+                  <a:effectLst/>
+                  <a:latin typeface="Calibri" pitchFamily="34" charset="0"/>
+                </a:rPr>
+                <a:t>speicher G</a:t>
+              </a:r>
+            </a:p>
+          </p:txBody>
+        </p:sp>
+        <p:sp>
+          <p:nvSpPr>
+            <p:cNvPr id="12" name="Textfeld 11"/>
+            <p:cNvSpPr txBox="1"/>
+            <p:nvPr/>
+          </p:nvSpPr>
+          <p:spPr>
+            <a:xfrm>
+              <a:off x="5364088" y="1403544"/>
+              <a:ext cx="2160786" cy="338554"/>
+            </a:xfrm>
+            <a:prstGeom prst="rect">
+              <a:avLst/>
+            </a:prstGeom>
+            <a:noFill/>
+          </p:spPr>
+          <p:txBody>
+            <a:bodyPr wrap="square" rtlCol="0">
+              <a:spAutoFit/>
+            </a:bodyPr>
+            <a:lstStyle/>
+            <a:p>
+              <a:r>
+                <a:rPr lang="de-DE" dirty="0" smtClean="0">
+                  <a:latin typeface="Calibri" pitchFamily="34" charset="0"/>
+                </a:rPr>
+                <a:t>Verdunstung ET</a:t>
+              </a:r>
+              <a:endParaRPr lang="de-DE" dirty="0">
+                <a:latin typeface="Calibri" pitchFamily="34" charset="0"/>
+              </a:endParaRPr>
+            </a:p>
+          </p:txBody>
+        </p:sp>
+        <p:sp>
+          <p:nvSpPr>
+            <p:cNvPr id="14" name="Textfeld 13"/>
+            <p:cNvSpPr txBox="1"/>
+            <p:nvPr/>
+          </p:nvSpPr>
+          <p:spPr>
+            <a:xfrm>
+              <a:off x="6463738" y="2990641"/>
+              <a:ext cx="2160786" cy="584775"/>
+            </a:xfrm>
+            <a:prstGeom prst="rect">
+              <a:avLst/>
+            </a:prstGeom>
+            <a:noFill/>
+          </p:spPr>
+          <p:txBody>
+            <a:bodyPr wrap="square" rtlCol="0">
+              <a:spAutoFit/>
+            </a:bodyPr>
+            <a:lstStyle/>
+            <a:p>
+              <a:r>
+                <a:rPr lang="de-DE" dirty="0" smtClean="0">
+                  <a:latin typeface="Calibri" pitchFamily="34" charset="0"/>
+                </a:rPr>
+                <a:t>Grundwasser-</a:t>
+              </a:r>
+              <a:br>
+                <a:rPr lang="de-DE" dirty="0" smtClean="0">
+                  <a:latin typeface="Calibri" pitchFamily="34" charset="0"/>
+                </a:rPr>
+              </a:br>
+              <a:r>
+                <a:rPr lang="de-DE" dirty="0" err="1" smtClean="0">
+                  <a:latin typeface="Calibri" pitchFamily="34" charset="0"/>
+                </a:rPr>
+                <a:t>neubildung</a:t>
+              </a:r>
+              <a:r>
+                <a:rPr lang="de-DE" dirty="0" smtClean="0">
+                  <a:latin typeface="Calibri" pitchFamily="34" charset="0"/>
+                </a:rPr>
+                <a:t> RG</a:t>
+              </a:r>
+              <a:endParaRPr lang="de-DE" dirty="0">
+                <a:latin typeface="Calibri" pitchFamily="34" charset="0"/>
+              </a:endParaRPr>
+            </a:p>
+          </p:txBody>
+        </p:sp>
+        <p:sp>
+          <p:nvSpPr>
+            <p:cNvPr id="15" name="Textfeld 14"/>
+            <p:cNvSpPr txBox="1"/>
+            <p:nvPr/>
+          </p:nvSpPr>
+          <p:spPr>
+            <a:xfrm>
+              <a:off x="7308304" y="2421384"/>
+              <a:ext cx="1584176" cy="338554"/>
+            </a:xfrm>
+            <a:prstGeom prst="rect">
+              <a:avLst/>
+            </a:prstGeom>
+            <a:noFill/>
+          </p:spPr>
+          <p:txBody>
+            <a:bodyPr wrap="square" rtlCol="0">
+              <a:spAutoFit/>
+            </a:bodyPr>
+            <a:lstStyle/>
+            <a:p>
+              <a:r>
+                <a:rPr lang="de-DE" dirty="0" smtClean="0">
+                  <a:latin typeface="Calibri" pitchFamily="34" charset="0"/>
+                </a:rPr>
+                <a:t>Direktabfluss QD </a:t>
+              </a:r>
+              <a:endParaRPr lang="de-DE" dirty="0">
+                <a:latin typeface="Calibri" pitchFamily="34" charset="0"/>
+              </a:endParaRPr>
+            </a:p>
+          </p:txBody>
+        </p:sp>
+        <p:sp>
+          <p:nvSpPr>
+            <p:cNvPr id="16" name="Textfeld 15"/>
+            <p:cNvSpPr txBox="1"/>
+            <p:nvPr/>
+          </p:nvSpPr>
+          <p:spPr>
+            <a:xfrm>
+              <a:off x="7919318" y="3678638"/>
+              <a:ext cx="1117178" cy="338554"/>
+            </a:xfrm>
+            <a:prstGeom prst="rect">
+              <a:avLst/>
+            </a:prstGeom>
+            <a:noFill/>
+          </p:spPr>
+          <p:txBody>
+            <a:bodyPr wrap="square" rtlCol="0">
+              <a:spAutoFit/>
+            </a:bodyPr>
+            <a:lstStyle/>
+            <a:p>
+              <a:r>
+                <a:rPr lang="de-DE" dirty="0" smtClean="0">
+                  <a:latin typeface="Calibri" pitchFamily="34" charset="0"/>
+                </a:rPr>
+                <a:t>Abfluss  Q</a:t>
+              </a:r>
+              <a:endParaRPr lang="de-DE" dirty="0">
+                <a:latin typeface="Calibri" pitchFamily="34" charset="0"/>
+              </a:endParaRPr>
+            </a:p>
+          </p:txBody>
+        </p:sp>
+        <p:sp>
+          <p:nvSpPr>
+            <p:cNvPr id="17" name="Rechteck 16"/>
+            <p:cNvSpPr/>
+            <p:nvPr/>
+          </p:nvSpPr>
+          <p:spPr bwMode="auto">
+            <a:xfrm>
+              <a:off x="5435724" y="2203330"/>
+              <a:ext cx="1790471" cy="791840"/>
+            </a:xfrm>
+            <a:prstGeom prst="rect">
+              <a:avLst/>
+            </a:prstGeom>
+            <a:solidFill>
+              <a:schemeClr val="accent5">
+                <a:lumMod val="50000"/>
+              </a:schemeClr>
+            </a:solidFill>
+            <a:ln w="38100" cap="flat" cmpd="sng" algn="ctr">
+              <a:solidFill>
+                <a:srgbClr val="C00000"/>
+              </a:solidFill>
+              <a:prstDash val="solid"/>
+              <a:round/>
+              <a:headEnd type="none" w="med" len="med"/>
+              <a:tailEnd type="none" w="med" len="med"/>
+            </a:ln>
+            <a:effectLst/>
+          </p:spPr>
+          <p:txBody>
+            <a:bodyPr vert="horz" wrap="square" lIns="91440" tIns="45720" rIns="91440" bIns="45720" numCol="1" rtlCol="0" anchor="ctr" anchorCtr="0" compatLnSpc="1">
+              <a:prstTxWarp prst="textNoShape">
+                <a:avLst/>
+              </a:prstTxWarp>
+            </a:bodyPr>
+            <a:lstStyle/>
+            <a:p>
+              <a:pPr marL="0" marR="0" indent="0" algn="ctr" defTabSz="914400" rtl="0" eaLnBrk="1" fontAlgn="base" latinLnBrk="0" hangingPunct="1">
+                <a:lnSpc>
+                  <a:spcPct val="100000"/>
+                </a:lnSpc>
+                <a:spcBef>
+                  <a:spcPct val="0"/>
+                </a:spcBef>
+                <a:spcAft>
+                  <a:spcPct val="0"/>
+                </a:spcAft>
+                <a:buClrTx/>
+                <a:buSzTx/>
+                <a:buFontTx/>
+                <a:buNone/>
+                <a:tabLst/>
+              </a:pPr>
+              <a:r>
+                <a:rPr kumimoji="0" lang="de-DE" b="0" i="0" u="none" strike="noStrike" cap="none" normalizeH="0" baseline="0" dirty="0" smtClean="0">
+                  <a:ln>
+                    <a:noFill/>
+                  </a:ln>
+                  <a:solidFill>
+                    <a:schemeClr val="bg1"/>
+                  </a:solidFill>
+                  <a:effectLst/>
+                  <a:latin typeface="Calibri" pitchFamily="34" charset="0"/>
+                </a:rPr>
+                <a:t>Bodenwasser-</a:t>
+              </a:r>
+              <a:br>
+                <a:rPr kumimoji="0" lang="de-DE" b="0" i="0" u="none" strike="noStrike" cap="none" normalizeH="0" baseline="0" dirty="0" smtClean="0">
+                  <a:ln>
+                    <a:noFill/>
+                  </a:ln>
+                  <a:solidFill>
+                    <a:schemeClr val="bg1"/>
+                  </a:solidFill>
+                  <a:effectLst/>
+                  <a:latin typeface="Calibri" pitchFamily="34" charset="0"/>
+                </a:rPr>
+              </a:br>
+              <a:r>
+                <a:rPr kumimoji="0" lang="de-DE" b="0" i="0" u="none" strike="noStrike" cap="none" normalizeH="0" baseline="0" dirty="0" smtClean="0">
+                  <a:ln>
+                    <a:noFill/>
+                  </a:ln>
+                  <a:solidFill>
+                    <a:schemeClr val="bg1"/>
+                  </a:solidFill>
+                  <a:effectLst/>
+                  <a:latin typeface="Calibri" pitchFamily="34" charset="0"/>
+                </a:rPr>
+                <a:t>speicher S</a:t>
+              </a:r>
+            </a:p>
+          </p:txBody>
+        </p:sp>
+        <p:sp>
+          <p:nvSpPr>
+            <p:cNvPr id="18" name="Pfeil nach unten 17"/>
+            <p:cNvSpPr/>
+            <p:nvPr/>
+          </p:nvSpPr>
+          <p:spPr bwMode="auto">
+            <a:xfrm>
+              <a:off x="6732239" y="1434292"/>
+              <a:ext cx="504056" cy="720080"/>
+            </a:xfrm>
+            <a:prstGeom prst="downArrow">
+              <a:avLst/>
+            </a:prstGeom>
+            <a:solidFill>
+              <a:schemeClr val="bg1">
+                <a:lumMod val="65000"/>
+              </a:schemeClr>
+            </a:solidFill>
+            <a:ln w="19050" cap="flat" cmpd="sng" algn="ctr">
+              <a:noFill/>
+              <a:prstDash val="solid"/>
+              <a:round/>
+              <a:headEnd type="none" w="med" len="med"/>
+              <a:tailEnd type="none" w="med" len="med"/>
+            </a:ln>
+            <a:effectLst/>
+          </p:spPr>
+          <p:txBody>
+            <a:bodyPr vert="horz" wrap="square" lIns="91440" tIns="45720" rIns="91440" bIns="45720" numCol="1" rtlCol="0" anchor="t" anchorCtr="0" compatLnSpc="1">
+              <a:prstTxWarp prst="textNoShape">
+                <a:avLst/>
+              </a:prstTxWarp>
+            </a:bodyPr>
+            <a:lstStyle/>
+            <a:p>
+              <a:pPr marL="0" marR="0" indent="0" algn="l" defTabSz="914400" rtl="0" eaLnBrk="1" fontAlgn="base" latinLnBrk="0" hangingPunct="1">
+                <a:lnSpc>
+                  <a:spcPct val="100000"/>
+                </a:lnSpc>
+                <a:spcBef>
+                  <a:spcPct val="0"/>
+                </a:spcBef>
+                <a:spcAft>
+                  <a:spcPct val="0"/>
+                </a:spcAft>
+                <a:buClrTx/>
+                <a:buSzTx/>
+                <a:buFontTx/>
+                <a:buNone/>
+                <a:tabLst/>
+              </a:pPr>
+              <a:endParaRPr kumimoji="0" lang="de-DE" sz="1600" b="0" i="0" u="none" strike="noStrike" cap="none" normalizeH="0" baseline="0" smtClean="0">
+                <a:ln>
+                  <a:noFill/>
+                </a:ln>
+                <a:solidFill>
+                  <a:schemeClr val="tx1"/>
+                </a:solidFill>
+                <a:effectLst/>
+                <a:latin typeface="Arial" charset="0"/>
+              </a:endParaRPr>
+            </a:p>
+          </p:txBody>
+        </p:sp>
+        <p:sp>
+          <p:nvSpPr>
+            <p:cNvPr id="19" name="Textfeld 18"/>
+            <p:cNvSpPr txBox="1"/>
+            <p:nvPr/>
+          </p:nvSpPr>
+          <p:spPr>
+            <a:xfrm>
+              <a:off x="6399480" y="1839370"/>
+              <a:ext cx="1872209" cy="338554"/>
+            </a:xfrm>
+            <a:prstGeom prst="rect">
+              <a:avLst/>
+            </a:prstGeom>
+            <a:noFill/>
+            <a:ln w="28575">
+              <a:noFill/>
+              <a:prstDash val="sysDash"/>
+            </a:ln>
+          </p:spPr>
+          <p:txBody>
+            <a:bodyPr wrap="square" rtlCol="0">
+              <a:spAutoFit/>
+            </a:bodyPr>
+            <a:lstStyle/>
+            <a:p>
+              <a:pPr algn="ctr"/>
+              <a:r>
+                <a:rPr lang="de-DE" dirty="0" smtClean="0">
+                  <a:latin typeface="Calibri" pitchFamily="34" charset="0"/>
+                </a:rPr>
+                <a:t>Niederschlag P</a:t>
+              </a:r>
+              <a:endParaRPr lang="de-DE" dirty="0">
+                <a:latin typeface="Calibri" pitchFamily="34" charset="0"/>
+              </a:endParaRPr>
+            </a:p>
+          </p:txBody>
+        </p:sp>
+        <p:sp>
+          <p:nvSpPr>
+            <p:cNvPr id="20" name="Textfeld 19"/>
+            <p:cNvSpPr txBox="1"/>
+            <p:nvPr/>
+          </p:nvSpPr>
+          <p:spPr>
+            <a:xfrm>
+              <a:off x="7236296" y="4026550"/>
+              <a:ext cx="1512094" cy="338554"/>
+            </a:xfrm>
+            <a:prstGeom prst="rect">
+              <a:avLst/>
+            </a:prstGeom>
+            <a:noFill/>
+          </p:spPr>
+          <p:txBody>
+            <a:bodyPr wrap="square" rtlCol="0">
+              <a:spAutoFit/>
+            </a:bodyPr>
+            <a:lstStyle/>
+            <a:p>
+              <a:r>
+                <a:rPr lang="de-DE" dirty="0" smtClean="0">
+                  <a:latin typeface="Calibri" pitchFamily="34" charset="0"/>
+                </a:rPr>
+                <a:t>Basisabfluss QB </a:t>
+              </a:r>
+              <a:endParaRPr lang="de-DE" dirty="0">
+                <a:latin typeface="Calibri" pitchFamily="34" charset="0"/>
+              </a:endParaRPr>
+            </a:p>
+          </p:txBody>
+        </p:sp>
+        <p:sp>
+          <p:nvSpPr>
+            <p:cNvPr id="21" name="Textfeld 20"/>
+            <p:cNvSpPr txBox="1"/>
+            <p:nvPr/>
+          </p:nvSpPr>
+          <p:spPr>
+            <a:xfrm>
+              <a:off x="7164288" y="1412776"/>
+              <a:ext cx="1584325" cy="461665"/>
+            </a:xfrm>
+            <a:prstGeom prst="rect">
+              <a:avLst/>
+            </a:prstGeom>
+            <a:noFill/>
+          </p:spPr>
+          <p:txBody>
+            <a:bodyPr wrap="square" rtlCol="0">
+              <a:spAutoFit/>
+            </a:bodyPr>
+            <a:lstStyle/>
+            <a:p>
+              <a:pPr algn="r"/>
+              <a:r>
+                <a:rPr lang="de-DE" sz="2400" b="1" dirty="0" smtClean="0">
+                  <a:solidFill>
+                    <a:srgbClr val="2B5681"/>
+                  </a:solidFill>
+                  <a:latin typeface="Calibri" pitchFamily="34" charset="0"/>
+                </a:rPr>
+                <a:t>abcd</a:t>
+              </a:r>
+              <a:endParaRPr lang="de-DE" sz="2400" b="1" dirty="0">
+                <a:solidFill>
+                  <a:srgbClr val="2B5681"/>
+                </a:solidFill>
+                <a:latin typeface="Calibri" pitchFamily="34" charset="0"/>
+              </a:endParaRPr>
+            </a:p>
+          </p:txBody>
+        </p:sp>
+      </p:grpSp>
+      <p:sp>
+        <p:nvSpPr>
+          <p:cNvPr id="23" name="Textfeld 22"/>
+          <p:cNvSpPr txBox="1"/>
+          <p:nvPr/>
+        </p:nvSpPr>
+        <p:spPr>
+          <a:xfrm>
+            <a:off x="250825" y="1484784"/>
+            <a:ext cx="5473303" cy="1785104"/>
+          </a:xfrm>
+          <a:prstGeom prst="rect">
+            <a:avLst/>
+          </a:prstGeom>
+          <a:noFill/>
+        </p:spPr>
+        <p:txBody>
+          <a:bodyPr wrap="square" rtlCol="0">
+            <a:spAutoFit/>
+          </a:bodyPr>
+          <a:lstStyle/>
+          <a:p>
+            <a:pPr marL="355600" indent="-355600">
+              <a:spcAft>
+                <a:spcPts val="600"/>
+              </a:spcAft>
+              <a:buFont typeface="Wingdings" pitchFamily="2" charset="2"/>
+              <a:buChar char=""/>
+            </a:pPr>
+            <a:r>
+              <a:rPr lang="de-DE" sz="2000" dirty="0" smtClean="0">
+                <a:latin typeface="Calibri" pitchFamily="34" charset="0"/>
+              </a:rPr>
+              <a:t>Massenerhaltung als Grundprinzip</a:t>
+            </a:r>
+          </a:p>
+          <a:p>
+            <a:pPr marL="355600" indent="-355600">
+              <a:spcAft>
+                <a:spcPts val="600"/>
+              </a:spcAft>
+              <a:buFont typeface="Wingdings" pitchFamily="2" charset="2"/>
+              <a:buChar char=""/>
+            </a:pPr>
+            <a:r>
+              <a:rPr lang="de-DE" sz="2000" dirty="0" smtClean="0">
+                <a:latin typeface="Calibri" pitchFamily="34" charset="0"/>
+              </a:rPr>
+              <a:t>Einfluss der Gebietsfeuchte </a:t>
+            </a:r>
+            <a:r>
+              <a:rPr lang="de-DE" sz="2000" dirty="0" smtClean="0">
+                <a:latin typeface="Calibri" pitchFamily="34" charset="0"/>
+              </a:rPr>
+              <a:t>‚</a:t>
+            </a:r>
+            <a:br>
+              <a:rPr lang="de-DE" sz="2000" dirty="0" smtClean="0">
+                <a:latin typeface="Calibri" pitchFamily="34" charset="0"/>
+              </a:rPr>
+            </a:br>
+            <a:r>
+              <a:rPr lang="de-DE" sz="2000" dirty="0" smtClean="0">
+                <a:latin typeface="Calibri" pitchFamily="34" charset="0"/>
+              </a:rPr>
+              <a:t>auf </a:t>
+            </a:r>
+            <a:r>
+              <a:rPr lang="de-DE" sz="2000" dirty="0" smtClean="0">
+                <a:latin typeface="Calibri" pitchFamily="34" charset="0"/>
+              </a:rPr>
+              <a:t>Abflussbildung</a:t>
+            </a:r>
+          </a:p>
+          <a:p>
+            <a:pPr marL="355600" indent="-355600">
+              <a:spcAft>
+                <a:spcPts val="600"/>
+              </a:spcAft>
+              <a:buFont typeface="Wingdings" pitchFamily="2" charset="2"/>
+              <a:buChar char=""/>
+            </a:pPr>
+            <a:r>
+              <a:rPr lang="de-DE" sz="2000" dirty="0" smtClean="0">
+                <a:latin typeface="Calibri" pitchFamily="34" charset="0"/>
+              </a:rPr>
+              <a:t>Abbildung physikalischer Prozesse </a:t>
+            </a:r>
+            <a:r>
+              <a:rPr lang="de-DE" sz="2000" dirty="0" smtClean="0">
+                <a:latin typeface="Calibri" pitchFamily="34" charset="0"/>
+              </a:rPr>
+              <a:t/>
+            </a:r>
+            <a:br>
+              <a:rPr lang="de-DE" sz="2000" dirty="0" smtClean="0">
+                <a:latin typeface="Calibri" pitchFamily="34" charset="0"/>
+              </a:rPr>
+            </a:br>
+            <a:r>
+              <a:rPr lang="de-DE" sz="2000" dirty="0" smtClean="0">
+                <a:latin typeface="Calibri" pitchFamily="34" charset="0"/>
+              </a:rPr>
+              <a:t>(hier: Verdunstung</a:t>
+            </a:r>
+            <a:r>
+              <a:rPr lang="de-DE" sz="2000" dirty="0" smtClean="0">
+                <a:latin typeface="Calibri" pitchFamily="34" charset="0"/>
+              </a:rPr>
+              <a:t>)</a:t>
+            </a:r>
+          </a:p>
+        </p:txBody>
+      </p:sp>
+      <p:sp>
+        <p:nvSpPr>
+          <p:cNvPr id="25" name="Textfeld 24"/>
+          <p:cNvSpPr txBox="1"/>
+          <p:nvPr/>
+        </p:nvSpPr>
+        <p:spPr>
+          <a:xfrm>
+            <a:off x="250825" y="3564012"/>
+            <a:ext cx="4896544" cy="400110"/>
+          </a:xfrm>
+          <a:prstGeom prst="rect">
+            <a:avLst/>
+          </a:prstGeom>
+          <a:noFill/>
+        </p:spPr>
+        <p:txBody>
+          <a:bodyPr wrap="square" rtlCol="0">
+            <a:spAutoFit/>
+          </a:bodyPr>
+          <a:lstStyle/>
+          <a:p>
+            <a:r>
+              <a:rPr lang="de-DE" sz="2000" b="1" dirty="0" smtClean="0">
+                <a:latin typeface="Calibri" pitchFamily="34" charset="0"/>
+              </a:rPr>
+              <a:t>Parameter des abcd-Modells </a:t>
+            </a:r>
+            <a:endParaRPr lang="de-DE" sz="2000" b="1" dirty="0">
+              <a:latin typeface="Calibri" pitchFamily="34" charset="0"/>
+            </a:endParaRPr>
+          </a:p>
+        </p:txBody>
+      </p:sp>
+      <p:sp>
+        <p:nvSpPr>
+          <p:cNvPr id="26" name="Textfeld 25"/>
+          <p:cNvSpPr txBox="1"/>
+          <p:nvPr/>
+        </p:nvSpPr>
+        <p:spPr>
+          <a:xfrm>
+            <a:off x="250825" y="4005064"/>
+            <a:ext cx="5905351" cy="1862048"/>
+          </a:xfrm>
+          <a:prstGeom prst="rect">
+            <a:avLst/>
+          </a:prstGeom>
+          <a:noFill/>
+        </p:spPr>
+        <p:txBody>
+          <a:bodyPr wrap="square" rtlCol="0">
+            <a:spAutoFit/>
+          </a:bodyPr>
+          <a:lstStyle/>
+          <a:p>
+            <a:pPr marL="355600" indent="-355600">
+              <a:spcAft>
+                <a:spcPts val="600"/>
+              </a:spcAft>
+              <a:buFont typeface="+mj-lt"/>
+              <a:buAutoNum type="alphaLcPeriod"/>
+            </a:pPr>
+            <a:r>
+              <a:rPr lang="de-DE" sz="2000" dirty="0" smtClean="0">
+                <a:latin typeface="Calibri" pitchFamily="34" charset="0"/>
+              </a:rPr>
+              <a:t>Neigung zur Direktabflussbildung</a:t>
+            </a:r>
+          </a:p>
+          <a:p>
+            <a:pPr marL="355600" indent="-355600">
+              <a:spcAft>
+                <a:spcPts val="600"/>
+              </a:spcAft>
+              <a:buFont typeface="+mj-lt"/>
+              <a:buAutoNum type="alphaLcPeriod"/>
+            </a:pPr>
+            <a:r>
+              <a:rPr lang="de-DE" sz="2000" dirty="0" smtClean="0">
+                <a:latin typeface="Calibri" pitchFamily="34" charset="0"/>
+              </a:rPr>
+              <a:t>Effektive Speicherkapazität des Bodens</a:t>
+            </a:r>
+          </a:p>
+          <a:p>
+            <a:pPr marL="355600" indent="-355600">
+              <a:spcAft>
+                <a:spcPts val="600"/>
+              </a:spcAft>
+              <a:buFont typeface="+mj-lt"/>
+              <a:buAutoNum type="alphaLcPeriod"/>
+            </a:pPr>
+            <a:r>
+              <a:rPr lang="de-DE" sz="2000" dirty="0" smtClean="0">
+                <a:latin typeface="Calibri" pitchFamily="34" charset="0"/>
+              </a:rPr>
+              <a:t>Aufteilung zwischen GW-Neubildung und Direktabfluss</a:t>
+            </a:r>
+          </a:p>
+          <a:p>
+            <a:pPr marL="355600" indent="-355600">
+              <a:spcAft>
+                <a:spcPts val="600"/>
+              </a:spcAft>
+              <a:buFont typeface="+mj-lt"/>
+              <a:buAutoNum type="alphaLcPeriod"/>
+            </a:pPr>
+            <a:r>
+              <a:rPr lang="de-DE" sz="2000" dirty="0" smtClean="0">
+                <a:latin typeface="Calibri" pitchFamily="34" charset="0"/>
+              </a:rPr>
+              <a:t>Rezessionskonstante für  Basisabfluss</a:t>
+            </a:r>
+          </a:p>
+        </p:txBody>
+      </p:sp>
+    </p:spTree>
+  </p:cSld>
+  <p:clrMapOvr>
+    <a:masterClrMapping/>
+  </p:clrMapOvr>
+  <p:transition>
+    <p:zoom/>
+  </p:transition>
+  <p:timing>
+    <p:tnLst>
+      <p:par>
+        <p:cTn id="1" dur="indefinite" restart="never" nodeType="tmRoot">
+          <p:childTnLst>
+            <p:seq concurrent="1" nextAc="seek">
+              <p:cTn id="2" dur="indefinite" nodeType="mainSeq">
+                <p:childTnLst>
+                  <p:par>
+                    <p:cTn id="3" fill="hold">
+                      <p:stCondLst>
+                        <p:cond delay="indefinite"/>
+                        <p:cond evt="onBegin" delay="0">
+                          <p:tn val="2"/>
+                        </p:cond>
+                      </p:stCondLst>
+                      <p:childTnLst>
+                        <p:par>
+                          <p:cTn id="4" fill="hold">
+                            <p:stCondLst>
+                              <p:cond delay="0"/>
+                            </p:stCondLst>
+                            <p:childTnLst>
+                              <p:par>
+                                <p:cTn id="5" presetID="9" presetClass="entr" presetSubtype="0" fill="hold" grpId="0" nodeType="withEffect">
+                                  <p:stCondLst>
+                                    <p:cond delay="0"/>
+                                  </p:stCondLst>
+                                  <p:childTnLst>
+                                    <p:set>
+                                      <p:cBhvr>
+                                        <p:cTn id="6" dur="1" fill="hold">
+                                          <p:stCondLst>
+                                            <p:cond delay="0"/>
+                                          </p:stCondLst>
+                                        </p:cTn>
+                                        <p:tgtEl>
+                                          <p:spTgt spid="23"/>
+                                        </p:tgtEl>
+                                        <p:attrNameLst>
+                                          <p:attrName>style.visibility</p:attrName>
+                                        </p:attrNameLst>
+                                      </p:cBhvr>
+                                      <p:to>
+                                        <p:strVal val="visible"/>
+                                      </p:to>
+                                    </p:set>
+                                    <p:animEffect transition="in" filter="dissolve">
+                                      <p:cBhvr>
+                                        <p:cTn id="7" dur="500"/>
+                                        <p:tgtEl>
+                                          <p:spTgt spid="23"/>
+                                        </p:tgtEl>
+                                      </p:cBhvr>
+                                    </p:animEffect>
+                                  </p:childTnLst>
+                                </p:cTn>
+                              </p:par>
+                              <p:par>
+                                <p:cTn id="8" presetID="9" presetClass="entr" presetSubtype="0" fill="hold" grpId="0" nodeType="withEffect">
+                                  <p:stCondLst>
+                                    <p:cond delay="0"/>
+                                  </p:stCondLst>
+                                  <p:childTnLst>
+                                    <p:set>
+                                      <p:cBhvr>
+                                        <p:cTn id="9" dur="1" fill="hold">
+                                          <p:stCondLst>
+                                            <p:cond delay="0"/>
+                                          </p:stCondLst>
+                                        </p:cTn>
+                                        <p:tgtEl>
+                                          <p:spTgt spid="26"/>
+                                        </p:tgtEl>
+                                        <p:attrNameLst>
+                                          <p:attrName>style.visibility</p:attrName>
+                                        </p:attrNameLst>
+                                      </p:cBhvr>
+                                      <p:to>
+                                        <p:strVal val="visible"/>
+                                      </p:to>
+                                    </p:set>
+                                    <p:animEffect transition="in" filter="dissolve">
+                                      <p:cBhvr>
+                                        <p:cTn id="10" dur="500"/>
+                                        <p:tgtEl>
+                                          <p:spTgt spid="26"/>
+                                        </p:tgtEl>
+                                      </p:cBhvr>
+                                    </p:animEffect>
+                                  </p:childTnLst>
+                                </p:cTn>
+                              </p:par>
+                            </p:childTnLst>
+                          </p:cTn>
+                        </p:par>
+                      </p:childTnLst>
+                    </p:cTn>
+                  </p:par>
+                </p:childTnLst>
+              </p:cTn>
+              <p:prevCondLst>
+                <p:cond evt="onPrev" delay="0">
+                  <p:tgtEl>
+                    <p:sldTgt/>
+                  </p:tgtEl>
+                </p:cond>
+              </p:prevCondLst>
+              <p:nextCondLst>
+                <p:cond evt="onNext" delay="0">
+                  <p:tgtEl>
+                    <p:sldTgt/>
+                  </p:tgtEl>
+                </p:cond>
+              </p:nextCondLst>
+            </p:seq>
+          </p:childTnLst>
+        </p:cTn>
+      </p:par>
+    </p:tnLst>
+    <p:bldLst>
+      <p:bldP spid="23" grpId="0"/>
+      <p:bldP spid="26" grpId="0"/>
+    </p:bldLst>
+  </p:timing>
+</p:sld>
+</file>
+
+<file path=ppt/slides/slide5.xml><?xml version="1.0" encoding="utf-8"?>
+<p:sld xmlns:a="http://schemas.openxmlformats.org/drawingml/2006/main" xmlns:r="http://schemas.openxmlformats.org/officeDocument/2006/relationships" xmlns:p="http://schemas.openxmlformats.org/presentationml/2006/main">
+  <p:cSld>
+    <p:spTree>
+      <p:nvGrpSpPr>
+        <p:cNvPr id="1" name=""/>
+        <p:cNvGrpSpPr/>
+        <p:nvPr/>
+      </p:nvGrpSpPr>
+      <p:grpSpPr>
+        <a:xfrm>
+          <a:off x="0" y="0"/>
+          <a:ext cx="0" cy="0"/>
+          <a:chOff x="0" y="0"/>
+          <a:chExt cx="0" cy="0"/>
+        </a:xfrm>
+      </p:grpSpPr>
+      <p:sp>
+        <p:nvSpPr>
+          <p:cNvPr id="13" name="Textfeld 12"/>
+          <p:cNvSpPr txBox="1"/>
+          <p:nvPr/>
+        </p:nvSpPr>
+        <p:spPr>
+          <a:xfrm>
+            <a:off x="1" y="-21515"/>
+            <a:ext cx="9108504" cy="476250"/>
+          </a:xfrm>
+          <a:prstGeom prst="rect">
+            <a:avLst/>
+          </a:prstGeom>
+          <a:noFill/>
+          <a:effectLst/>
+        </p:spPr>
+        <p:txBody>
+          <a:bodyPr wrap="square" lIns="0" rIns="0" rtlCol="0">
+            <a:noAutofit/>
+          </a:bodyPr>
+          <a:lstStyle/>
+          <a:p>
+            <a:pPr algn="ctr">
+              <a:spcAft>
+                <a:spcPts val="0"/>
+              </a:spcAft>
+              <a:defRPr/>
+            </a:pPr>
+            <a:r>
+              <a:rPr lang="de-DE" sz="2800" dirty="0" smtClean="0">
+                <a:solidFill>
+                  <a:schemeClr val="bg1">
+                    <a:lumMod val="85000"/>
+                  </a:schemeClr>
+                </a:solidFill>
+                <a:latin typeface="Calibri" pitchFamily="34" charset="0"/>
+              </a:rPr>
+              <a:t>Modelldiagnose</a:t>
+            </a:r>
+          </a:p>
+        </p:txBody>
+      </p:sp>
+      <p:sp>
+        <p:nvSpPr>
+          <p:cNvPr id="10" name="Textfeld 9"/>
+          <p:cNvSpPr txBox="1"/>
+          <p:nvPr/>
+        </p:nvSpPr>
+        <p:spPr>
+          <a:xfrm>
+            <a:off x="250825" y="765175"/>
+            <a:ext cx="4896544" cy="523220"/>
+          </a:xfrm>
+          <a:prstGeom prst="rect">
+            <a:avLst/>
+          </a:prstGeom>
+          <a:noFill/>
+        </p:spPr>
+        <p:txBody>
+          <a:bodyPr wrap="square" rtlCol="0">
+            <a:spAutoFit/>
+          </a:bodyPr>
+          <a:lstStyle/>
+          <a:p>
+            <a:r>
+              <a:rPr lang="de-DE" sz="2800" dirty="0" smtClean="0">
+                <a:latin typeface="Calibri" pitchFamily="34" charset="0"/>
+              </a:rPr>
+              <a:t>Was ist ein „gutes“ Modell? </a:t>
+            </a:r>
+            <a:endParaRPr lang="de-DE" sz="2800" dirty="0">
+              <a:latin typeface="Calibri" pitchFamily="34" charset="0"/>
+            </a:endParaRPr>
+          </a:p>
+        </p:txBody>
+      </p:sp>
+      <p:sp>
+        <p:nvSpPr>
+          <p:cNvPr id="23" name="Textfeld 22"/>
+          <p:cNvSpPr txBox="1"/>
+          <p:nvPr/>
+        </p:nvSpPr>
+        <p:spPr>
+          <a:xfrm>
+            <a:off x="250825" y="1484784"/>
+            <a:ext cx="6049367" cy="400110"/>
+          </a:xfrm>
+          <a:prstGeom prst="rect">
+            <a:avLst/>
+          </a:prstGeom>
+          <a:noFill/>
+        </p:spPr>
+        <p:txBody>
+          <a:bodyPr wrap="square" rtlCol="0">
+            <a:spAutoFit/>
+          </a:bodyPr>
+          <a:lstStyle/>
+          <a:p>
+            <a:pPr>
+              <a:spcAft>
+                <a:spcPts val="600"/>
+              </a:spcAft>
+            </a:pPr>
+            <a:r>
+              <a:rPr lang="de-DE" sz="2000" b="1" dirty="0" smtClean="0">
+                <a:latin typeface="Calibri" pitchFamily="34" charset="0"/>
+              </a:rPr>
+              <a:t>Das Modell erfüllt einen bestimmten Zweck.</a:t>
+            </a:r>
+            <a:endParaRPr lang="de-DE" sz="2000" b="1" dirty="0" smtClean="0">
+              <a:latin typeface="Calibri" pitchFamily="34" charset="0"/>
+            </a:endParaRPr>
+          </a:p>
+        </p:txBody>
+      </p:sp>
+      <p:sp>
+        <p:nvSpPr>
+          <p:cNvPr id="29" name="Textfeld 28"/>
+          <p:cNvSpPr txBox="1"/>
+          <p:nvPr/>
+        </p:nvSpPr>
+        <p:spPr>
+          <a:xfrm>
+            <a:off x="250825" y="1866032"/>
+            <a:ext cx="6409407" cy="1092607"/>
+          </a:xfrm>
+          <a:prstGeom prst="rect">
+            <a:avLst/>
+          </a:prstGeom>
+          <a:noFill/>
+        </p:spPr>
+        <p:txBody>
+          <a:bodyPr wrap="square" rtlCol="0">
+            <a:spAutoFit/>
+          </a:bodyPr>
+          <a:lstStyle/>
+          <a:p>
+            <a:pPr marL="447675" indent="-447675">
+              <a:spcAft>
+                <a:spcPts val="600"/>
+              </a:spcAft>
+              <a:tabLst>
+                <a:tab pos="447675" algn="l"/>
+              </a:tabLst>
+            </a:pPr>
+            <a:r>
+              <a:rPr lang="de-DE" sz="2000" dirty="0" smtClean="0">
+                <a:latin typeface="Calibri" pitchFamily="34" charset="0"/>
+              </a:rPr>
+              <a:t>z.B. Simulation des Jahresgangs der Gebietswasserbilanz </a:t>
+            </a:r>
+            <a:br>
+              <a:rPr lang="de-DE" sz="2000" dirty="0" smtClean="0">
+                <a:latin typeface="Calibri" pitchFamily="34" charset="0"/>
+              </a:rPr>
+            </a:br>
+            <a:r>
+              <a:rPr lang="de-DE" sz="2000" dirty="0" smtClean="0">
+                <a:latin typeface="Calibri" pitchFamily="34" charset="0"/>
+              </a:rPr>
+              <a:t>(zur Ressourcenallokation, Klimafolgenabschätzung, …)</a:t>
+            </a:r>
+          </a:p>
+          <a:p>
+            <a:pPr marL="447675" indent="-447675">
+              <a:spcAft>
+                <a:spcPts val="600"/>
+              </a:spcAft>
+              <a:tabLst>
+                <a:tab pos="447675" algn="l"/>
+              </a:tabLst>
+            </a:pPr>
+            <a:r>
+              <a:rPr lang="de-DE" sz="2000" dirty="0" smtClean="0">
+                <a:latin typeface="Calibri" pitchFamily="34" charset="0"/>
+              </a:rPr>
+              <a:t>z.B.	Hochwasservorhersage</a:t>
+            </a:r>
+            <a:endParaRPr lang="de-DE" sz="2000" dirty="0" smtClean="0">
+              <a:latin typeface="Calibri" pitchFamily="34" charset="0"/>
+            </a:endParaRPr>
+          </a:p>
+        </p:txBody>
+      </p:sp>
+      <p:sp>
+        <p:nvSpPr>
+          <p:cNvPr id="31" name="Textfeld 30"/>
+          <p:cNvSpPr txBox="1"/>
+          <p:nvPr/>
+        </p:nvSpPr>
+        <p:spPr>
+          <a:xfrm>
+            <a:off x="250825" y="3068960"/>
+            <a:ext cx="5185271" cy="400110"/>
+          </a:xfrm>
+          <a:prstGeom prst="rect">
+            <a:avLst/>
+          </a:prstGeom>
+          <a:noFill/>
+        </p:spPr>
+        <p:txBody>
+          <a:bodyPr wrap="square" rtlCol="0">
+            <a:spAutoFit/>
+          </a:bodyPr>
+          <a:lstStyle/>
+          <a:p>
+            <a:pPr>
+              <a:spcAft>
+                <a:spcPts val="600"/>
+              </a:spcAft>
+            </a:pPr>
+            <a:r>
+              <a:rPr lang="de-DE" sz="2000" b="1" dirty="0" smtClean="0">
+                <a:latin typeface="Calibri" pitchFamily="34" charset="0"/>
+              </a:rPr>
+              <a:t>Das Modell </a:t>
+            </a:r>
+            <a:r>
+              <a:rPr lang="de-DE" sz="2000" b="1" dirty="0" smtClean="0">
+                <a:latin typeface="Calibri" pitchFamily="34" charset="0"/>
+              </a:rPr>
+              <a:t>hat eine sinnvolle Struktur.</a:t>
+            </a:r>
+            <a:endParaRPr lang="de-DE" sz="2000" b="1" dirty="0" smtClean="0">
+              <a:latin typeface="Calibri" pitchFamily="34" charset="0"/>
+            </a:endParaRPr>
+          </a:p>
+        </p:txBody>
+      </p:sp>
+      <p:grpSp>
+        <p:nvGrpSpPr>
+          <p:cNvPr id="54" name="Gruppieren 53"/>
+          <p:cNvGrpSpPr/>
+          <p:nvPr/>
+        </p:nvGrpSpPr>
+        <p:grpSpPr>
+          <a:xfrm>
+            <a:off x="6627137" y="745540"/>
+            <a:ext cx="2514463" cy="5491748"/>
+            <a:chOff x="6627137" y="745540"/>
+            <a:chExt cx="2514463" cy="5491748"/>
+          </a:xfrm>
+        </p:grpSpPr>
+        <p:sp>
+          <p:nvSpPr>
+            <p:cNvPr id="34" name="Rechteck 33"/>
+            <p:cNvSpPr/>
+            <p:nvPr/>
+          </p:nvSpPr>
+          <p:spPr bwMode="auto">
+            <a:xfrm>
+              <a:off x="7918209" y="764704"/>
+              <a:ext cx="1223391" cy="5472113"/>
+            </a:xfrm>
+            <a:prstGeom prst="rect">
+              <a:avLst/>
+            </a:prstGeom>
+            <a:solidFill>
+              <a:srgbClr val="2B5681"/>
+            </a:solidFill>
+            <a:ln w="19050" cap="flat" cmpd="sng" algn="ctr">
+              <a:noFill/>
+              <a:prstDash val="solid"/>
+              <a:round/>
+              <a:headEnd type="none" w="med" len="med"/>
+              <a:tailEnd type="none" w="med" len="med"/>
+            </a:ln>
+            <a:effectLst/>
+          </p:spPr>
+          <p:txBody>
+            <a:bodyPr vert="horz" wrap="square" lIns="91440" tIns="45720" rIns="91440" bIns="45720" numCol="1" rtlCol="0" anchor="t" anchorCtr="0" compatLnSpc="1">
+              <a:prstTxWarp prst="textNoShape">
+                <a:avLst/>
+              </a:prstTxWarp>
+            </a:bodyPr>
+            <a:lstStyle/>
+            <a:p>
+              <a:pPr marL="0" marR="0" indent="0" algn="l" defTabSz="914400" rtl="0" eaLnBrk="1" fontAlgn="base" latinLnBrk="0" hangingPunct="1">
+                <a:lnSpc>
+                  <a:spcPct val="100000"/>
+                </a:lnSpc>
+                <a:spcBef>
+                  <a:spcPct val="0"/>
+                </a:spcBef>
+                <a:spcAft>
+                  <a:spcPct val="0"/>
+                </a:spcAft>
+                <a:buClrTx/>
+                <a:buSzTx/>
+                <a:buFontTx/>
+                <a:buNone/>
+                <a:tabLst/>
+              </a:pPr>
+              <a:endParaRPr kumimoji="0" lang="de-DE" sz="1600" b="0" i="0" u="none" strike="noStrike" cap="none" normalizeH="0" baseline="0" smtClean="0">
+                <a:ln>
+                  <a:noFill/>
+                </a:ln>
+                <a:solidFill>
+                  <a:schemeClr val="tx1"/>
+                </a:solidFill>
+                <a:effectLst/>
+                <a:latin typeface="Arial" charset="0"/>
+              </a:endParaRPr>
+            </a:p>
+          </p:txBody>
+        </p:sp>
+        <p:sp>
+          <p:nvSpPr>
+            <p:cNvPr id="33" name="Rechteck 32"/>
+            <p:cNvSpPr/>
+            <p:nvPr/>
+          </p:nvSpPr>
+          <p:spPr bwMode="auto">
+            <a:xfrm>
+              <a:off x="6627137" y="765175"/>
+              <a:ext cx="1296144" cy="5472113"/>
+            </a:xfrm>
+            <a:prstGeom prst="rect">
+              <a:avLst/>
+            </a:prstGeom>
+            <a:solidFill>
+              <a:schemeClr val="accent1">
+                <a:lumMod val="75000"/>
+              </a:schemeClr>
+            </a:solidFill>
+            <a:ln w="19050" cap="flat" cmpd="sng" algn="ctr">
+              <a:noFill/>
+              <a:prstDash val="solid"/>
+              <a:round/>
+              <a:headEnd type="none" w="med" len="med"/>
+              <a:tailEnd type="none" w="med" len="med"/>
+            </a:ln>
+            <a:effectLst/>
+          </p:spPr>
+          <p:txBody>
+            <a:bodyPr vert="horz" wrap="square" lIns="91440" tIns="45720" rIns="91440" bIns="45720" numCol="1" rtlCol="0" anchor="t" anchorCtr="0" compatLnSpc="1">
+              <a:prstTxWarp prst="textNoShape">
+                <a:avLst/>
+              </a:prstTxWarp>
+            </a:bodyPr>
+            <a:lstStyle/>
+            <a:p>
+              <a:pPr marL="0" marR="0" indent="0" algn="l" defTabSz="914400" rtl="0" eaLnBrk="1" fontAlgn="base" latinLnBrk="0" hangingPunct="1">
+                <a:lnSpc>
+                  <a:spcPct val="100000"/>
+                </a:lnSpc>
+                <a:spcBef>
+                  <a:spcPct val="0"/>
+                </a:spcBef>
+                <a:spcAft>
+                  <a:spcPct val="0"/>
+                </a:spcAft>
+                <a:buClrTx/>
+                <a:buSzTx/>
+                <a:buFontTx/>
+                <a:buNone/>
+                <a:tabLst/>
+              </a:pPr>
+              <a:endParaRPr kumimoji="0" lang="de-DE" sz="1600" b="0" i="0" u="none" strike="noStrike" cap="none" normalizeH="0" baseline="0" smtClean="0">
+                <a:ln>
+                  <a:noFill/>
+                </a:ln>
+                <a:solidFill>
+                  <a:schemeClr val="tx1"/>
+                </a:solidFill>
+                <a:effectLst/>
+                <a:latin typeface="Arial" charset="0"/>
+              </a:endParaRPr>
+            </a:p>
+          </p:txBody>
+        </p:sp>
+        <p:sp>
+          <p:nvSpPr>
+            <p:cNvPr id="30" name="Textfeld 29"/>
+            <p:cNvSpPr txBox="1"/>
+            <p:nvPr/>
+          </p:nvSpPr>
+          <p:spPr>
+            <a:xfrm>
+              <a:off x="6644193" y="765175"/>
+              <a:ext cx="971600" cy="523220"/>
+            </a:xfrm>
+            <a:prstGeom prst="rect">
+              <a:avLst/>
+            </a:prstGeom>
+            <a:noFill/>
+          </p:spPr>
+          <p:txBody>
+            <a:bodyPr wrap="square" rtlCol="0">
+              <a:spAutoFit/>
+            </a:bodyPr>
+            <a:lstStyle/>
+            <a:p>
+              <a:pPr algn="r"/>
+              <a:r>
+                <a:rPr lang="de-DE" sz="2800" dirty="0" smtClean="0">
+                  <a:solidFill>
+                    <a:schemeClr val="bg1"/>
+                  </a:solidFill>
+                  <a:latin typeface="Calibri" pitchFamily="34" charset="0"/>
+                </a:rPr>
+                <a:t>abc</a:t>
+              </a:r>
+              <a:endParaRPr lang="de-DE" sz="2800" dirty="0">
+                <a:solidFill>
+                  <a:schemeClr val="bg1"/>
+                </a:solidFill>
+                <a:latin typeface="Calibri" pitchFamily="34" charset="0"/>
+              </a:endParaRPr>
+            </a:p>
+          </p:txBody>
+        </p:sp>
+        <p:sp>
+          <p:nvSpPr>
+            <p:cNvPr id="32" name="Textfeld 31"/>
+            <p:cNvSpPr txBox="1"/>
+            <p:nvPr/>
+          </p:nvSpPr>
+          <p:spPr>
+            <a:xfrm>
+              <a:off x="8016257" y="745540"/>
+              <a:ext cx="971600" cy="523220"/>
+            </a:xfrm>
+            <a:prstGeom prst="rect">
+              <a:avLst/>
+            </a:prstGeom>
+            <a:noFill/>
+          </p:spPr>
+          <p:txBody>
+            <a:bodyPr wrap="square" rtlCol="0">
+              <a:spAutoFit/>
+            </a:bodyPr>
+            <a:lstStyle/>
+            <a:p>
+              <a:pPr algn="r"/>
+              <a:r>
+                <a:rPr lang="de-DE" sz="2800" dirty="0" smtClean="0">
+                  <a:solidFill>
+                    <a:schemeClr val="bg1"/>
+                  </a:solidFill>
+                  <a:latin typeface="Calibri" pitchFamily="34" charset="0"/>
+                </a:rPr>
+                <a:t>abcd</a:t>
+              </a:r>
+              <a:endParaRPr lang="de-DE" sz="2800" dirty="0">
+                <a:solidFill>
+                  <a:schemeClr val="bg1"/>
+                </a:solidFill>
+                <a:latin typeface="Calibri" pitchFamily="34" charset="0"/>
+              </a:endParaRPr>
+            </a:p>
+          </p:txBody>
+        </p:sp>
+      </p:grpSp>
+      <p:sp>
+        <p:nvSpPr>
+          <p:cNvPr id="35" name="Textfeld 34"/>
+          <p:cNvSpPr txBox="1"/>
+          <p:nvPr/>
+        </p:nvSpPr>
+        <p:spPr>
+          <a:xfrm>
+            <a:off x="250825" y="3429000"/>
+            <a:ext cx="6409407" cy="1169551"/>
+          </a:xfrm>
+          <a:prstGeom prst="rect">
+            <a:avLst/>
+          </a:prstGeom>
+          <a:noFill/>
+        </p:spPr>
+        <p:txBody>
+          <a:bodyPr wrap="square" rtlCol="0">
+            <a:spAutoFit/>
+          </a:bodyPr>
+          <a:lstStyle/>
+          <a:p>
+            <a:pPr marL="174625" indent="-174625">
+              <a:spcAft>
+                <a:spcPts val="600"/>
+              </a:spcAft>
+              <a:buFont typeface="Wingdings" pitchFamily="2" charset="2"/>
+              <a:buChar char="§"/>
+            </a:pPr>
+            <a:r>
+              <a:rPr lang="de-DE" sz="2000" dirty="0" smtClean="0">
+                <a:latin typeface="Calibri" pitchFamily="34" charset="0"/>
+              </a:rPr>
+              <a:t>Massenerhaltung</a:t>
+            </a:r>
+            <a:endParaRPr lang="de-DE" sz="2000" dirty="0" smtClean="0">
+              <a:latin typeface="Calibri" pitchFamily="34" charset="0"/>
+            </a:endParaRPr>
+          </a:p>
+          <a:p>
+            <a:pPr marL="174625" indent="-174625">
+              <a:spcAft>
+                <a:spcPts val="600"/>
+              </a:spcAft>
+              <a:buFont typeface="Wingdings" pitchFamily="2" charset="2"/>
+              <a:buChar char="§"/>
+            </a:pPr>
+            <a:r>
+              <a:rPr lang="de-DE" sz="2000" dirty="0" smtClean="0">
+                <a:latin typeface="Calibri" pitchFamily="34" charset="0"/>
+              </a:rPr>
+              <a:t>Einfluss </a:t>
+            </a:r>
+            <a:r>
+              <a:rPr lang="de-DE" sz="2000" dirty="0" smtClean="0">
+                <a:latin typeface="Calibri" pitchFamily="34" charset="0"/>
+              </a:rPr>
+              <a:t>der Gebietsfeuchte auf Abflussbildung</a:t>
+            </a:r>
+          </a:p>
+          <a:p>
+            <a:pPr marL="174625" indent="-174625">
+              <a:spcAft>
+                <a:spcPts val="600"/>
+              </a:spcAft>
+              <a:buFont typeface="Wingdings" pitchFamily="2" charset="2"/>
+              <a:buChar char="§"/>
+            </a:pPr>
+            <a:r>
+              <a:rPr lang="de-DE" sz="2000" dirty="0" smtClean="0">
+                <a:latin typeface="Calibri" pitchFamily="34" charset="0"/>
+              </a:rPr>
+              <a:t>Abbildung </a:t>
+            </a:r>
+            <a:r>
+              <a:rPr lang="de-DE" sz="2000" dirty="0" smtClean="0">
+                <a:latin typeface="Calibri" pitchFamily="34" charset="0"/>
+              </a:rPr>
+              <a:t>physikalischer Prozesse (Verdunstung)</a:t>
+            </a:r>
+          </a:p>
+        </p:txBody>
+      </p:sp>
+      <p:sp>
+        <p:nvSpPr>
+          <p:cNvPr id="36" name="Textfeld 35"/>
+          <p:cNvSpPr txBox="1"/>
+          <p:nvPr/>
+        </p:nvSpPr>
+        <p:spPr>
+          <a:xfrm>
+            <a:off x="251520" y="4725144"/>
+            <a:ext cx="5185271" cy="400110"/>
+          </a:xfrm>
+          <a:prstGeom prst="rect">
+            <a:avLst/>
+          </a:prstGeom>
+          <a:noFill/>
+        </p:spPr>
+        <p:txBody>
+          <a:bodyPr wrap="square" rtlCol="0">
+            <a:spAutoFit/>
+          </a:bodyPr>
+          <a:lstStyle/>
+          <a:p>
+            <a:pPr>
+              <a:spcAft>
+                <a:spcPts val="600"/>
+              </a:spcAft>
+            </a:pPr>
+            <a:r>
+              <a:rPr lang="de-DE" sz="2000" b="1" dirty="0" smtClean="0">
+                <a:latin typeface="Calibri" pitchFamily="34" charset="0"/>
+              </a:rPr>
+              <a:t>Das Modell </a:t>
+            </a:r>
+            <a:r>
+              <a:rPr lang="de-DE" sz="2000" b="1" dirty="0" smtClean="0">
+                <a:latin typeface="Calibri" pitchFamily="34" charset="0"/>
+              </a:rPr>
+              <a:t>ist im Zielgebiet einsetzbar.</a:t>
+            </a:r>
+            <a:endParaRPr lang="de-DE" sz="2000" b="1" dirty="0" smtClean="0">
+              <a:latin typeface="Calibri" pitchFamily="34" charset="0"/>
+            </a:endParaRPr>
+          </a:p>
+        </p:txBody>
+      </p:sp>
+      <p:sp>
+        <p:nvSpPr>
+          <p:cNvPr id="37" name="Textfeld 36"/>
+          <p:cNvSpPr txBox="1"/>
+          <p:nvPr/>
+        </p:nvSpPr>
+        <p:spPr>
+          <a:xfrm>
+            <a:off x="251520" y="5088086"/>
+            <a:ext cx="6336704" cy="1092607"/>
+          </a:xfrm>
+          <a:prstGeom prst="rect">
+            <a:avLst/>
+          </a:prstGeom>
+          <a:noFill/>
+        </p:spPr>
+        <p:txBody>
+          <a:bodyPr wrap="square" rtlCol="0">
+            <a:spAutoFit/>
+          </a:bodyPr>
+          <a:lstStyle/>
+          <a:p>
+            <a:pPr marL="174625" indent="-174625">
+              <a:spcAft>
+                <a:spcPts val="600"/>
+              </a:spcAft>
+              <a:buFont typeface="Wingdings" pitchFamily="2" charset="2"/>
+              <a:buChar char="§"/>
+            </a:pPr>
+            <a:r>
+              <a:rPr lang="de-DE" sz="2000" dirty="0" smtClean="0">
+                <a:latin typeface="Calibri" pitchFamily="34" charset="0"/>
+              </a:rPr>
+              <a:t>Die Daten für den Antrieb des Modells sind vorhanden.</a:t>
+            </a:r>
+          </a:p>
+          <a:p>
+            <a:pPr marL="174625" indent="-174625">
+              <a:spcAft>
+                <a:spcPts val="600"/>
+              </a:spcAft>
+              <a:buFont typeface="Wingdings" pitchFamily="2" charset="2"/>
+              <a:buChar char="§"/>
+            </a:pPr>
+            <a:r>
+              <a:rPr lang="de-DE" sz="2000" dirty="0" smtClean="0">
+                <a:latin typeface="Calibri" pitchFamily="34" charset="0"/>
+              </a:rPr>
+              <a:t>Die dominanten Prozesse im Zielgebiet werden </a:t>
+            </a:r>
+            <a:br>
+              <a:rPr lang="de-DE" sz="2000" dirty="0" smtClean="0">
+                <a:latin typeface="Calibri" pitchFamily="34" charset="0"/>
+              </a:rPr>
+            </a:br>
+            <a:r>
+              <a:rPr lang="de-DE" sz="2000" dirty="0" smtClean="0">
+                <a:latin typeface="Calibri" pitchFamily="34" charset="0"/>
+              </a:rPr>
+              <a:t>durch das Modell abgebildet.</a:t>
+            </a:r>
+            <a:endParaRPr lang="de-DE" sz="2000" dirty="0" smtClean="0">
+              <a:latin typeface="Calibri" pitchFamily="34" charset="0"/>
+            </a:endParaRPr>
+          </a:p>
+        </p:txBody>
+      </p:sp>
+      <p:sp>
+        <p:nvSpPr>
+          <p:cNvPr id="38" name="Textfeld 37"/>
+          <p:cNvSpPr txBox="1"/>
+          <p:nvPr/>
+        </p:nvSpPr>
+        <p:spPr>
+          <a:xfrm>
+            <a:off x="7082552" y="1857018"/>
+            <a:ext cx="504056" cy="707886"/>
+          </a:xfrm>
+          <a:prstGeom prst="rect">
+            <a:avLst/>
+          </a:prstGeom>
+          <a:noFill/>
+        </p:spPr>
+        <p:txBody>
+          <a:bodyPr wrap="square" rtlCol="0">
+            <a:spAutoFit/>
+          </a:bodyPr>
+          <a:lstStyle/>
+          <a:p>
+            <a:r>
+              <a:rPr lang="de-DE" sz="4000" dirty="0" smtClean="0">
+                <a:solidFill>
+                  <a:schemeClr val="accent5">
+                    <a:lumMod val="60000"/>
+                    <a:lumOff val="40000"/>
+                  </a:schemeClr>
+                </a:solidFill>
+                <a:sym typeface="Wingdings"/>
+              </a:rPr>
+              <a:t></a:t>
+            </a:r>
+            <a:endParaRPr lang="de-DE" sz="4000" dirty="0">
+              <a:solidFill>
+                <a:schemeClr val="accent5">
+                  <a:lumMod val="60000"/>
+                  <a:lumOff val="40000"/>
+                </a:schemeClr>
+              </a:solidFill>
+            </a:endParaRPr>
+          </a:p>
+        </p:txBody>
+      </p:sp>
+      <p:sp>
+        <p:nvSpPr>
+          <p:cNvPr id="40" name="Textfeld 39"/>
+          <p:cNvSpPr txBox="1"/>
+          <p:nvPr/>
+        </p:nvSpPr>
+        <p:spPr>
+          <a:xfrm>
+            <a:off x="7092280" y="5522798"/>
+            <a:ext cx="504056" cy="707886"/>
+          </a:xfrm>
+          <a:prstGeom prst="rect">
+            <a:avLst/>
+          </a:prstGeom>
+          <a:noFill/>
+        </p:spPr>
+        <p:txBody>
+          <a:bodyPr wrap="square" rtlCol="0">
+            <a:spAutoFit/>
+          </a:bodyPr>
+          <a:lstStyle/>
+          <a:p>
+            <a:r>
+              <a:rPr lang="de-DE" sz="4000" dirty="0" smtClean="0">
+                <a:solidFill>
+                  <a:schemeClr val="bg1"/>
+                </a:solidFill>
+                <a:sym typeface="Wingdings"/>
+              </a:rPr>
+              <a:t>?</a:t>
+            </a:r>
+            <a:endParaRPr lang="de-DE" sz="4000" dirty="0">
+              <a:solidFill>
+                <a:schemeClr val="bg1"/>
+              </a:solidFill>
+            </a:endParaRPr>
+          </a:p>
+        </p:txBody>
+      </p:sp>
+      <p:sp>
+        <p:nvSpPr>
+          <p:cNvPr id="41" name="Textfeld 40"/>
+          <p:cNvSpPr txBox="1"/>
+          <p:nvPr/>
+        </p:nvSpPr>
+        <p:spPr>
+          <a:xfrm>
+            <a:off x="7092280" y="2412380"/>
+            <a:ext cx="504056" cy="707886"/>
+          </a:xfrm>
+          <a:prstGeom prst="rect">
+            <a:avLst/>
+          </a:prstGeom>
+          <a:noFill/>
+        </p:spPr>
+        <p:txBody>
+          <a:bodyPr wrap="square" rtlCol="0">
+            <a:spAutoFit/>
+          </a:bodyPr>
+          <a:lstStyle/>
+          <a:p>
+            <a:r>
+              <a:rPr lang="de-DE" sz="4000" dirty="0" smtClean="0">
+                <a:solidFill>
+                  <a:srgbClr val="C00000"/>
+                </a:solidFill>
+                <a:sym typeface="Wingdings"/>
+              </a:rPr>
+              <a:t></a:t>
+            </a:r>
+            <a:endParaRPr lang="de-DE" sz="4000" dirty="0">
+              <a:solidFill>
+                <a:srgbClr val="C00000"/>
+              </a:solidFill>
+            </a:endParaRPr>
+          </a:p>
+        </p:txBody>
+      </p:sp>
+      <p:sp>
+        <p:nvSpPr>
+          <p:cNvPr id="42" name="Textfeld 41"/>
+          <p:cNvSpPr txBox="1"/>
+          <p:nvPr/>
+        </p:nvSpPr>
+        <p:spPr>
+          <a:xfrm>
+            <a:off x="8316416" y="1844824"/>
+            <a:ext cx="504056" cy="707886"/>
+          </a:xfrm>
+          <a:prstGeom prst="rect">
+            <a:avLst/>
+          </a:prstGeom>
+          <a:noFill/>
+        </p:spPr>
+        <p:txBody>
+          <a:bodyPr wrap="square" rtlCol="0">
+            <a:spAutoFit/>
+          </a:bodyPr>
+          <a:lstStyle/>
+          <a:p>
+            <a:r>
+              <a:rPr lang="de-DE" sz="4000" dirty="0" smtClean="0">
+                <a:solidFill>
+                  <a:schemeClr val="accent5">
+                    <a:lumMod val="60000"/>
+                    <a:lumOff val="40000"/>
+                  </a:schemeClr>
+                </a:solidFill>
+                <a:sym typeface="Wingdings"/>
+              </a:rPr>
+              <a:t></a:t>
+            </a:r>
+            <a:endParaRPr lang="de-DE" sz="4000" dirty="0">
+              <a:solidFill>
+                <a:schemeClr val="accent5">
+                  <a:lumMod val="60000"/>
+                  <a:lumOff val="40000"/>
+                </a:schemeClr>
+              </a:solidFill>
+            </a:endParaRPr>
+          </a:p>
+        </p:txBody>
+      </p:sp>
+      <p:sp>
+        <p:nvSpPr>
+          <p:cNvPr id="43" name="Textfeld 42"/>
+          <p:cNvSpPr txBox="1"/>
+          <p:nvPr/>
+        </p:nvSpPr>
+        <p:spPr>
+          <a:xfrm>
+            <a:off x="8316416" y="2412380"/>
+            <a:ext cx="504056" cy="707886"/>
+          </a:xfrm>
+          <a:prstGeom prst="rect">
+            <a:avLst/>
+          </a:prstGeom>
+          <a:noFill/>
+        </p:spPr>
+        <p:txBody>
+          <a:bodyPr wrap="square" rtlCol="0">
+            <a:spAutoFit/>
+          </a:bodyPr>
+          <a:lstStyle/>
+          <a:p>
+            <a:r>
+              <a:rPr lang="de-DE" sz="4000" dirty="0" smtClean="0">
+                <a:solidFill>
+                  <a:srgbClr val="C00000"/>
+                </a:solidFill>
+                <a:sym typeface="Wingdings"/>
+              </a:rPr>
+              <a:t></a:t>
+            </a:r>
+            <a:endParaRPr lang="de-DE" sz="4000" dirty="0">
+              <a:solidFill>
+                <a:srgbClr val="C00000"/>
+              </a:solidFill>
+            </a:endParaRPr>
+          </a:p>
+        </p:txBody>
+      </p:sp>
+      <p:sp>
+        <p:nvSpPr>
+          <p:cNvPr id="44" name="Textfeld 43"/>
+          <p:cNvSpPr txBox="1"/>
+          <p:nvPr/>
+        </p:nvSpPr>
+        <p:spPr>
+          <a:xfrm>
+            <a:off x="7092280" y="3254048"/>
+            <a:ext cx="504056" cy="707886"/>
+          </a:xfrm>
+          <a:prstGeom prst="rect">
+            <a:avLst/>
+          </a:prstGeom>
+          <a:noFill/>
+        </p:spPr>
+        <p:txBody>
+          <a:bodyPr wrap="square" rtlCol="0">
+            <a:spAutoFit/>
+          </a:bodyPr>
+          <a:lstStyle/>
+          <a:p>
+            <a:r>
+              <a:rPr lang="de-DE" sz="4000" dirty="0" smtClean="0">
+                <a:solidFill>
+                  <a:schemeClr val="accent5">
+                    <a:lumMod val="60000"/>
+                    <a:lumOff val="40000"/>
+                  </a:schemeClr>
+                </a:solidFill>
+                <a:sym typeface="Wingdings"/>
+              </a:rPr>
+              <a:t></a:t>
+            </a:r>
+            <a:endParaRPr lang="de-DE" sz="4000" dirty="0">
+              <a:solidFill>
+                <a:schemeClr val="accent5">
+                  <a:lumMod val="60000"/>
+                  <a:lumOff val="40000"/>
+                </a:schemeClr>
+              </a:solidFill>
+            </a:endParaRPr>
+          </a:p>
+        </p:txBody>
+      </p:sp>
+      <p:sp>
+        <p:nvSpPr>
+          <p:cNvPr id="45" name="Textfeld 44"/>
+          <p:cNvSpPr txBox="1"/>
+          <p:nvPr/>
+        </p:nvSpPr>
+        <p:spPr>
+          <a:xfrm>
+            <a:off x="8326144" y="3267688"/>
+            <a:ext cx="504056" cy="707886"/>
+          </a:xfrm>
+          <a:prstGeom prst="rect">
+            <a:avLst/>
+          </a:prstGeom>
+          <a:noFill/>
+        </p:spPr>
+        <p:txBody>
+          <a:bodyPr wrap="square" rtlCol="0">
+            <a:spAutoFit/>
+          </a:bodyPr>
+          <a:lstStyle/>
+          <a:p>
+            <a:r>
+              <a:rPr lang="de-DE" sz="4000" dirty="0" smtClean="0">
+                <a:solidFill>
+                  <a:schemeClr val="accent5">
+                    <a:lumMod val="60000"/>
+                    <a:lumOff val="40000"/>
+                  </a:schemeClr>
+                </a:solidFill>
+                <a:sym typeface="Wingdings"/>
+              </a:rPr>
+              <a:t></a:t>
+            </a:r>
+            <a:endParaRPr lang="de-DE" sz="4000" dirty="0">
+              <a:solidFill>
+                <a:schemeClr val="accent5">
+                  <a:lumMod val="60000"/>
+                  <a:lumOff val="40000"/>
+                </a:schemeClr>
+              </a:solidFill>
+            </a:endParaRPr>
+          </a:p>
+        </p:txBody>
+      </p:sp>
+      <p:sp>
+        <p:nvSpPr>
+          <p:cNvPr id="46" name="Textfeld 45"/>
+          <p:cNvSpPr txBox="1"/>
+          <p:nvPr/>
+        </p:nvSpPr>
+        <p:spPr>
+          <a:xfrm>
+            <a:off x="7092280" y="3661916"/>
+            <a:ext cx="504056" cy="707886"/>
+          </a:xfrm>
+          <a:prstGeom prst="rect">
+            <a:avLst/>
+          </a:prstGeom>
+          <a:noFill/>
+        </p:spPr>
+        <p:txBody>
+          <a:bodyPr wrap="square" rtlCol="0">
+            <a:spAutoFit/>
+          </a:bodyPr>
+          <a:lstStyle/>
+          <a:p>
+            <a:r>
+              <a:rPr lang="de-DE" sz="4000" dirty="0" smtClean="0">
+                <a:solidFill>
+                  <a:srgbClr val="C00000"/>
+                </a:solidFill>
+                <a:sym typeface="Wingdings"/>
+              </a:rPr>
+              <a:t></a:t>
+            </a:r>
+            <a:endParaRPr lang="de-DE" sz="4000" dirty="0">
+              <a:solidFill>
+                <a:srgbClr val="C00000"/>
+              </a:solidFill>
+            </a:endParaRPr>
+          </a:p>
+        </p:txBody>
+      </p:sp>
+      <p:sp>
+        <p:nvSpPr>
+          <p:cNvPr id="48" name="Textfeld 47"/>
+          <p:cNvSpPr txBox="1"/>
+          <p:nvPr/>
+        </p:nvSpPr>
+        <p:spPr>
+          <a:xfrm>
+            <a:off x="7092280" y="4077072"/>
+            <a:ext cx="504056" cy="707886"/>
+          </a:xfrm>
+          <a:prstGeom prst="rect">
+            <a:avLst/>
+          </a:prstGeom>
+          <a:noFill/>
+        </p:spPr>
+        <p:txBody>
+          <a:bodyPr wrap="square" rtlCol="0">
+            <a:spAutoFit/>
+          </a:bodyPr>
+          <a:lstStyle/>
+          <a:p>
+            <a:r>
+              <a:rPr lang="de-DE" sz="4000" dirty="0" smtClean="0">
+                <a:solidFill>
+                  <a:srgbClr val="C00000"/>
+                </a:solidFill>
+                <a:sym typeface="Wingdings"/>
+              </a:rPr>
+              <a:t></a:t>
+            </a:r>
+            <a:endParaRPr lang="de-DE" sz="4000" dirty="0">
+              <a:solidFill>
+                <a:srgbClr val="C00000"/>
+              </a:solidFill>
+            </a:endParaRPr>
+          </a:p>
+        </p:txBody>
+      </p:sp>
+      <p:sp>
+        <p:nvSpPr>
+          <p:cNvPr id="49" name="Textfeld 48"/>
+          <p:cNvSpPr txBox="1"/>
+          <p:nvPr/>
+        </p:nvSpPr>
+        <p:spPr>
+          <a:xfrm>
+            <a:off x="8326144" y="3633544"/>
+            <a:ext cx="504056" cy="707886"/>
+          </a:xfrm>
+          <a:prstGeom prst="rect">
+            <a:avLst/>
+          </a:prstGeom>
+          <a:noFill/>
+        </p:spPr>
+        <p:txBody>
+          <a:bodyPr wrap="square" rtlCol="0">
+            <a:spAutoFit/>
+          </a:bodyPr>
+          <a:lstStyle/>
+          <a:p>
+            <a:r>
+              <a:rPr lang="de-DE" sz="4000" dirty="0" smtClean="0">
+                <a:solidFill>
+                  <a:schemeClr val="accent5">
+                    <a:lumMod val="60000"/>
+                    <a:lumOff val="40000"/>
+                  </a:schemeClr>
+                </a:solidFill>
+                <a:sym typeface="Wingdings"/>
+              </a:rPr>
+              <a:t></a:t>
+            </a:r>
+            <a:endParaRPr lang="de-DE" sz="4000" dirty="0">
+              <a:solidFill>
+                <a:schemeClr val="accent5">
+                  <a:lumMod val="60000"/>
+                  <a:lumOff val="40000"/>
+                </a:schemeClr>
+              </a:solidFill>
+            </a:endParaRPr>
+          </a:p>
+        </p:txBody>
+      </p:sp>
+      <p:sp>
+        <p:nvSpPr>
+          <p:cNvPr id="50" name="Textfeld 49"/>
+          <p:cNvSpPr txBox="1"/>
+          <p:nvPr/>
+        </p:nvSpPr>
+        <p:spPr>
+          <a:xfrm>
+            <a:off x="8316416" y="4059550"/>
+            <a:ext cx="504056" cy="707886"/>
+          </a:xfrm>
+          <a:prstGeom prst="rect">
+            <a:avLst/>
+          </a:prstGeom>
+          <a:noFill/>
+        </p:spPr>
+        <p:txBody>
+          <a:bodyPr wrap="square" rtlCol="0">
+            <a:spAutoFit/>
+          </a:bodyPr>
+          <a:lstStyle/>
+          <a:p>
+            <a:r>
+              <a:rPr lang="de-DE" sz="4000" dirty="0" smtClean="0">
+                <a:solidFill>
+                  <a:schemeClr val="accent5">
+                    <a:lumMod val="60000"/>
+                    <a:lumOff val="40000"/>
+                  </a:schemeClr>
+                </a:solidFill>
+                <a:sym typeface="Wingdings"/>
+              </a:rPr>
+              <a:t></a:t>
+            </a:r>
+            <a:endParaRPr lang="de-DE" sz="4000" dirty="0">
+              <a:solidFill>
+                <a:schemeClr val="accent5">
+                  <a:lumMod val="60000"/>
+                  <a:lumOff val="40000"/>
+                </a:schemeClr>
+              </a:solidFill>
+            </a:endParaRPr>
+          </a:p>
+        </p:txBody>
+      </p:sp>
+      <p:sp>
+        <p:nvSpPr>
+          <p:cNvPr id="51" name="Textfeld 50"/>
+          <p:cNvSpPr txBox="1"/>
+          <p:nvPr/>
+        </p:nvSpPr>
+        <p:spPr>
+          <a:xfrm>
+            <a:off x="7082552" y="4951482"/>
+            <a:ext cx="504056" cy="707886"/>
+          </a:xfrm>
+          <a:prstGeom prst="rect">
+            <a:avLst/>
+          </a:prstGeom>
+          <a:noFill/>
+        </p:spPr>
+        <p:txBody>
+          <a:bodyPr wrap="square" rtlCol="0">
+            <a:spAutoFit/>
+          </a:bodyPr>
+          <a:lstStyle/>
+          <a:p>
+            <a:r>
+              <a:rPr lang="de-DE" sz="4000" dirty="0" smtClean="0">
+                <a:solidFill>
+                  <a:schemeClr val="accent5">
+                    <a:lumMod val="60000"/>
+                    <a:lumOff val="40000"/>
+                  </a:schemeClr>
+                </a:solidFill>
+                <a:sym typeface="Wingdings"/>
+              </a:rPr>
+              <a:t></a:t>
+            </a:r>
+            <a:endParaRPr lang="de-DE" sz="4000" dirty="0">
+              <a:solidFill>
+                <a:schemeClr val="accent5">
+                  <a:lumMod val="60000"/>
+                  <a:lumOff val="40000"/>
+                </a:schemeClr>
+              </a:solidFill>
+            </a:endParaRPr>
+          </a:p>
+        </p:txBody>
+      </p:sp>
+      <p:sp>
+        <p:nvSpPr>
+          <p:cNvPr id="52" name="Textfeld 51"/>
+          <p:cNvSpPr txBox="1"/>
+          <p:nvPr/>
+        </p:nvSpPr>
+        <p:spPr>
+          <a:xfrm>
+            <a:off x="8316416" y="4965122"/>
+            <a:ext cx="504056" cy="707886"/>
+          </a:xfrm>
+          <a:prstGeom prst="rect">
+            <a:avLst/>
+          </a:prstGeom>
+          <a:noFill/>
+        </p:spPr>
+        <p:txBody>
+          <a:bodyPr wrap="square" rtlCol="0">
+            <a:spAutoFit/>
+          </a:bodyPr>
+          <a:lstStyle/>
+          <a:p>
+            <a:r>
+              <a:rPr lang="de-DE" sz="4000" dirty="0" smtClean="0">
+                <a:solidFill>
+                  <a:schemeClr val="accent5">
+                    <a:lumMod val="60000"/>
+                    <a:lumOff val="40000"/>
+                  </a:schemeClr>
+                </a:solidFill>
+                <a:sym typeface="Wingdings"/>
+              </a:rPr>
+              <a:t></a:t>
+            </a:r>
+            <a:endParaRPr lang="de-DE" sz="4000" dirty="0">
+              <a:solidFill>
+                <a:schemeClr val="accent5">
+                  <a:lumMod val="60000"/>
+                  <a:lumOff val="40000"/>
+                </a:schemeClr>
+              </a:solidFill>
+            </a:endParaRPr>
+          </a:p>
+        </p:txBody>
+      </p:sp>
+      <p:sp>
+        <p:nvSpPr>
+          <p:cNvPr id="53" name="Textfeld 52"/>
+          <p:cNvSpPr txBox="1"/>
+          <p:nvPr/>
+        </p:nvSpPr>
+        <p:spPr>
+          <a:xfrm>
+            <a:off x="8339784" y="5531964"/>
+            <a:ext cx="504056" cy="707886"/>
+          </a:xfrm>
+          <a:prstGeom prst="rect">
+            <a:avLst/>
+          </a:prstGeom>
+          <a:noFill/>
+        </p:spPr>
+        <p:txBody>
+          <a:bodyPr wrap="square" rtlCol="0">
+            <a:spAutoFit/>
+          </a:bodyPr>
+          <a:lstStyle/>
+          <a:p>
+            <a:r>
+              <a:rPr lang="de-DE" sz="4000" dirty="0" smtClean="0">
+                <a:solidFill>
+                  <a:schemeClr val="bg1"/>
+                </a:solidFill>
+                <a:sym typeface="Wingdings"/>
+              </a:rPr>
+              <a:t>?</a:t>
+            </a:r>
+            <a:endParaRPr lang="de-DE" sz="4000" dirty="0">
+              <a:solidFill>
+                <a:schemeClr val="bg1"/>
+              </a:solidFill>
+            </a:endParaRPr>
+          </a:p>
+        </p:txBody>
+      </p:sp>
+    </p:spTree>
+  </p:cSld>
+  <p:clrMapOvr>
+    <a:masterClrMapping/>
+  </p:clrMapOvr>
+  <p:transition>
+    <p:zoom/>
+  </p:transition>
+  <p:timing>
+    <p:tnLst>
+      <p:par>
+        <p:cTn id="1" dur="indefinite" restart="never" nodeType="tmRoot">
+          <p:childTnLst>
+            <p:seq concurrent="1" nextAc="seek">
+              <p:cTn id="2" dur="indefinite" nodeType="mainSeq">
+                <p:childTnLst>
+                  <p:par>
+                    <p:cTn id="3" fill="hold">
+                      <p:stCondLst>
+                        <p:cond delay="indefinite"/>
+                      </p:stCondLst>
+                      <p:childTnLst>
+                        <p:par>
+                          <p:cTn id="4" fill="hold">
+                            <p:stCondLst>
+                              <p:cond delay="0"/>
+                            </p:stCondLst>
+                            <p:childTnLst>
+                              <p:par>
+                                <p:cTn id="5" presetID="22" presetClass="entr" presetSubtype="1" fill="hold" nodeType="clickEffect">
+                                  <p:stCondLst>
+                                    <p:cond delay="0"/>
+                                  </p:stCondLst>
+                                  <p:childTnLst>
+                                    <p:set>
+                                      <p:cBhvr>
+                                        <p:cTn id="6" dur="1" fill="hold">
+                                          <p:stCondLst>
+                                            <p:cond delay="0"/>
+                                          </p:stCondLst>
+                                        </p:cTn>
+                                        <p:tgtEl>
+                                          <p:spTgt spid="54"/>
+                                        </p:tgtEl>
+                                        <p:attrNameLst>
+                                          <p:attrName>style.visibility</p:attrName>
+                                        </p:attrNameLst>
+                                      </p:cBhvr>
+                                      <p:to>
+                                        <p:strVal val="visible"/>
+                                      </p:to>
+                                    </p:set>
+                                    <p:animEffect transition="in" filter="wipe(up)">
+                                      <p:cBhvr>
+                                        <p:cTn id="7" dur="500"/>
+                                        <p:tgtEl>
+                                          <p:spTgt spid="54"/>
+                                        </p:tgtEl>
+                                      </p:cBhvr>
+                                    </p:animEffect>
+                                  </p:childTnLst>
+                                </p:cTn>
+                              </p:par>
+                            </p:childTnLst>
+                          </p:cTn>
+                        </p:par>
+                      </p:childTnLst>
+                    </p:cTn>
+                  </p:par>
+                  <p:par>
+                    <p:cTn id="8" fill="hold">
+                      <p:stCondLst>
+                        <p:cond delay="indefinite"/>
+                      </p:stCondLst>
+                      <p:childTnLst>
+                        <p:par>
+                          <p:cTn id="9" fill="hold">
+                            <p:stCondLst>
+                              <p:cond delay="0"/>
+                            </p:stCondLst>
+                            <p:childTnLst>
+                              <p:par>
+                                <p:cTn id="10" presetID="1" presetClass="entr" presetSubtype="0" fill="hold" grpId="0" nodeType="clickEffect">
+                                  <p:stCondLst>
+                                    <p:cond delay="0"/>
+                                  </p:stCondLst>
+                                  <p:childTnLst>
+                                    <p:set>
+                                      <p:cBhvr>
+                                        <p:cTn id="11" dur="1" fill="hold">
+                                          <p:stCondLst>
+                                            <p:cond delay="0"/>
+                                          </p:stCondLst>
+                                        </p:cTn>
+                                        <p:tgtEl>
+                                          <p:spTgt spid="23"/>
+                                        </p:tgtEl>
+                                        <p:attrNameLst>
+                                          <p:attrName>style.visibility</p:attrName>
+                                        </p:attrNameLst>
+                                      </p:cBhvr>
+                                      <p:to>
+                                        <p:strVal val="visible"/>
+                                      </p:to>
+                                    </p:set>
+                                  </p:childTnLst>
+                                </p:cTn>
+                              </p:par>
+                            </p:childTnLst>
+                          </p:cTn>
+                        </p:par>
+                      </p:childTnLst>
+                    </p:cTn>
+                  </p:par>
+                  <p:par>
+                    <p:cTn id="12" fill="hold">
+                      <p:stCondLst>
+                        <p:cond delay="indefinite"/>
+                      </p:stCondLst>
+                      <p:childTnLst>
+                        <p:par>
+                          <p:cTn id="13" fill="hold">
+                            <p:stCondLst>
+                              <p:cond delay="0"/>
+                            </p:stCondLst>
+                            <p:childTnLst>
+                              <p:par>
+                                <p:cTn id="14" presetID="1" presetClass="entr" presetSubtype="0" fill="hold" grpId="0" nodeType="clickEffect">
+                                  <p:stCondLst>
+                                    <p:cond delay="0"/>
+                                  </p:stCondLst>
+                                  <p:childTnLst>
+                                    <p:set>
+                                      <p:cBhvr>
+                                        <p:cTn id="15" dur="1" fill="hold">
+                                          <p:stCondLst>
+                                            <p:cond delay="0"/>
+                                          </p:stCondLst>
+                                        </p:cTn>
+                                        <p:tgtEl>
+                                          <p:spTgt spid="29"/>
+                                        </p:tgtEl>
+                                        <p:attrNameLst>
+                                          <p:attrName>style.visibility</p:attrName>
+                                        </p:attrNameLst>
+                                      </p:cBhvr>
+                                      <p:to>
+                                        <p:strVal val="visible"/>
+                                      </p:to>
+                                    </p:set>
+                                  </p:childTnLst>
+                                </p:cTn>
+                              </p:par>
+                            </p:childTnLst>
+                          </p:cTn>
+                        </p:par>
+                      </p:childTnLst>
+                    </p:cTn>
+                  </p:par>
+                  <p:par>
+                    <p:cTn id="16" fill="hold">
+                      <p:stCondLst>
+                        <p:cond delay="indefinite"/>
+                      </p:stCondLst>
+                      <p:childTnLst>
+                        <p:par>
+                          <p:cTn id="17" fill="hold">
+                            <p:stCondLst>
+                              <p:cond delay="0"/>
+                            </p:stCondLst>
+                            <p:childTnLst>
+                              <p:par>
+                                <p:cTn id="18" presetID="23" presetClass="entr" presetSubtype="288" fill="hold" grpId="0" nodeType="clickEffect">
+                                  <p:stCondLst>
+                                    <p:cond delay="0"/>
+                                  </p:stCondLst>
+                                  <p:childTnLst>
+                                    <p:set>
+                                      <p:cBhvr>
+                                        <p:cTn id="19" dur="1" fill="hold">
+                                          <p:stCondLst>
+                                            <p:cond delay="0"/>
+                                          </p:stCondLst>
+                                        </p:cTn>
+                                        <p:tgtEl>
+                                          <p:spTgt spid="38"/>
+                                        </p:tgtEl>
+                                        <p:attrNameLst>
+                                          <p:attrName>style.visibility</p:attrName>
+                                        </p:attrNameLst>
+                                      </p:cBhvr>
+                                      <p:to>
+                                        <p:strVal val="visible"/>
+                                      </p:to>
+                                    </p:set>
+                                    <p:anim calcmode="lin" valueType="num">
+                                      <p:cBhvr>
+                                        <p:cTn id="20" dur="500" fill="hold"/>
+                                        <p:tgtEl>
+                                          <p:spTgt spid="38"/>
+                                        </p:tgtEl>
+                                        <p:attrNameLst>
+                                          <p:attrName>ppt_w</p:attrName>
+                                        </p:attrNameLst>
+                                      </p:cBhvr>
+                                      <p:tavLst>
+                                        <p:tav tm="0">
+                                          <p:val>
+                                            <p:strVal val="4/3*#ppt_w"/>
+                                          </p:val>
+                                        </p:tav>
+                                        <p:tav tm="100000">
+                                          <p:val>
+                                            <p:strVal val="#ppt_w"/>
+                                          </p:val>
+                                        </p:tav>
+                                      </p:tavLst>
+                                    </p:anim>
+                                    <p:anim calcmode="lin" valueType="num">
+                                      <p:cBhvr>
+                                        <p:cTn id="21" dur="500" fill="hold"/>
+                                        <p:tgtEl>
+                                          <p:spTgt spid="38"/>
+                                        </p:tgtEl>
+                                        <p:attrNameLst>
+                                          <p:attrName>ppt_h</p:attrName>
+                                        </p:attrNameLst>
+                                      </p:cBhvr>
+                                      <p:tavLst>
+                                        <p:tav tm="0">
+                                          <p:val>
+                                            <p:strVal val="4/3*#ppt_h"/>
+                                          </p:val>
+                                        </p:tav>
+                                        <p:tav tm="100000">
+                                          <p:val>
+                                            <p:strVal val="#ppt_h"/>
+                                          </p:val>
+                                        </p:tav>
+                                      </p:tavLst>
+                                    </p:anim>
+                                  </p:childTnLst>
+                                </p:cTn>
+                              </p:par>
+                            </p:childTnLst>
+                          </p:cTn>
+                        </p:par>
+                      </p:childTnLst>
+                    </p:cTn>
+                  </p:par>
+                  <p:par>
+                    <p:cTn id="22" fill="hold">
+                      <p:stCondLst>
+                        <p:cond delay="indefinite"/>
+                      </p:stCondLst>
+                      <p:childTnLst>
+                        <p:par>
+                          <p:cTn id="23" fill="hold">
+                            <p:stCondLst>
+                              <p:cond delay="0"/>
+                            </p:stCondLst>
+                            <p:childTnLst>
+                              <p:par>
+                                <p:cTn id="24" presetID="23" presetClass="entr" presetSubtype="288" fill="hold" grpId="0" nodeType="clickEffect">
+                                  <p:stCondLst>
+                                    <p:cond delay="0"/>
+                                  </p:stCondLst>
+                                  <p:childTnLst>
+                                    <p:set>
+                                      <p:cBhvr>
+                                        <p:cTn id="25" dur="1" fill="hold">
+                                          <p:stCondLst>
+                                            <p:cond delay="0"/>
+                                          </p:stCondLst>
+                                        </p:cTn>
+                                        <p:tgtEl>
+                                          <p:spTgt spid="41"/>
+                                        </p:tgtEl>
+                                        <p:attrNameLst>
+                                          <p:attrName>style.visibility</p:attrName>
+                                        </p:attrNameLst>
+                                      </p:cBhvr>
+                                      <p:to>
+                                        <p:strVal val="visible"/>
+                                      </p:to>
+                                    </p:set>
+                                    <p:anim calcmode="lin" valueType="num">
+                                      <p:cBhvr>
+                                        <p:cTn id="26" dur="500" fill="hold"/>
+                                        <p:tgtEl>
+                                          <p:spTgt spid="41"/>
+                                        </p:tgtEl>
+                                        <p:attrNameLst>
+                                          <p:attrName>ppt_w</p:attrName>
+                                        </p:attrNameLst>
+                                      </p:cBhvr>
+                                      <p:tavLst>
+                                        <p:tav tm="0">
+                                          <p:val>
+                                            <p:strVal val="4/3*#ppt_w"/>
+                                          </p:val>
+                                        </p:tav>
+                                        <p:tav tm="100000">
+                                          <p:val>
+                                            <p:strVal val="#ppt_w"/>
+                                          </p:val>
+                                        </p:tav>
+                                      </p:tavLst>
+                                    </p:anim>
+                                    <p:anim calcmode="lin" valueType="num">
+                                      <p:cBhvr>
+                                        <p:cTn id="27" dur="500" fill="hold"/>
+                                        <p:tgtEl>
+                                          <p:spTgt spid="41"/>
+                                        </p:tgtEl>
+                                        <p:attrNameLst>
+                                          <p:attrName>ppt_h</p:attrName>
+                                        </p:attrNameLst>
+                                      </p:cBhvr>
+                                      <p:tavLst>
+                                        <p:tav tm="0">
+                                          <p:val>
+                                            <p:strVal val="4/3*#ppt_h"/>
+                                          </p:val>
+                                        </p:tav>
+                                        <p:tav tm="100000">
+                                          <p:val>
+                                            <p:strVal val="#ppt_h"/>
+                                          </p:val>
+                                        </p:tav>
+                                      </p:tavLst>
+                                    </p:anim>
+                                  </p:childTnLst>
+                                </p:cTn>
+                              </p:par>
+                            </p:childTnLst>
+                          </p:cTn>
+                        </p:par>
+                      </p:childTnLst>
+                    </p:cTn>
+                  </p:par>
+                  <p:par>
+                    <p:cTn id="28" fill="hold">
+                      <p:stCondLst>
+                        <p:cond delay="indefinite"/>
+                      </p:stCondLst>
+                      <p:childTnLst>
+                        <p:par>
+                          <p:cTn id="29" fill="hold">
+                            <p:stCondLst>
+                              <p:cond delay="0"/>
+                            </p:stCondLst>
+                            <p:childTnLst>
+                              <p:par>
+                                <p:cTn id="30" presetID="23" presetClass="entr" presetSubtype="288" fill="hold" grpId="0" nodeType="clickEffect">
+                                  <p:stCondLst>
+                                    <p:cond delay="0"/>
+                                  </p:stCondLst>
+                                  <p:childTnLst>
+                                    <p:set>
+                                      <p:cBhvr>
+                                        <p:cTn id="31" dur="1" fill="hold">
+                                          <p:stCondLst>
+                                            <p:cond delay="0"/>
+                                          </p:stCondLst>
+                                        </p:cTn>
+                                        <p:tgtEl>
+                                          <p:spTgt spid="42"/>
+                                        </p:tgtEl>
+                                        <p:attrNameLst>
+                                          <p:attrName>style.visibility</p:attrName>
+                                        </p:attrNameLst>
+                                      </p:cBhvr>
+                                      <p:to>
+                                        <p:strVal val="visible"/>
+                                      </p:to>
+                                    </p:set>
+                                    <p:anim calcmode="lin" valueType="num">
+                                      <p:cBhvr>
+                                        <p:cTn id="32" dur="500" fill="hold"/>
+                                        <p:tgtEl>
+                                          <p:spTgt spid="42"/>
+                                        </p:tgtEl>
+                                        <p:attrNameLst>
+                                          <p:attrName>ppt_w</p:attrName>
+                                        </p:attrNameLst>
+                                      </p:cBhvr>
+                                      <p:tavLst>
+                                        <p:tav tm="0">
+                                          <p:val>
+                                            <p:strVal val="4/3*#ppt_w"/>
+                                          </p:val>
+                                        </p:tav>
+                                        <p:tav tm="100000">
+                                          <p:val>
+                                            <p:strVal val="#ppt_w"/>
+                                          </p:val>
+                                        </p:tav>
+                                      </p:tavLst>
+                                    </p:anim>
+                                    <p:anim calcmode="lin" valueType="num">
+                                      <p:cBhvr>
+                                        <p:cTn id="33" dur="500" fill="hold"/>
+                                        <p:tgtEl>
+                                          <p:spTgt spid="42"/>
+                                        </p:tgtEl>
+                                        <p:attrNameLst>
+                                          <p:attrName>ppt_h</p:attrName>
+                                        </p:attrNameLst>
+                                      </p:cBhvr>
+                                      <p:tavLst>
+                                        <p:tav tm="0">
+                                          <p:val>
+                                            <p:strVal val="4/3*#ppt_h"/>
+                                          </p:val>
+                                        </p:tav>
+                                        <p:tav tm="100000">
+                                          <p:val>
+                                            <p:strVal val="#ppt_h"/>
+                                          </p:val>
+                                        </p:tav>
+                                      </p:tavLst>
+                                    </p:anim>
+                                  </p:childTnLst>
+                                </p:cTn>
+                              </p:par>
+                            </p:childTnLst>
+                          </p:cTn>
+                        </p:par>
+                      </p:childTnLst>
+                    </p:cTn>
+                  </p:par>
+                  <p:par>
+                    <p:cTn id="34" fill="hold">
+                      <p:stCondLst>
+                        <p:cond delay="indefinite"/>
+                      </p:stCondLst>
+                      <p:childTnLst>
+                        <p:par>
+                          <p:cTn id="35" fill="hold">
+                            <p:stCondLst>
+                              <p:cond delay="0"/>
+                            </p:stCondLst>
+                            <p:childTnLst>
+                              <p:par>
+                                <p:cTn id="36" presetID="23" presetClass="entr" presetSubtype="288" fill="hold" grpId="0" nodeType="clickEffect">
+                                  <p:stCondLst>
+                                    <p:cond delay="0"/>
+                                  </p:stCondLst>
+                                  <p:childTnLst>
+                                    <p:set>
+                                      <p:cBhvr>
+                                        <p:cTn id="37" dur="1" fill="hold">
+                                          <p:stCondLst>
+                                            <p:cond delay="0"/>
+                                          </p:stCondLst>
+                                        </p:cTn>
+                                        <p:tgtEl>
+                                          <p:spTgt spid="43"/>
+                                        </p:tgtEl>
+                                        <p:attrNameLst>
+                                          <p:attrName>style.visibility</p:attrName>
+                                        </p:attrNameLst>
+                                      </p:cBhvr>
+                                      <p:to>
+                                        <p:strVal val="visible"/>
+                                      </p:to>
+                                    </p:set>
+                                    <p:anim calcmode="lin" valueType="num">
+                                      <p:cBhvr>
+                                        <p:cTn id="38" dur="500" fill="hold"/>
+                                        <p:tgtEl>
+                                          <p:spTgt spid="43"/>
+                                        </p:tgtEl>
+                                        <p:attrNameLst>
+                                          <p:attrName>ppt_w</p:attrName>
+                                        </p:attrNameLst>
+                                      </p:cBhvr>
+                                      <p:tavLst>
+                                        <p:tav tm="0">
+                                          <p:val>
+                                            <p:strVal val="4/3*#ppt_w"/>
+                                          </p:val>
+                                        </p:tav>
+                                        <p:tav tm="100000">
+                                          <p:val>
+                                            <p:strVal val="#ppt_w"/>
+                                          </p:val>
+                                        </p:tav>
+                                      </p:tavLst>
+                                    </p:anim>
+                                    <p:anim calcmode="lin" valueType="num">
+                                      <p:cBhvr>
+                                        <p:cTn id="39" dur="500" fill="hold"/>
+                                        <p:tgtEl>
+                                          <p:spTgt spid="43"/>
+                                        </p:tgtEl>
+                                        <p:attrNameLst>
+                                          <p:attrName>ppt_h</p:attrName>
+                                        </p:attrNameLst>
+                                      </p:cBhvr>
+                                      <p:tavLst>
+                                        <p:tav tm="0">
+                                          <p:val>
+                                            <p:strVal val="4/3*#ppt_h"/>
+                                          </p:val>
+                                        </p:tav>
+                                        <p:tav tm="100000">
+                                          <p:val>
+                                            <p:strVal val="#ppt_h"/>
+                                          </p:val>
+                                        </p:tav>
+                                      </p:tavLst>
+                                    </p:anim>
+                                  </p:childTnLst>
+                                </p:cTn>
+                              </p:par>
+                            </p:childTnLst>
+                          </p:cTn>
+                        </p:par>
+                      </p:childTnLst>
+                    </p:cTn>
+                  </p:par>
+                  <p:par>
+                    <p:cTn id="40" fill="hold">
+                      <p:stCondLst>
+                        <p:cond delay="indefinite"/>
+                      </p:stCondLst>
+                      <p:childTnLst>
+                        <p:par>
+                          <p:cTn id="41" fill="hold">
+                            <p:stCondLst>
+                              <p:cond delay="0"/>
+                            </p:stCondLst>
+                            <p:childTnLst>
+                              <p:par>
+                                <p:cTn id="42" presetID="1" presetClass="entr" presetSubtype="0" fill="hold" grpId="0" nodeType="clickEffect">
+                                  <p:stCondLst>
+                                    <p:cond delay="0"/>
+                                  </p:stCondLst>
+                                  <p:childTnLst>
+                                    <p:set>
+                                      <p:cBhvr>
+                                        <p:cTn id="43" dur="1" fill="hold">
+                                          <p:stCondLst>
+                                            <p:cond delay="0"/>
+                                          </p:stCondLst>
+                                        </p:cTn>
+                                        <p:tgtEl>
+                                          <p:spTgt spid="31"/>
+                                        </p:tgtEl>
+                                        <p:attrNameLst>
+                                          <p:attrName>style.visibility</p:attrName>
+                                        </p:attrNameLst>
+                                      </p:cBhvr>
+                                      <p:to>
+                                        <p:strVal val="visible"/>
+                                      </p:to>
+                                    </p:set>
+                                  </p:childTnLst>
+                                </p:cTn>
+                              </p:par>
+                            </p:childTnLst>
+                          </p:cTn>
+                        </p:par>
+                      </p:childTnLst>
+                    </p:cTn>
+                  </p:par>
+                  <p:par>
+                    <p:cTn id="44" fill="hold">
+                      <p:stCondLst>
+                        <p:cond delay="indefinite"/>
+                      </p:stCondLst>
+                      <p:childTnLst>
+                        <p:par>
+                          <p:cTn id="45" fill="hold">
+                            <p:stCondLst>
+                              <p:cond delay="0"/>
+                            </p:stCondLst>
+                            <p:childTnLst>
+                              <p:par>
+                                <p:cTn id="46" presetID="1" presetClass="entr" presetSubtype="0" fill="hold" grpId="0" nodeType="clickEffect">
+                                  <p:stCondLst>
+                                    <p:cond delay="0"/>
+                                  </p:stCondLst>
+                                  <p:childTnLst>
+                                    <p:set>
+                                      <p:cBhvr>
+                                        <p:cTn id="47" dur="1" fill="hold">
+                                          <p:stCondLst>
+                                            <p:cond delay="0"/>
+                                          </p:stCondLst>
+                                        </p:cTn>
+                                        <p:tgtEl>
+                                          <p:spTgt spid="35"/>
+                                        </p:tgtEl>
+                                        <p:attrNameLst>
+                                          <p:attrName>style.visibility</p:attrName>
+                                        </p:attrNameLst>
+                                      </p:cBhvr>
+                                      <p:to>
+                                        <p:strVal val="visible"/>
+                                      </p:to>
+                                    </p:set>
+                                  </p:childTnLst>
+                                </p:cTn>
+                              </p:par>
+                            </p:childTnLst>
+                          </p:cTn>
+                        </p:par>
+                      </p:childTnLst>
+                    </p:cTn>
+                  </p:par>
+                  <p:par>
+                    <p:cTn id="48" fill="hold">
+                      <p:stCondLst>
+                        <p:cond delay="indefinite"/>
+                      </p:stCondLst>
+                      <p:childTnLst>
+                        <p:par>
+                          <p:cTn id="49" fill="hold">
+                            <p:stCondLst>
+                              <p:cond delay="0"/>
+                            </p:stCondLst>
+                            <p:childTnLst>
+                              <p:par>
+                                <p:cTn id="50" presetID="23" presetClass="entr" presetSubtype="288" fill="hold" grpId="0" nodeType="clickEffect">
+                                  <p:stCondLst>
+                                    <p:cond delay="0"/>
+                                  </p:stCondLst>
+                                  <p:childTnLst>
+                                    <p:set>
+                                      <p:cBhvr>
+                                        <p:cTn id="51" dur="1" fill="hold">
+                                          <p:stCondLst>
+                                            <p:cond delay="0"/>
+                                          </p:stCondLst>
+                                        </p:cTn>
+                                        <p:tgtEl>
+                                          <p:spTgt spid="44"/>
+                                        </p:tgtEl>
+                                        <p:attrNameLst>
+                                          <p:attrName>style.visibility</p:attrName>
+                                        </p:attrNameLst>
+                                      </p:cBhvr>
+                                      <p:to>
+                                        <p:strVal val="visible"/>
+                                      </p:to>
+                                    </p:set>
+                                    <p:anim calcmode="lin" valueType="num">
+                                      <p:cBhvr>
+                                        <p:cTn id="52" dur="500" fill="hold"/>
+                                        <p:tgtEl>
+                                          <p:spTgt spid="44"/>
+                                        </p:tgtEl>
+                                        <p:attrNameLst>
+                                          <p:attrName>ppt_w</p:attrName>
+                                        </p:attrNameLst>
+                                      </p:cBhvr>
+                                      <p:tavLst>
+                                        <p:tav tm="0">
+                                          <p:val>
+                                            <p:strVal val="4/3*#ppt_w"/>
+                                          </p:val>
+                                        </p:tav>
+                                        <p:tav tm="100000">
+                                          <p:val>
+                                            <p:strVal val="#ppt_w"/>
+                                          </p:val>
+                                        </p:tav>
+                                      </p:tavLst>
+                                    </p:anim>
+                                    <p:anim calcmode="lin" valueType="num">
+                                      <p:cBhvr>
+                                        <p:cTn id="53" dur="500" fill="hold"/>
+                                        <p:tgtEl>
+                                          <p:spTgt spid="44"/>
+                                        </p:tgtEl>
+                                        <p:attrNameLst>
+                                          <p:attrName>ppt_h</p:attrName>
+                                        </p:attrNameLst>
+                                      </p:cBhvr>
+                                      <p:tavLst>
+                                        <p:tav tm="0">
+                                          <p:val>
+                                            <p:strVal val="4/3*#ppt_h"/>
+                                          </p:val>
+                                        </p:tav>
+                                        <p:tav tm="100000">
+                                          <p:val>
+                                            <p:strVal val="#ppt_h"/>
+                                          </p:val>
+                                        </p:tav>
+                                      </p:tavLst>
+                                    </p:anim>
+                                  </p:childTnLst>
+                                </p:cTn>
+                              </p:par>
+                            </p:childTnLst>
+                          </p:cTn>
+                        </p:par>
+                      </p:childTnLst>
+                    </p:cTn>
+                  </p:par>
+                  <p:par>
+                    <p:cTn id="54" fill="hold">
+                      <p:stCondLst>
+                        <p:cond delay="indefinite"/>
+                      </p:stCondLst>
+                      <p:childTnLst>
+                        <p:par>
+                          <p:cTn id="55" fill="hold">
+                            <p:stCondLst>
+                              <p:cond delay="0"/>
+                            </p:stCondLst>
+                            <p:childTnLst>
+                              <p:par>
+                                <p:cTn id="56" presetID="23" presetClass="entr" presetSubtype="288" fill="hold" grpId="0" nodeType="clickEffect">
+                                  <p:stCondLst>
+                                    <p:cond delay="0"/>
+                                  </p:stCondLst>
+                                  <p:childTnLst>
+                                    <p:set>
+                                      <p:cBhvr>
+                                        <p:cTn id="57" dur="1" fill="hold">
+                                          <p:stCondLst>
+                                            <p:cond delay="0"/>
+                                          </p:stCondLst>
+                                        </p:cTn>
+                                        <p:tgtEl>
+                                          <p:spTgt spid="46"/>
+                                        </p:tgtEl>
+                                        <p:attrNameLst>
+                                          <p:attrName>style.visibility</p:attrName>
+                                        </p:attrNameLst>
+                                      </p:cBhvr>
+                                      <p:to>
+                                        <p:strVal val="visible"/>
+                                      </p:to>
+                                    </p:set>
+                                    <p:anim calcmode="lin" valueType="num">
+                                      <p:cBhvr>
+                                        <p:cTn id="58" dur="500" fill="hold"/>
+                                        <p:tgtEl>
+                                          <p:spTgt spid="46"/>
+                                        </p:tgtEl>
+                                        <p:attrNameLst>
+                                          <p:attrName>ppt_w</p:attrName>
+                                        </p:attrNameLst>
+                                      </p:cBhvr>
+                                      <p:tavLst>
+                                        <p:tav tm="0">
+                                          <p:val>
+                                            <p:strVal val="4/3*#ppt_w"/>
+                                          </p:val>
+                                        </p:tav>
+                                        <p:tav tm="100000">
+                                          <p:val>
+                                            <p:strVal val="#ppt_w"/>
+                                          </p:val>
+                                        </p:tav>
+                                      </p:tavLst>
+                                    </p:anim>
+                                    <p:anim calcmode="lin" valueType="num">
+                                      <p:cBhvr>
+                                        <p:cTn id="59" dur="500" fill="hold"/>
+                                        <p:tgtEl>
+                                          <p:spTgt spid="46"/>
+                                        </p:tgtEl>
+                                        <p:attrNameLst>
+                                          <p:attrName>ppt_h</p:attrName>
+                                        </p:attrNameLst>
+                                      </p:cBhvr>
+                                      <p:tavLst>
+                                        <p:tav tm="0">
+                                          <p:val>
+                                            <p:strVal val="4/3*#ppt_h"/>
+                                          </p:val>
+                                        </p:tav>
+                                        <p:tav tm="100000">
+                                          <p:val>
+                                            <p:strVal val="#ppt_h"/>
+                                          </p:val>
+                                        </p:tav>
+                                      </p:tavLst>
+                                    </p:anim>
+                                  </p:childTnLst>
+                                </p:cTn>
+                              </p:par>
+                            </p:childTnLst>
+                          </p:cTn>
+                        </p:par>
+                      </p:childTnLst>
+                    </p:cTn>
+                  </p:par>
+                  <p:par>
+                    <p:cTn id="60" fill="hold">
+                      <p:stCondLst>
+                        <p:cond delay="indefinite"/>
+                      </p:stCondLst>
+                      <p:childTnLst>
+                        <p:par>
+                          <p:cTn id="61" fill="hold">
+                            <p:stCondLst>
+                              <p:cond delay="0"/>
+                            </p:stCondLst>
+                            <p:childTnLst>
+                              <p:par>
+                                <p:cTn id="62" presetID="23" presetClass="entr" presetSubtype="288" fill="hold" grpId="0" nodeType="clickEffect">
+                                  <p:stCondLst>
+                                    <p:cond delay="0"/>
+                                  </p:stCondLst>
+                                  <p:childTnLst>
+                                    <p:set>
+                                      <p:cBhvr>
+                                        <p:cTn id="63" dur="1" fill="hold">
+                                          <p:stCondLst>
+                                            <p:cond delay="0"/>
+                                          </p:stCondLst>
+                                        </p:cTn>
+                                        <p:tgtEl>
+                                          <p:spTgt spid="48"/>
+                                        </p:tgtEl>
+                                        <p:attrNameLst>
+                                          <p:attrName>style.visibility</p:attrName>
+                                        </p:attrNameLst>
+                                      </p:cBhvr>
+                                      <p:to>
+                                        <p:strVal val="visible"/>
+                                      </p:to>
+                                    </p:set>
+                                    <p:anim calcmode="lin" valueType="num">
+                                      <p:cBhvr>
+                                        <p:cTn id="64" dur="500" fill="hold"/>
+                                        <p:tgtEl>
+                                          <p:spTgt spid="48"/>
+                                        </p:tgtEl>
+                                        <p:attrNameLst>
+                                          <p:attrName>ppt_w</p:attrName>
+                                        </p:attrNameLst>
+                                      </p:cBhvr>
+                                      <p:tavLst>
+                                        <p:tav tm="0">
+                                          <p:val>
+                                            <p:strVal val="4/3*#ppt_w"/>
+                                          </p:val>
+                                        </p:tav>
+                                        <p:tav tm="100000">
+                                          <p:val>
+                                            <p:strVal val="#ppt_w"/>
+                                          </p:val>
+                                        </p:tav>
+                                      </p:tavLst>
+                                    </p:anim>
+                                    <p:anim calcmode="lin" valueType="num">
+                                      <p:cBhvr>
+                                        <p:cTn id="65" dur="500" fill="hold"/>
+                                        <p:tgtEl>
+                                          <p:spTgt spid="48"/>
+                                        </p:tgtEl>
+                                        <p:attrNameLst>
+                                          <p:attrName>ppt_h</p:attrName>
+                                        </p:attrNameLst>
+                                      </p:cBhvr>
+                                      <p:tavLst>
+                                        <p:tav tm="0">
+                                          <p:val>
+                                            <p:strVal val="4/3*#ppt_h"/>
+                                          </p:val>
+                                        </p:tav>
+                                        <p:tav tm="100000">
+                                          <p:val>
+                                            <p:strVal val="#ppt_h"/>
+                                          </p:val>
+                                        </p:tav>
+                                      </p:tavLst>
+                                    </p:anim>
+                                  </p:childTnLst>
+                                </p:cTn>
+                              </p:par>
+                            </p:childTnLst>
+                          </p:cTn>
+                        </p:par>
+                      </p:childTnLst>
+                    </p:cTn>
+                  </p:par>
+                  <p:par>
+                    <p:cTn id="66" fill="hold">
+                      <p:stCondLst>
+                        <p:cond delay="indefinite"/>
+                      </p:stCondLst>
+                      <p:childTnLst>
+                        <p:par>
+                          <p:cTn id="67" fill="hold">
+                            <p:stCondLst>
+                              <p:cond delay="0"/>
+                            </p:stCondLst>
+                            <p:childTnLst>
+                              <p:par>
+                                <p:cTn id="68" presetID="23" presetClass="entr" presetSubtype="288" fill="hold" grpId="0" nodeType="clickEffect">
+                                  <p:stCondLst>
+                                    <p:cond delay="0"/>
+                                  </p:stCondLst>
+                                  <p:childTnLst>
+                                    <p:set>
+                                      <p:cBhvr>
+                                        <p:cTn id="69" dur="1" fill="hold">
+                                          <p:stCondLst>
+                                            <p:cond delay="0"/>
+                                          </p:stCondLst>
+                                        </p:cTn>
+                                        <p:tgtEl>
+                                          <p:spTgt spid="45"/>
+                                        </p:tgtEl>
+                                        <p:attrNameLst>
+                                          <p:attrName>style.visibility</p:attrName>
+                                        </p:attrNameLst>
+                                      </p:cBhvr>
+                                      <p:to>
+                                        <p:strVal val="visible"/>
+                                      </p:to>
+                                    </p:set>
+                                    <p:anim calcmode="lin" valueType="num">
+                                      <p:cBhvr>
+                                        <p:cTn id="70" dur="500" fill="hold"/>
+                                        <p:tgtEl>
+                                          <p:spTgt spid="45"/>
+                                        </p:tgtEl>
+                                        <p:attrNameLst>
+                                          <p:attrName>ppt_w</p:attrName>
+                                        </p:attrNameLst>
+                                      </p:cBhvr>
+                                      <p:tavLst>
+                                        <p:tav tm="0">
+                                          <p:val>
+                                            <p:strVal val="4/3*#ppt_w"/>
+                                          </p:val>
+                                        </p:tav>
+                                        <p:tav tm="100000">
+                                          <p:val>
+                                            <p:strVal val="#ppt_w"/>
+                                          </p:val>
+                                        </p:tav>
+                                      </p:tavLst>
+                                    </p:anim>
+                                    <p:anim calcmode="lin" valueType="num">
+                                      <p:cBhvr>
+                                        <p:cTn id="71" dur="500" fill="hold"/>
+                                        <p:tgtEl>
+                                          <p:spTgt spid="45"/>
+                                        </p:tgtEl>
+                                        <p:attrNameLst>
+                                          <p:attrName>ppt_h</p:attrName>
+                                        </p:attrNameLst>
+                                      </p:cBhvr>
+                                      <p:tavLst>
+                                        <p:tav tm="0">
+                                          <p:val>
+                                            <p:strVal val="4/3*#ppt_h"/>
+                                          </p:val>
+                                        </p:tav>
+                                        <p:tav tm="100000">
+                                          <p:val>
+                                            <p:strVal val="#ppt_h"/>
+                                          </p:val>
+                                        </p:tav>
+                                      </p:tavLst>
+                                    </p:anim>
+                                  </p:childTnLst>
+                                </p:cTn>
+                              </p:par>
+                            </p:childTnLst>
+                          </p:cTn>
+                        </p:par>
+                      </p:childTnLst>
+                    </p:cTn>
+                  </p:par>
+                  <p:par>
+                    <p:cTn id="72" fill="hold">
+                      <p:stCondLst>
+                        <p:cond delay="indefinite"/>
+                      </p:stCondLst>
+                      <p:childTnLst>
+                        <p:par>
+                          <p:cTn id="73" fill="hold">
+                            <p:stCondLst>
+                              <p:cond delay="0"/>
+                            </p:stCondLst>
+                            <p:childTnLst>
+                              <p:par>
+                                <p:cTn id="74" presetID="23" presetClass="entr" presetSubtype="288" fill="hold" grpId="0" nodeType="clickEffect">
+                                  <p:stCondLst>
+                                    <p:cond delay="0"/>
+                                  </p:stCondLst>
+                                  <p:childTnLst>
+                                    <p:set>
+                                      <p:cBhvr>
+                                        <p:cTn id="75" dur="1" fill="hold">
+                                          <p:stCondLst>
+                                            <p:cond delay="0"/>
+                                          </p:stCondLst>
+                                        </p:cTn>
+                                        <p:tgtEl>
+                                          <p:spTgt spid="49"/>
+                                        </p:tgtEl>
+                                        <p:attrNameLst>
+                                          <p:attrName>style.visibility</p:attrName>
+                                        </p:attrNameLst>
+                                      </p:cBhvr>
+                                      <p:to>
+                                        <p:strVal val="visible"/>
+                                      </p:to>
+                                    </p:set>
+                                    <p:anim calcmode="lin" valueType="num">
+                                      <p:cBhvr>
+                                        <p:cTn id="76" dur="500" fill="hold"/>
+                                        <p:tgtEl>
+                                          <p:spTgt spid="49"/>
+                                        </p:tgtEl>
+                                        <p:attrNameLst>
+                                          <p:attrName>ppt_w</p:attrName>
+                                        </p:attrNameLst>
+                                      </p:cBhvr>
+                                      <p:tavLst>
+                                        <p:tav tm="0">
+                                          <p:val>
+                                            <p:strVal val="4/3*#ppt_w"/>
+                                          </p:val>
+                                        </p:tav>
+                                        <p:tav tm="100000">
+                                          <p:val>
+                                            <p:strVal val="#ppt_w"/>
+                                          </p:val>
+                                        </p:tav>
+                                      </p:tavLst>
+                                    </p:anim>
+                                    <p:anim calcmode="lin" valueType="num">
+                                      <p:cBhvr>
+                                        <p:cTn id="77" dur="500" fill="hold"/>
+                                        <p:tgtEl>
+                                          <p:spTgt spid="49"/>
+                                        </p:tgtEl>
+                                        <p:attrNameLst>
+                                          <p:attrName>ppt_h</p:attrName>
+                                        </p:attrNameLst>
+                                      </p:cBhvr>
+                                      <p:tavLst>
+                                        <p:tav tm="0">
+                                          <p:val>
+                                            <p:strVal val="4/3*#ppt_h"/>
+                                          </p:val>
+                                        </p:tav>
+                                        <p:tav tm="100000">
+                                          <p:val>
+                                            <p:strVal val="#ppt_h"/>
+                                          </p:val>
+                                        </p:tav>
+                                      </p:tavLst>
+                                    </p:anim>
+                                  </p:childTnLst>
+                                </p:cTn>
+                              </p:par>
+                            </p:childTnLst>
+                          </p:cTn>
+                        </p:par>
+                      </p:childTnLst>
+                    </p:cTn>
+                  </p:par>
+                  <p:par>
+                    <p:cTn id="78" fill="hold">
+                      <p:stCondLst>
+                        <p:cond delay="indefinite"/>
+                      </p:stCondLst>
+                      <p:childTnLst>
+                        <p:par>
+                          <p:cTn id="79" fill="hold">
+                            <p:stCondLst>
+                              <p:cond delay="0"/>
+                            </p:stCondLst>
+                            <p:childTnLst>
+                              <p:par>
+                                <p:cTn id="80" presetID="23" presetClass="entr" presetSubtype="288" fill="hold" grpId="0" nodeType="clickEffect">
+                                  <p:stCondLst>
+                                    <p:cond delay="0"/>
+                                  </p:stCondLst>
+                                  <p:childTnLst>
+                                    <p:set>
+                                      <p:cBhvr>
+                                        <p:cTn id="81" dur="1" fill="hold">
+                                          <p:stCondLst>
+                                            <p:cond delay="0"/>
+                                          </p:stCondLst>
+                                        </p:cTn>
+                                        <p:tgtEl>
+                                          <p:spTgt spid="50"/>
+                                        </p:tgtEl>
+                                        <p:attrNameLst>
+                                          <p:attrName>style.visibility</p:attrName>
+                                        </p:attrNameLst>
+                                      </p:cBhvr>
+                                      <p:to>
+                                        <p:strVal val="visible"/>
+                                      </p:to>
+                                    </p:set>
+                                    <p:anim calcmode="lin" valueType="num">
+                                      <p:cBhvr>
+                                        <p:cTn id="82" dur="500" fill="hold"/>
+                                        <p:tgtEl>
+                                          <p:spTgt spid="50"/>
+                                        </p:tgtEl>
+                                        <p:attrNameLst>
+                                          <p:attrName>ppt_w</p:attrName>
+                                        </p:attrNameLst>
+                                      </p:cBhvr>
+                                      <p:tavLst>
+                                        <p:tav tm="0">
+                                          <p:val>
+                                            <p:strVal val="4/3*#ppt_w"/>
+                                          </p:val>
+                                        </p:tav>
+                                        <p:tav tm="100000">
+                                          <p:val>
+                                            <p:strVal val="#ppt_w"/>
+                                          </p:val>
+                                        </p:tav>
+                                      </p:tavLst>
+                                    </p:anim>
+                                    <p:anim calcmode="lin" valueType="num">
+                                      <p:cBhvr>
+                                        <p:cTn id="83" dur="500" fill="hold"/>
+                                        <p:tgtEl>
+                                          <p:spTgt spid="50"/>
+                                        </p:tgtEl>
+                                        <p:attrNameLst>
+                                          <p:attrName>ppt_h</p:attrName>
+                                        </p:attrNameLst>
+                                      </p:cBhvr>
+                                      <p:tavLst>
+                                        <p:tav tm="0">
+                                          <p:val>
+                                            <p:strVal val="4/3*#ppt_h"/>
+                                          </p:val>
+                                        </p:tav>
+                                        <p:tav tm="100000">
+                                          <p:val>
+                                            <p:strVal val="#ppt_h"/>
+                                          </p:val>
+                                        </p:tav>
+                                      </p:tavLst>
+                                    </p:anim>
+                                  </p:childTnLst>
+                                </p:cTn>
+                              </p:par>
+                            </p:childTnLst>
+                          </p:cTn>
+                        </p:par>
+                      </p:childTnLst>
+                    </p:cTn>
+                  </p:par>
+                  <p:par>
+                    <p:cTn id="84" fill="hold">
+                      <p:stCondLst>
+                        <p:cond delay="indefinite"/>
+                      </p:stCondLst>
+                      <p:childTnLst>
+                        <p:par>
+                          <p:cTn id="85" fill="hold">
+                            <p:stCondLst>
+                              <p:cond delay="0"/>
+                            </p:stCondLst>
+                            <p:childTnLst>
+                              <p:par>
+                                <p:cTn id="86" presetID="1" presetClass="entr" presetSubtype="0" fill="hold" grpId="0" nodeType="clickEffect">
+                                  <p:stCondLst>
+                                    <p:cond delay="0"/>
+                                  </p:stCondLst>
+                                  <p:childTnLst>
+                                    <p:set>
+                                      <p:cBhvr>
+                                        <p:cTn id="87" dur="1" fill="hold">
+                                          <p:stCondLst>
+                                            <p:cond delay="0"/>
+                                          </p:stCondLst>
+                                        </p:cTn>
+                                        <p:tgtEl>
+                                          <p:spTgt spid="36"/>
+                                        </p:tgtEl>
+                                        <p:attrNameLst>
+                                          <p:attrName>style.visibility</p:attrName>
+                                        </p:attrNameLst>
+                                      </p:cBhvr>
+                                      <p:to>
+                                        <p:strVal val="visible"/>
+                                      </p:to>
+                                    </p:set>
+                                  </p:childTnLst>
+                                </p:cTn>
+                              </p:par>
+                            </p:childTnLst>
+                          </p:cTn>
+                        </p:par>
+                      </p:childTnLst>
+                    </p:cTn>
+                  </p:par>
+                  <p:par>
+                    <p:cTn id="88" fill="hold">
+                      <p:stCondLst>
+                        <p:cond delay="indefinite"/>
+                      </p:stCondLst>
+                      <p:childTnLst>
+                        <p:par>
+                          <p:cTn id="89" fill="hold">
+                            <p:stCondLst>
+                              <p:cond delay="0"/>
+                            </p:stCondLst>
+                            <p:childTnLst>
+                              <p:par>
+                                <p:cTn id="90" presetID="1" presetClass="entr" presetSubtype="0" fill="hold" grpId="0" nodeType="clickEffect">
+                                  <p:stCondLst>
+                                    <p:cond delay="0"/>
+                                  </p:stCondLst>
+                                  <p:childTnLst>
+                                    <p:set>
+                                      <p:cBhvr>
+                                        <p:cTn id="91" dur="1" fill="hold">
+                                          <p:stCondLst>
+                                            <p:cond delay="0"/>
+                                          </p:stCondLst>
+                                        </p:cTn>
+                                        <p:tgtEl>
+                                          <p:spTgt spid="37"/>
+                                        </p:tgtEl>
+                                        <p:attrNameLst>
+                                          <p:attrName>style.visibility</p:attrName>
+                                        </p:attrNameLst>
+                                      </p:cBhvr>
+                                      <p:to>
+                                        <p:strVal val="visible"/>
+                                      </p:to>
+                                    </p:set>
+                                  </p:childTnLst>
+                                </p:cTn>
+                              </p:par>
+                            </p:childTnLst>
+                          </p:cTn>
+                        </p:par>
+                      </p:childTnLst>
+                    </p:cTn>
+                  </p:par>
+                  <p:par>
+                    <p:cTn id="92" fill="hold">
+                      <p:stCondLst>
+                        <p:cond delay="indefinite"/>
+                      </p:stCondLst>
+                      <p:childTnLst>
+                        <p:par>
+                          <p:cTn id="93" fill="hold">
+                            <p:stCondLst>
+                              <p:cond delay="0"/>
+                            </p:stCondLst>
+                            <p:childTnLst>
+                              <p:par>
+                                <p:cTn id="94" presetID="23" presetClass="entr" presetSubtype="288" fill="hold" grpId="0" nodeType="clickEffect">
+                                  <p:stCondLst>
+                                    <p:cond delay="0"/>
+                                  </p:stCondLst>
+                                  <p:childTnLst>
+                                    <p:set>
+                                      <p:cBhvr>
+                                        <p:cTn id="95" dur="1" fill="hold">
+                                          <p:stCondLst>
+                                            <p:cond delay="0"/>
+                                          </p:stCondLst>
+                                        </p:cTn>
+                                        <p:tgtEl>
+                                          <p:spTgt spid="51"/>
+                                        </p:tgtEl>
+                                        <p:attrNameLst>
+                                          <p:attrName>style.visibility</p:attrName>
+                                        </p:attrNameLst>
+                                      </p:cBhvr>
+                                      <p:to>
+                                        <p:strVal val="visible"/>
+                                      </p:to>
+                                    </p:set>
+                                    <p:anim calcmode="lin" valueType="num">
+                                      <p:cBhvr>
+                                        <p:cTn id="96" dur="500" fill="hold"/>
+                                        <p:tgtEl>
+                                          <p:spTgt spid="51"/>
+                                        </p:tgtEl>
+                                        <p:attrNameLst>
+                                          <p:attrName>ppt_w</p:attrName>
+                                        </p:attrNameLst>
+                                      </p:cBhvr>
+                                      <p:tavLst>
+                                        <p:tav tm="0">
+                                          <p:val>
+                                            <p:strVal val="4/3*#ppt_w"/>
+                                          </p:val>
+                                        </p:tav>
+                                        <p:tav tm="100000">
+                                          <p:val>
+                                            <p:strVal val="#ppt_w"/>
+                                          </p:val>
+                                        </p:tav>
+                                      </p:tavLst>
+                                    </p:anim>
+                                    <p:anim calcmode="lin" valueType="num">
+                                      <p:cBhvr>
+                                        <p:cTn id="97" dur="500" fill="hold"/>
+                                        <p:tgtEl>
+                                          <p:spTgt spid="51"/>
+                                        </p:tgtEl>
+                                        <p:attrNameLst>
+                                          <p:attrName>ppt_h</p:attrName>
+                                        </p:attrNameLst>
+                                      </p:cBhvr>
+                                      <p:tavLst>
+                                        <p:tav tm="0">
+                                          <p:val>
+                                            <p:strVal val="4/3*#ppt_h"/>
+                                          </p:val>
+                                        </p:tav>
+                                        <p:tav tm="100000">
+                                          <p:val>
+                                            <p:strVal val="#ppt_h"/>
+                                          </p:val>
+                                        </p:tav>
+                                      </p:tavLst>
+                                    </p:anim>
+                                  </p:childTnLst>
+                                </p:cTn>
+                              </p:par>
+                            </p:childTnLst>
+                          </p:cTn>
+                        </p:par>
+                      </p:childTnLst>
+                    </p:cTn>
+                  </p:par>
+                  <p:par>
+                    <p:cTn id="98" fill="hold">
+                      <p:stCondLst>
+                        <p:cond delay="indefinite"/>
+                      </p:stCondLst>
+                      <p:childTnLst>
+                        <p:par>
+                          <p:cTn id="99" fill="hold">
+                            <p:stCondLst>
+                              <p:cond delay="0"/>
+                            </p:stCondLst>
+                            <p:childTnLst>
+                              <p:par>
+                                <p:cTn id="100" presetID="23" presetClass="entr" presetSubtype="288" fill="hold" grpId="0" nodeType="clickEffect">
+                                  <p:stCondLst>
+                                    <p:cond delay="0"/>
+                                  </p:stCondLst>
+                                  <p:childTnLst>
+                                    <p:set>
+                                      <p:cBhvr>
+                                        <p:cTn id="101" dur="1" fill="hold">
+                                          <p:stCondLst>
+                                            <p:cond delay="0"/>
+                                          </p:stCondLst>
+                                        </p:cTn>
+                                        <p:tgtEl>
+                                          <p:spTgt spid="40"/>
+                                        </p:tgtEl>
+                                        <p:attrNameLst>
+                                          <p:attrName>style.visibility</p:attrName>
+                                        </p:attrNameLst>
+                                      </p:cBhvr>
+                                      <p:to>
+                                        <p:strVal val="visible"/>
+                                      </p:to>
+                                    </p:set>
+                                    <p:anim calcmode="lin" valueType="num">
+                                      <p:cBhvr>
+                                        <p:cTn id="102" dur="500" fill="hold"/>
+                                        <p:tgtEl>
+                                          <p:spTgt spid="40"/>
+                                        </p:tgtEl>
+                                        <p:attrNameLst>
+                                          <p:attrName>ppt_w</p:attrName>
+                                        </p:attrNameLst>
+                                      </p:cBhvr>
+                                      <p:tavLst>
+                                        <p:tav tm="0">
+                                          <p:val>
+                                            <p:strVal val="4/3*#ppt_w"/>
+                                          </p:val>
+                                        </p:tav>
+                                        <p:tav tm="100000">
+                                          <p:val>
+                                            <p:strVal val="#ppt_w"/>
+                                          </p:val>
+                                        </p:tav>
+                                      </p:tavLst>
+                                    </p:anim>
+                                    <p:anim calcmode="lin" valueType="num">
+                                      <p:cBhvr>
+                                        <p:cTn id="103" dur="500" fill="hold"/>
+                                        <p:tgtEl>
+                                          <p:spTgt spid="40"/>
+                                        </p:tgtEl>
+                                        <p:attrNameLst>
+                                          <p:attrName>ppt_h</p:attrName>
+                                        </p:attrNameLst>
+                                      </p:cBhvr>
+                                      <p:tavLst>
+                                        <p:tav tm="0">
+                                          <p:val>
+                                            <p:strVal val="4/3*#ppt_h"/>
+                                          </p:val>
+                                        </p:tav>
+                                        <p:tav tm="100000">
+                                          <p:val>
+                                            <p:strVal val="#ppt_h"/>
+                                          </p:val>
+                                        </p:tav>
+                                      </p:tavLst>
+                                    </p:anim>
+                                  </p:childTnLst>
+                                </p:cTn>
+                              </p:par>
+                            </p:childTnLst>
+                          </p:cTn>
+                        </p:par>
+                      </p:childTnLst>
+                    </p:cTn>
+                  </p:par>
+                  <p:par>
+                    <p:cTn id="104" fill="hold">
+                      <p:stCondLst>
+                        <p:cond delay="indefinite"/>
+                      </p:stCondLst>
+                      <p:childTnLst>
+                        <p:par>
+                          <p:cTn id="105" fill="hold">
+                            <p:stCondLst>
+                              <p:cond delay="0"/>
+                            </p:stCondLst>
+                            <p:childTnLst>
+                              <p:par>
+                                <p:cTn id="106" presetID="23" presetClass="entr" presetSubtype="288" fill="hold" grpId="0" nodeType="clickEffect">
+                                  <p:stCondLst>
+                                    <p:cond delay="0"/>
+                                  </p:stCondLst>
+                                  <p:childTnLst>
+                                    <p:set>
+                                      <p:cBhvr>
+                                        <p:cTn id="107" dur="1" fill="hold">
+                                          <p:stCondLst>
+                                            <p:cond delay="0"/>
+                                          </p:stCondLst>
+                                        </p:cTn>
+                                        <p:tgtEl>
+                                          <p:spTgt spid="52"/>
+                                        </p:tgtEl>
+                                        <p:attrNameLst>
+                                          <p:attrName>style.visibility</p:attrName>
+                                        </p:attrNameLst>
+                                      </p:cBhvr>
+                                      <p:to>
+                                        <p:strVal val="visible"/>
+                                      </p:to>
+                                    </p:set>
+                                    <p:anim calcmode="lin" valueType="num">
+                                      <p:cBhvr>
+                                        <p:cTn id="108" dur="500" fill="hold"/>
+                                        <p:tgtEl>
+                                          <p:spTgt spid="52"/>
+                                        </p:tgtEl>
+                                        <p:attrNameLst>
+                                          <p:attrName>ppt_w</p:attrName>
+                                        </p:attrNameLst>
+                                      </p:cBhvr>
+                                      <p:tavLst>
+                                        <p:tav tm="0">
+                                          <p:val>
+                                            <p:strVal val="4/3*#ppt_w"/>
+                                          </p:val>
+                                        </p:tav>
+                                        <p:tav tm="100000">
+                                          <p:val>
+                                            <p:strVal val="#ppt_w"/>
+                                          </p:val>
+                                        </p:tav>
+                                      </p:tavLst>
+                                    </p:anim>
+                                    <p:anim calcmode="lin" valueType="num">
+                                      <p:cBhvr>
+                                        <p:cTn id="109" dur="500" fill="hold"/>
+                                        <p:tgtEl>
+                                          <p:spTgt spid="52"/>
+                                        </p:tgtEl>
+                                        <p:attrNameLst>
+                                          <p:attrName>ppt_h</p:attrName>
+                                        </p:attrNameLst>
+                                      </p:cBhvr>
+                                      <p:tavLst>
+                                        <p:tav tm="0">
+                                          <p:val>
+                                            <p:strVal val="4/3*#ppt_h"/>
+                                          </p:val>
+                                        </p:tav>
+                                        <p:tav tm="100000">
+                                          <p:val>
+                                            <p:strVal val="#ppt_h"/>
+                                          </p:val>
+                                        </p:tav>
+                                      </p:tavLst>
+                                    </p:anim>
+                                  </p:childTnLst>
+                                </p:cTn>
+                              </p:par>
+                            </p:childTnLst>
+                          </p:cTn>
+                        </p:par>
+                      </p:childTnLst>
+                    </p:cTn>
+                  </p:par>
+                  <p:par>
+                    <p:cTn id="110" fill="hold">
+                      <p:stCondLst>
+                        <p:cond delay="indefinite"/>
+                      </p:stCondLst>
+                      <p:childTnLst>
+                        <p:par>
+                          <p:cTn id="111" fill="hold">
+                            <p:stCondLst>
+                              <p:cond delay="0"/>
+                            </p:stCondLst>
+                            <p:childTnLst>
+                              <p:par>
+                                <p:cTn id="112" presetID="23" presetClass="entr" presetSubtype="288" fill="hold" grpId="0" nodeType="clickEffect">
+                                  <p:stCondLst>
+                                    <p:cond delay="0"/>
+                                  </p:stCondLst>
+                                  <p:childTnLst>
+                                    <p:set>
+                                      <p:cBhvr>
+                                        <p:cTn id="113" dur="1" fill="hold">
+                                          <p:stCondLst>
+                                            <p:cond delay="0"/>
+                                          </p:stCondLst>
+                                        </p:cTn>
+                                        <p:tgtEl>
+                                          <p:spTgt spid="53"/>
+                                        </p:tgtEl>
+                                        <p:attrNameLst>
+                                          <p:attrName>style.visibility</p:attrName>
+                                        </p:attrNameLst>
+                                      </p:cBhvr>
+                                      <p:to>
+                                        <p:strVal val="visible"/>
+                                      </p:to>
+                                    </p:set>
+                                    <p:anim calcmode="lin" valueType="num">
+                                      <p:cBhvr>
+                                        <p:cTn id="114" dur="500" fill="hold"/>
+                                        <p:tgtEl>
+                                          <p:spTgt spid="53"/>
+                                        </p:tgtEl>
+                                        <p:attrNameLst>
+                                          <p:attrName>ppt_w</p:attrName>
+                                        </p:attrNameLst>
+                                      </p:cBhvr>
+                                      <p:tavLst>
+                                        <p:tav tm="0">
+                                          <p:val>
+                                            <p:strVal val="4/3*#ppt_w"/>
+                                          </p:val>
+                                        </p:tav>
+                                        <p:tav tm="100000">
+                                          <p:val>
+                                            <p:strVal val="#ppt_w"/>
+                                          </p:val>
+                                        </p:tav>
+                                      </p:tavLst>
+                                    </p:anim>
+                                    <p:anim calcmode="lin" valueType="num">
+                                      <p:cBhvr>
+                                        <p:cTn id="115" dur="500" fill="hold"/>
+                                        <p:tgtEl>
+                                          <p:spTgt spid="53"/>
+                                        </p:tgtEl>
+                                        <p:attrNameLst>
+                                          <p:attrName>ppt_h</p:attrName>
+                                        </p:attrNameLst>
+                                      </p:cBhvr>
+                                      <p:tavLst>
+                                        <p:tav tm="0">
+                                          <p:val>
+                                            <p:strVal val="4/3*#ppt_h"/>
+                                          </p:val>
+                                        </p:tav>
+                                        <p:tav tm="100000">
+                                          <p:val>
+                                            <p:strVal val="#ppt_h"/>
+                                          </p:val>
+                                        </p:tav>
+                                      </p:tavLst>
+                                    </p:anim>
+                                  </p:childTnLst>
+                                </p:cTn>
+                              </p:par>
+                            </p:childTnLst>
+                          </p:cTn>
+                        </p:par>
+                      </p:childTnLst>
+                    </p:cTn>
+                  </p:par>
+                </p:childTnLst>
+              </p:cTn>
+              <p:prevCondLst>
+                <p:cond evt="onPrev" delay="0">
+                  <p:tgtEl>
+                    <p:sldTgt/>
+                  </p:tgtEl>
+                </p:cond>
+              </p:prevCondLst>
+              <p:nextCondLst>
+                <p:cond evt="onNext" delay="0">
+                  <p:tgtEl>
+                    <p:sldTgt/>
+                  </p:tgtEl>
+                </p:cond>
+              </p:nextCondLst>
+            </p:seq>
+          </p:childTnLst>
+        </p:cTn>
+      </p:par>
+    </p:tnLst>
+    <p:bldLst>
+      <p:bldP spid="23" grpId="0"/>
+      <p:bldP spid="29" grpId="0"/>
+      <p:bldP spid="31" grpId="0"/>
+      <p:bldP spid="35" grpId="0"/>
+      <p:bldP spid="36" grpId="0"/>
+      <p:bldP spid="37" grpId="0"/>
+      <p:bldP spid="38" grpId="0"/>
+      <p:bldP spid="40" grpId="0"/>
+      <p:bldP spid="41" grpId="0"/>
+      <p:bldP spid="42" grpId="0"/>
+      <p:bldP spid="43" grpId="0"/>
+      <p:bldP spid="44" grpId="0"/>
+      <p:bldP spid="45" grpId="0"/>
+      <p:bldP spid="46" grpId="0"/>
+      <p:bldP spid="48" grpId="0"/>
+      <p:bldP spid="49" grpId="0"/>
+      <p:bldP spid="50" grpId="0"/>
+      <p:bldP spid="51" grpId="0"/>
+      <p:bldP spid="52" grpId="0"/>
+      <p:bldP spid="53" grpId="0"/>
+    </p:bldLst>
+  </p:timing>
+</p:sld>
+</file>
+
+<file path=ppt/slides/slide6.xml><?xml version="1.0" encoding="utf-8"?>
+<p:sld xmlns:a="http://schemas.openxmlformats.org/drawingml/2006/main" xmlns:r="http://schemas.openxmlformats.org/officeDocument/2006/relationships" xmlns:p="http://schemas.openxmlformats.org/presentationml/2006/main">
+  <p:cSld>
+    <p:spTree>
+      <p:nvGrpSpPr>
+        <p:cNvPr id="1" name=""/>
+        <p:cNvGrpSpPr/>
+        <p:nvPr/>
+      </p:nvGrpSpPr>
+      <p:grpSpPr>
+        <a:xfrm>
+          <a:off x="0" y="0"/>
+          <a:ext cx="0" cy="0"/>
+          <a:chOff x="0" y="0"/>
+          <a:chExt cx="0" cy="0"/>
+        </a:xfrm>
+      </p:grpSpPr>
+      <p:sp>
+        <p:nvSpPr>
+          <p:cNvPr id="13" name="Textfeld 12"/>
+          <p:cNvSpPr txBox="1"/>
+          <p:nvPr/>
+        </p:nvSpPr>
+        <p:spPr>
+          <a:xfrm>
+            <a:off x="1" y="-21515"/>
+            <a:ext cx="9108504" cy="476250"/>
+          </a:xfrm>
+          <a:prstGeom prst="rect">
+            <a:avLst/>
+          </a:prstGeom>
+          <a:noFill/>
+          <a:effectLst/>
+        </p:spPr>
+        <p:txBody>
+          <a:bodyPr wrap="square" lIns="0" rIns="0" rtlCol="0">
+            <a:noAutofit/>
+          </a:bodyPr>
+          <a:lstStyle/>
+          <a:p>
+            <a:pPr algn="ctr">
+              <a:spcAft>
+                <a:spcPts val="0"/>
+              </a:spcAft>
+              <a:defRPr/>
+            </a:pPr>
+            <a:r>
+              <a:rPr lang="de-DE" sz="2800" dirty="0" smtClean="0">
+                <a:solidFill>
+                  <a:schemeClr val="bg1">
+                    <a:lumMod val="85000"/>
+                  </a:schemeClr>
+                </a:solidFill>
+                <a:latin typeface="Calibri" pitchFamily="34" charset="0"/>
+              </a:rPr>
+              <a:t>Modelldiagnose</a:t>
+            </a:r>
+          </a:p>
+        </p:txBody>
+      </p:sp>
+      <p:sp>
+        <p:nvSpPr>
+          <p:cNvPr id="10" name="Textfeld 9"/>
+          <p:cNvSpPr txBox="1"/>
+          <p:nvPr/>
+        </p:nvSpPr>
+        <p:spPr>
+          <a:xfrm>
+            <a:off x="250825" y="765175"/>
+            <a:ext cx="4896544" cy="523220"/>
+          </a:xfrm>
+          <a:prstGeom prst="rect">
+            <a:avLst/>
+          </a:prstGeom>
+          <a:noFill/>
+        </p:spPr>
+        <p:txBody>
+          <a:bodyPr wrap="square" rtlCol="0">
+            <a:spAutoFit/>
+          </a:bodyPr>
+          <a:lstStyle/>
+          <a:p>
+            <a:r>
+              <a:rPr lang="de-DE" sz="2800" dirty="0" smtClean="0">
+                <a:latin typeface="Calibri" pitchFamily="34" charset="0"/>
+              </a:rPr>
+              <a:t>Was ist ein „gutes“ Modell? </a:t>
+            </a:r>
+            <a:endParaRPr lang="de-DE" sz="2800" dirty="0">
+              <a:latin typeface="Calibri" pitchFamily="34" charset="0"/>
+            </a:endParaRPr>
+          </a:p>
+        </p:txBody>
+      </p:sp>
+      <p:sp>
+        <p:nvSpPr>
+          <p:cNvPr id="28" name="Rechteck 27"/>
+          <p:cNvSpPr/>
+          <p:nvPr/>
+        </p:nvSpPr>
+        <p:spPr bwMode="auto">
+          <a:xfrm>
+            <a:off x="755575" y="1988840"/>
+            <a:ext cx="7920881" cy="3600400"/>
+          </a:xfrm>
+          <a:prstGeom prst="rect">
+            <a:avLst/>
+          </a:prstGeom>
+          <a:noFill/>
+          <a:ln w="19050" cap="flat" cmpd="sng" algn="ctr">
+            <a:solidFill>
+              <a:schemeClr val="tx1">
+                <a:lumMod val="50000"/>
+                <a:lumOff val="50000"/>
+              </a:schemeClr>
+            </a:solidFill>
+            <a:prstDash val="solid"/>
+            <a:round/>
+            <a:headEnd type="none" w="med" len="med"/>
+            <a:tailEnd type="none" w="med" len="med"/>
+          </a:ln>
+          <a:effectLst/>
+        </p:spPr>
+        <p:txBody>
+          <a:bodyPr vert="horz" wrap="square" lIns="91440" tIns="45720" rIns="91440" bIns="45720" numCol="1" rtlCol="0" anchor="t" anchorCtr="0" compatLnSpc="1">
+            <a:prstTxWarp prst="textNoShape">
+              <a:avLst/>
+            </a:prstTxWarp>
+          </a:bodyPr>
+          <a:lstStyle/>
+          <a:p>
+            <a:pPr marL="0" marR="0" indent="0" algn="l" defTabSz="914400" rtl="0" eaLnBrk="1" fontAlgn="base" latinLnBrk="0" hangingPunct="1">
+              <a:lnSpc>
+                <a:spcPct val="100000"/>
+              </a:lnSpc>
+              <a:spcBef>
+                <a:spcPct val="0"/>
+              </a:spcBef>
+              <a:spcAft>
+                <a:spcPct val="0"/>
+              </a:spcAft>
+              <a:buClrTx/>
+              <a:buSzTx/>
+              <a:buFontTx/>
+              <a:buNone/>
+              <a:tabLst/>
+            </a:pPr>
+            <a:endParaRPr kumimoji="0" lang="de-DE" sz="1600" b="0" i="0" u="none" strike="noStrike" cap="none" normalizeH="0" baseline="0" smtClean="0">
+              <a:ln>
+                <a:noFill/>
+              </a:ln>
+              <a:solidFill>
+                <a:schemeClr val="tx1"/>
+              </a:solidFill>
+              <a:effectLst/>
+              <a:latin typeface="Arial" charset="0"/>
+            </a:endParaRPr>
+          </a:p>
+        </p:txBody>
+      </p:sp>
+      <p:sp>
+        <p:nvSpPr>
+          <p:cNvPr id="39" name="Freihandform 38"/>
+          <p:cNvSpPr/>
+          <p:nvPr/>
+        </p:nvSpPr>
+        <p:spPr bwMode="auto">
+          <a:xfrm>
+            <a:off x="812800" y="2364399"/>
+            <a:ext cx="7835900" cy="3043767"/>
+          </a:xfrm>
+          <a:custGeom>
+            <a:avLst/>
+            <a:gdLst>
+              <a:gd name="connsiteX0" fmla="*/ 0 w 7835900"/>
+              <a:gd name="connsiteY0" fmla="*/ 2732617 h 3043767"/>
+              <a:gd name="connsiteX1" fmla="*/ 787400 w 7835900"/>
+              <a:gd name="connsiteY1" fmla="*/ 2872317 h 3043767"/>
+              <a:gd name="connsiteX2" fmla="*/ 1524000 w 7835900"/>
+              <a:gd name="connsiteY2" fmla="*/ 2440517 h 3043767"/>
+              <a:gd name="connsiteX3" fmla="*/ 2120900 w 7835900"/>
+              <a:gd name="connsiteY3" fmla="*/ 154517 h 3043767"/>
+              <a:gd name="connsiteX4" fmla="*/ 2616200 w 7835900"/>
+              <a:gd name="connsiteY4" fmla="*/ 1513417 h 3043767"/>
+              <a:gd name="connsiteX5" fmla="*/ 3213100 w 7835900"/>
+              <a:gd name="connsiteY5" fmla="*/ 2846917 h 3043767"/>
+              <a:gd name="connsiteX6" fmla="*/ 4864100 w 7835900"/>
+              <a:gd name="connsiteY6" fmla="*/ 2694517 h 3043767"/>
+              <a:gd name="connsiteX7" fmla="*/ 5930900 w 7835900"/>
+              <a:gd name="connsiteY7" fmla="*/ 1538817 h 3043767"/>
+              <a:gd name="connsiteX8" fmla="*/ 6781800 w 7835900"/>
+              <a:gd name="connsiteY8" fmla="*/ 2554817 h 3043767"/>
+              <a:gd name="connsiteX9" fmla="*/ 7835900 w 7835900"/>
+              <a:gd name="connsiteY9" fmla="*/ 3012017 h 3043767"/>
+              <a:gd name="connsiteX0" fmla="*/ 0 w 7835900"/>
+              <a:gd name="connsiteY0" fmla="*/ 2732617 h 3043767"/>
+              <a:gd name="connsiteX1" fmla="*/ 787400 w 7835900"/>
+              <a:gd name="connsiteY1" fmla="*/ 2872317 h 3043767"/>
+              <a:gd name="connsiteX2" fmla="*/ 1524000 w 7835900"/>
+              <a:gd name="connsiteY2" fmla="*/ 2440517 h 3043767"/>
+              <a:gd name="connsiteX3" fmla="*/ 2120900 w 7835900"/>
+              <a:gd name="connsiteY3" fmla="*/ 154517 h 3043767"/>
+              <a:gd name="connsiteX4" fmla="*/ 2616200 w 7835900"/>
+              <a:gd name="connsiteY4" fmla="*/ 1513417 h 3043767"/>
+              <a:gd name="connsiteX5" fmla="*/ 3213100 w 7835900"/>
+              <a:gd name="connsiteY5" fmla="*/ 2846917 h 3043767"/>
+              <a:gd name="connsiteX6" fmla="*/ 4864100 w 7835900"/>
+              <a:gd name="connsiteY6" fmla="*/ 2694517 h 3043767"/>
+              <a:gd name="connsiteX7" fmla="*/ 5930900 w 7835900"/>
+              <a:gd name="connsiteY7" fmla="*/ 1538817 h 3043767"/>
+              <a:gd name="connsiteX8" fmla="*/ 6781800 w 7835900"/>
+              <a:gd name="connsiteY8" fmla="*/ 2554817 h 3043767"/>
+              <a:gd name="connsiteX9" fmla="*/ 7835900 w 7835900"/>
+              <a:gd name="connsiteY9" fmla="*/ 3012017 h 3043767"/>
+              <a:gd name="connsiteX0" fmla="*/ 0 w 7835900"/>
+              <a:gd name="connsiteY0" fmla="*/ 2732617 h 3043767"/>
+              <a:gd name="connsiteX1" fmla="*/ 787400 w 7835900"/>
+              <a:gd name="connsiteY1" fmla="*/ 2872317 h 3043767"/>
+              <a:gd name="connsiteX2" fmla="*/ 1524000 w 7835900"/>
+              <a:gd name="connsiteY2" fmla="*/ 2440517 h 3043767"/>
+              <a:gd name="connsiteX3" fmla="*/ 2120900 w 7835900"/>
+              <a:gd name="connsiteY3" fmla="*/ 154517 h 3043767"/>
+              <a:gd name="connsiteX4" fmla="*/ 2616200 w 7835900"/>
+              <a:gd name="connsiteY4" fmla="*/ 1513417 h 3043767"/>
+              <a:gd name="connsiteX5" fmla="*/ 3213100 w 7835900"/>
+              <a:gd name="connsiteY5" fmla="*/ 2846917 h 3043767"/>
+              <a:gd name="connsiteX6" fmla="*/ 4864100 w 7835900"/>
+              <a:gd name="connsiteY6" fmla="*/ 2694517 h 3043767"/>
+              <a:gd name="connsiteX7" fmla="*/ 5930900 w 7835900"/>
+              <a:gd name="connsiteY7" fmla="*/ 1538817 h 3043767"/>
+              <a:gd name="connsiteX8" fmla="*/ 6781800 w 7835900"/>
+              <a:gd name="connsiteY8" fmla="*/ 2554817 h 3043767"/>
+              <a:gd name="connsiteX9" fmla="*/ 7835900 w 7835900"/>
+              <a:gd name="connsiteY9" fmla="*/ 3012017 h 3043767"/>
+            </a:gdLst>
+            <a:ahLst/>
+            <a:cxnLst>
+              <a:cxn ang="0">
+                <a:pos x="connsiteX0" y="connsiteY0"/>
+              </a:cxn>
+              <a:cxn ang="0">
+                <a:pos x="connsiteX1" y="connsiteY1"/>
+              </a:cxn>
+              <a:cxn ang="0">
+                <a:pos x="connsiteX2" y="connsiteY2"/>
+              </a:cxn>
+              <a:cxn ang="0">
+                <a:pos x="connsiteX3" y="connsiteY3"/>
+              </a:cxn>
+              <a:cxn ang="0">
+                <a:pos x="connsiteX4" y="connsiteY4"/>
+              </a:cxn>
+              <a:cxn ang="0">
+                <a:pos x="connsiteX5" y="connsiteY5"/>
+              </a:cxn>
+              <a:cxn ang="0">
+                <a:pos x="connsiteX6" y="connsiteY6"/>
+              </a:cxn>
+              <a:cxn ang="0">
+                <a:pos x="connsiteX7" y="connsiteY7"/>
+              </a:cxn>
+              <a:cxn ang="0">
+                <a:pos x="connsiteX8" y="connsiteY8"/>
+              </a:cxn>
+              <a:cxn ang="0">
+                <a:pos x="connsiteX9" y="connsiteY9"/>
+              </a:cxn>
+            </a:cxnLst>
+            <a:rect l="l" t="t" r="r" b="b"/>
+            <a:pathLst>
+              <a:path w="7835900" h="3043767">
+                <a:moveTo>
+                  <a:pt x="0" y="2732617"/>
+                </a:moveTo>
+                <a:cubicBezTo>
+                  <a:pt x="266700" y="2826808"/>
+                  <a:pt x="533400" y="2921000"/>
+                  <a:pt x="787400" y="2872317"/>
+                </a:cubicBezTo>
+                <a:cubicBezTo>
+                  <a:pt x="1041400" y="2823634"/>
+                  <a:pt x="1301750" y="2893484"/>
+                  <a:pt x="1524000" y="2440517"/>
+                </a:cubicBezTo>
+                <a:cubicBezTo>
+                  <a:pt x="1746250" y="1987550"/>
+                  <a:pt x="1938867" y="309034"/>
+                  <a:pt x="2120900" y="154517"/>
+                </a:cubicBezTo>
+                <a:cubicBezTo>
+                  <a:pt x="2302933" y="0"/>
+                  <a:pt x="2519619" y="1043600"/>
+                  <a:pt x="2616200" y="1513417"/>
+                </a:cubicBezTo>
+                <a:cubicBezTo>
+                  <a:pt x="2714145" y="1898650"/>
+                  <a:pt x="2838450" y="2650067"/>
+                  <a:pt x="3213100" y="2846917"/>
+                </a:cubicBezTo>
+                <a:cubicBezTo>
+                  <a:pt x="3587750" y="3043767"/>
+                  <a:pt x="4411133" y="2912534"/>
+                  <a:pt x="4864100" y="2694517"/>
+                </a:cubicBezTo>
+                <a:cubicBezTo>
+                  <a:pt x="5317067" y="2476500"/>
+                  <a:pt x="5611283" y="1562100"/>
+                  <a:pt x="5930900" y="1538817"/>
+                </a:cubicBezTo>
+                <a:cubicBezTo>
+                  <a:pt x="6250517" y="1515534"/>
+                  <a:pt x="6464300" y="2309284"/>
+                  <a:pt x="6781800" y="2554817"/>
+                </a:cubicBezTo>
+                <a:cubicBezTo>
+                  <a:pt x="7099300" y="2800350"/>
+                  <a:pt x="7467600" y="2906183"/>
+                  <a:pt x="7835900" y="3012017"/>
+                </a:cubicBezTo>
+              </a:path>
+            </a:pathLst>
+          </a:custGeom>
+          <a:noFill/>
+          <a:ln w="38100" cap="flat" cmpd="sng" algn="ctr">
+            <a:solidFill>
+              <a:schemeClr val="tx1"/>
+            </a:solidFill>
+            <a:prstDash val="solid"/>
+            <a:round/>
+            <a:headEnd type="none" w="med" len="med"/>
+            <a:tailEnd type="none" w="med" len="med"/>
+          </a:ln>
+          <a:effectLst/>
+        </p:spPr>
+        <p:txBody>
+          <a:bodyPr vert="horz" wrap="square" lIns="91440" tIns="45720" rIns="91440" bIns="45720" numCol="1" rtlCol="0" anchor="t" anchorCtr="0" compatLnSpc="1">
+            <a:prstTxWarp prst="textNoShape">
+              <a:avLst/>
+            </a:prstTxWarp>
+          </a:bodyPr>
+          <a:lstStyle/>
+          <a:p>
+            <a:pPr marL="0" marR="0" indent="0" algn="l" defTabSz="914400" rtl="0" eaLnBrk="1" fontAlgn="base" latinLnBrk="0" hangingPunct="1">
+              <a:lnSpc>
+                <a:spcPct val="100000"/>
+              </a:lnSpc>
+              <a:spcBef>
+                <a:spcPct val="0"/>
+              </a:spcBef>
+              <a:spcAft>
+                <a:spcPct val="0"/>
+              </a:spcAft>
+              <a:buClrTx/>
+              <a:buSzTx/>
+              <a:buFontTx/>
+              <a:buNone/>
+              <a:tabLst/>
+            </a:pPr>
+            <a:endParaRPr kumimoji="0" lang="de-DE" sz="1600" b="0" i="0" u="none" strike="noStrike" cap="none" normalizeH="0" baseline="0" smtClean="0">
+              <a:ln>
+                <a:noFill/>
+              </a:ln>
+              <a:solidFill>
+                <a:schemeClr val="tx1"/>
+              </a:solidFill>
+              <a:effectLst/>
+              <a:latin typeface="Arial" charset="0"/>
+            </a:endParaRPr>
+          </a:p>
+        </p:txBody>
+      </p:sp>
+      <p:sp>
+        <p:nvSpPr>
+          <p:cNvPr id="47" name="Freihandform 46"/>
+          <p:cNvSpPr/>
+          <p:nvPr/>
+        </p:nvSpPr>
+        <p:spPr bwMode="auto">
+          <a:xfrm>
+            <a:off x="683683" y="3001516"/>
+            <a:ext cx="7977717" cy="2533117"/>
+          </a:xfrm>
+          <a:custGeom>
+            <a:avLst/>
+            <a:gdLst>
+              <a:gd name="connsiteX0" fmla="*/ 154517 w 7977717"/>
+              <a:gd name="connsiteY0" fmla="*/ 1917700 h 2506133"/>
+              <a:gd name="connsiteX1" fmla="*/ 205317 w 7977717"/>
+              <a:gd name="connsiteY1" fmla="*/ 1943100 h 2506133"/>
+              <a:gd name="connsiteX2" fmla="*/ 1386417 w 7977717"/>
+              <a:gd name="connsiteY2" fmla="*/ 2222500 h 2506133"/>
+              <a:gd name="connsiteX3" fmla="*/ 2110317 w 7977717"/>
+              <a:gd name="connsiteY3" fmla="*/ 914400 h 2506133"/>
+              <a:gd name="connsiteX4" fmla="*/ 2834217 w 7977717"/>
+              <a:gd name="connsiteY4" fmla="*/ 1866900 h 2506133"/>
+              <a:gd name="connsiteX5" fmla="*/ 3735917 w 7977717"/>
+              <a:gd name="connsiteY5" fmla="*/ 2209800 h 2506133"/>
+              <a:gd name="connsiteX6" fmla="*/ 4955117 w 7977717"/>
+              <a:gd name="connsiteY6" fmla="*/ 2159000 h 2506133"/>
+              <a:gd name="connsiteX7" fmla="*/ 5742517 w 7977717"/>
+              <a:gd name="connsiteY7" fmla="*/ 127000 h 2506133"/>
+              <a:gd name="connsiteX8" fmla="*/ 6199717 w 7977717"/>
+              <a:gd name="connsiteY8" fmla="*/ 1397000 h 2506133"/>
+              <a:gd name="connsiteX9" fmla="*/ 6898217 w 7977717"/>
+              <a:gd name="connsiteY9" fmla="*/ 2133600 h 2506133"/>
+              <a:gd name="connsiteX10" fmla="*/ 7977717 w 7977717"/>
+              <a:gd name="connsiteY10" fmla="*/ 2501900 h 2506133"/>
+              <a:gd name="connsiteX0" fmla="*/ 154517 w 7977717"/>
+              <a:gd name="connsiteY0" fmla="*/ 1917700 h 2533117"/>
+              <a:gd name="connsiteX1" fmla="*/ 205317 w 7977717"/>
+              <a:gd name="connsiteY1" fmla="*/ 1943100 h 2533117"/>
+              <a:gd name="connsiteX2" fmla="*/ 1386417 w 7977717"/>
+              <a:gd name="connsiteY2" fmla="*/ 2222500 h 2533117"/>
+              <a:gd name="connsiteX3" fmla="*/ 2110317 w 7977717"/>
+              <a:gd name="connsiteY3" fmla="*/ 914400 h 2533117"/>
+              <a:gd name="connsiteX4" fmla="*/ 2834217 w 7977717"/>
+              <a:gd name="connsiteY4" fmla="*/ 1866900 h 2533117"/>
+              <a:gd name="connsiteX5" fmla="*/ 3743855 w 7977717"/>
+              <a:gd name="connsiteY5" fmla="*/ 2371700 h 2533117"/>
+              <a:gd name="connsiteX6" fmla="*/ 4955117 w 7977717"/>
+              <a:gd name="connsiteY6" fmla="*/ 2159000 h 2533117"/>
+              <a:gd name="connsiteX7" fmla="*/ 5742517 w 7977717"/>
+              <a:gd name="connsiteY7" fmla="*/ 127000 h 2533117"/>
+              <a:gd name="connsiteX8" fmla="*/ 6199717 w 7977717"/>
+              <a:gd name="connsiteY8" fmla="*/ 1397000 h 2533117"/>
+              <a:gd name="connsiteX9" fmla="*/ 6898217 w 7977717"/>
+              <a:gd name="connsiteY9" fmla="*/ 2133600 h 2533117"/>
+              <a:gd name="connsiteX10" fmla="*/ 7977717 w 7977717"/>
+              <a:gd name="connsiteY10" fmla="*/ 2501900 h 2533117"/>
+            </a:gdLst>
+            <a:ahLst/>
+            <a:cxnLst>
+              <a:cxn ang="0">
+                <a:pos x="connsiteX0" y="connsiteY0"/>
+              </a:cxn>
+              <a:cxn ang="0">
+                <a:pos x="connsiteX1" y="connsiteY1"/>
+              </a:cxn>
+              <a:cxn ang="0">
+                <a:pos x="connsiteX2" y="connsiteY2"/>
+              </a:cxn>
+              <a:cxn ang="0">
+                <a:pos x="connsiteX3" y="connsiteY3"/>
+              </a:cxn>
+              <a:cxn ang="0">
+                <a:pos x="connsiteX4" y="connsiteY4"/>
+              </a:cxn>
+              <a:cxn ang="0">
+                <a:pos x="connsiteX5" y="connsiteY5"/>
+              </a:cxn>
+              <a:cxn ang="0">
+                <a:pos x="connsiteX6" y="connsiteY6"/>
+              </a:cxn>
+              <a:cxn ang="0">
+                <a:pos x="connsiteX7" y="connsiteY7"/>
+              </a:cxn>
+              <a:cxn ang="0">
+                <a:pos x="connsiteX8" y="connsiteY8"/>
+              </a:cxn>
+              <a:cxn ang="0">
+                <a:pos x="connsiteX9" y="connsiteY9"/>
+              </a:cxn>
+              <a:cxn ang="0">
+                <a:pos x="connsiteX10" y="connsiteY10"/>
+              </a:cxn>
+            </a:cxnLst>
+            <a:rect l="l" t="t" r="r" b="b"/>
+            <a:pathLst>
+              <a:path w="7977717" h="2533117">
+                <a:moveTo>
+                  <a:pt x="154517" y="1917700"/>
+                </a:moveTo>
+                <a:cubicBezTo>
+                  <a:pt x="77258" y="1905000"/>
+                  <a:pt x="0" y="1892300"/>
+                  <a:pt x="205317" y="1943100"/>
+                </a:cubicBezTo>
+                <a:cubicBezTo>
+                  <a:pt x="410634" y="1993900"/>
+                  <a:pt x="1068917" y="2393950"/>
+                  <a:pt x="1386417" y="2222500"/>
+                </a:cubicBezTo>
+                <a:cubicBezTo>
+                  <a:pt x="1703917" y="2051050"/>
+                  <a:pt x="1869017" y="973667"/>
+                  <a:pt x="2110317" y="914400"/>
+                </a:cubicBezTo>
+                <a:cubicBezTo>
+                  <a:pt x="2351617" y="855133"/>
+                  <a:pt x="2561961" y="1624017"/>
+                  <a:pt x="2834217" y="1866900"/>
+                </a:cubicBezTo>
+                <a:cubicBezTo>
+                  <a:pt x="3106473" y="2109783"/>
+                  <a:pt x="3390372" y="2323017"/>
+                  <a:pt x="3743855" y="2371700"/>
+                </a:cubicBezTo>
+                <a:cubicBezTo>
+                  <a:pt x="4097338" y="2420383"/>
+                  <a:pt x="4622007" y="2533117"/>
+                  <a:pt x="4955117" y="2159000"/>
+                </a:cubicBezTo>
+                <a:cubicBezTo>
+                  <a:pt x="5288227" y="1784883"/>
+                  <a:pt x="5535084" y="254000"/>
+                  <a:pt x="5742517" y="127000"/>
+                </a:cubicBezTo>
+                <a:cubicBezTo>
+                  <a:pt x="5949950" y="0"/>
+                  <a:pt x="6007100" y="1062567"/>
+                  <a:pt x="6199717" y="1397000"/>
+                </a:cubicBezTo>
+                <a:cubicBezTo>
+                  <a:pt x="6392334" y="1731433"/>
+                  <a:pt x="6601884" y="1949450"/>
+                  <a:pt x="6898217" y="2133600"/>
+                </a:cubicBezTo>
+                <a:cubicBezTo>
+                  <a:pt x="7194550" y="2317750"/>
+                  <a:pt x="7586133" y="2409825"/>
+                  <a:pt x="7977717" y="2501900"/>
+                </a:cubicBezTo>
+              </a:path>
+            </a:pathLst>
+          </a:custGeom>
+          <a:noFill/>
+          <a:ln w="19050" cap="flat" cmpd="sng" algn="ctr">
+            <a:solidFill>
+              <a:srgbClr val="C00000"/>
+            </a:solidFill>
+            <a:prstDash val="sysDash"/>
+            <a:round/>
+            <a:headEnd type="none" w="med" len="med"/>
+            <a:tailEnd type="none" w="med" len="med"/>
+          </a:ln>
+          <a:effectLst/>
+        </p:spPr>
+        <p:txBody>
+          <a:bodyPr vert="horz" wrap="square" lIns="91440" tIns="45720" rIns="91440" bIns="45720" numCol="1" rtlCol="0" anchor="t" anchorCtr="0" compatLnSpc="1">
+            <a:prstTxWarp prst="textNoShape">
+              <a:avLst/>
+            </a:prstTxWarp>
+          </a:bodyPr>
+          <a:lstStyle/>
+          <a:p>
+            <a:pPr marL="0" marR="0" indent="0" algn="l" defTabSz="914400" rtl="0" eaLnBrk="1" fontAlgn="base" latinLnBrk="0" hangingPunct="1">
+              <a:lnSpc>
+                <a:spcPct val="100000"/>
+              </a:lnSpc>
+              <a:spcBef>
+                <a:spcPct val="0"/>
+              </a:spcBef>
+              <a:spcAft>
+                <a:spcPct val="0"/>
+              </a:spcAft>
+              <a:buClrTx/>
+              <a:buSzTx/>
+              <a:buFontTx/>
+              <a:buNone/>
+              <a:tabLst/>
+            </a:pPr>
+            <a:endParaRPr kumimoji="0" lang="de-DE" sz="1600" b="0" i="0" u="none" strike="noStrike" cap="none" normalizeH="0" baseline="0" smtClean="0">
+              <a:ln>
+                <a:noFill/>
+              </a:ln>
+              <a:solidFill>
+                <a:schemeClr val="tx1"/>
+              </a:solidFill>
+              <a:effectLst/>
+              <a:latin typeface="Arial" charset="0"/>
+            </a:endParaRPr>
+          </a:p>
+        </p:txBody>
+      </p:sp>
+      <p:sp>
+        <p:nvSpPr>
+          <p:cNvPr id="54" name="Textfeld 53"/>
+          <p:cNvSpPr txBox="1"/>
+          <p:nvPr/>
+        </p:nvSpPr>
+        <p:spPr>
+          <a:xfrm>
+            <a:off x="251520" y="1556792"/>
+            <a:ext cx="1547664" cy="461665"/>
+          </a:xfrm>
+          <a:prstGeom prst="rect">
+            <a:avLst/>
+          </a:prstGeom>
+          <a:noFill/>
+        </p:spPr>
+        <p:txBody>
+          <a:bodyPr wrap="square" rtlCol="0">
+            <a:spAutoFit/>
+          </a:bodyPr>
+          <a:lstStyle/>
+          <a:p>
+            <a:r>
+              <a:rPr lang="de-DE" sz="2400" dirty="0" smtClean="0">
+                <a:latin typeface="Calibri" pitchFamily="34" charset="0"/>
+              </a:rPr>
+              <a:t>Abfluss</a:t>
+            </a:r>
+            <a:endParaRPr lang="de-DE" sz="2400" dirty="0">
+              <a:latin typeface="Calibri" pitchFamily="34" charset="0"/>
+            </a:endParaRPr>
+          </a:p>
+        </p:txBody>
+      </p:sp>
+      <p:sp>
+        <p:nvSpPr>
+          <p:cNvPr id="55" name="Textfeld 54"/>
+          <p:cNvSpPr txBox="1"/>
+          <p:nvPr/>
+        </p:nvSpPr>
+        <p:spPr>
+          <a:xfrm>
+            <a:off x="7200800" y="5693186"/>
+            <a:ext cx="1547664" cy="461665"/>
+          </a:xfrm>
+          <a:prstGeom prst="rect">
+            <a:avLst/>
+          </a:prstGeom>
+          <a:noFill/>
+        </p:spPr>
+        <p:txBody>
+          <a:bodyPr wrap="square" rtlCol="0">
+            <a:spAutoFit/>
+          </a:bodyPr>
+          <a:lstStyle/>
+          <a:p>
+            <a:pPr algn="r"/>
+            <a:r>
+              <a:rPr lang="de-DE" sz="2400" dirty="0" smtClean="0">
+                <a:latin typeface="Calibri" pitchFamily="34" charset="0"/>
+              </a:rPr>
+              <a:t>Zeit</a:t>
+            </a:r>
+            <a:endParaRPr lang="de-DE" sz="2400" dirty="0">
+              <a:latin typeface="Calibri" pitchFamily="34" charset="0"/>
+            </a:endParaRPr>
+          </a:p>
+        </p:txBody>
+      </p:sp>
+      <p:sp>
+        <p:nvSpPr>
+          <p:cNvPr id="56" name="Textfeld 55"/>
+          <p:cNvSpPr txBox="1"/>
+          <p:nvPr/>
+        </p:nvSpPr>
+        <p:spPr>
+          <a:xfrm>
+            <a:off x="3059832" y="2276872"/>
+            <a:ext cx="2160240" cy="400110"/>
+          </a:xfrm>
+          <a:prstGeom prst="rect">
+            <a:avLst/>
+          </a:prstGeom>
+          <a:noFill/>
+        </p:spPr>
+        <p:txBody>
+          <a:bodyPr wrap="square" rtlCol="0">
+            <a:spAutoFit/>
+          </a:bodyPr>
+          <a:lstStyle/>
+          <a:p>
+            <a:r>
+              <a:rPr lang="de-DE" sz="2000" dirty="0" smtClean="0">
+                <a:latin typeface="Calibri" pitchFamily="34" charset="0"/>
+              </a:rPr>
+              <a:t>beobachtet</a:t>
+            </a:r>
+            <a:endParaRPr lang="de-DE" sz="2000" dirty="0">
+              <a:latin typeface="Calibri" pitchFamily="34" charset="0"/>
+            </a:endParaRPr>
+          </a:p>
+        </p:txBody>
+      </p:sp>
+      <p:sp>
+        <p:nvSpPr>
+          <p:cNvPr id="57" name="Textfeld 56"/>
+          <p:cNvSpPr txBox="1"/>
+          <p:nvPr/>
+        </p:nvSpPr>
+        <p:spPr>
+          <a:xfrm>
+            <a:off x="6444208" y="2730084"/>
+            <a:ext cx="2160240" cy="400110"/>
+          </a:xfrm>
+          <a:prstGeom prst="rect">
+            <a:avLst/>
+          </a:prstGeom>
+          <a:noFill/>
+        </p:spPr>
+        <p:txBody>
+          <a:bodyPr wrap="square" rtlCol="0">
+            <a:spAutoFit/>
+          </a:bodyPr>
+          <a:lstStyle/>
+          <a:p>
+            <a:r>
+              <a:rPr lang="de-DE" sz="2000" dirty="0" smtClean="0">
+                <a:solidFill>
+                  <a:srgbClr val="C00000"/>
+                </a:solidFill>
+                <a:latin typeface="Calibri" pitchFamily="34" charset="0"/>
+              </a:rPr>
+              <a:t>simuliert</a:t>
+            </a:r>
+            <a:endParaRPr lang="de-DE" sz="2000" dirty="0">
+              <a:solidFill>
+                <a:srgbClr val="C00000"/>
+              </a:solidFill>
+              <a:latin typeface="Calibri" pitchFamily="34" charset="0"/>
+            </a:endParaRPr>
+          </a:p>
+        </p:txBody>
+      </p:sp>
+    </p:spTree>
+  </p:cSld>
+  <p:clrMapOvr>
+    <a:masterClrMapping/>
+  </p:clrMapOvr>
+  <p:transition>
+    <p:zoom/>
+  </p:transition>
+  <p:timing>
+    <p:tnLst>
+      <p:par>
+        <p:cTn id="1" dur="indefinite" restart="never" nodeType="tmRoot">
+          <p:childTnLst>
+            <p:seq concurrent="1" nextAc="seek">
+              <p:cTn id="2" dur="indefinite" nodeType="mainSeq">
+                <p:childTnLst>
+                  <p:par>
+                    <p:cTn id="3" fill="hold">
+                      <p:stCondLst>
+                        <p:cond delay="indefinite"/>
+                      </p:stCondLst>
+                      <p:childTnLst>
+                        <p:par>
+                          <p:cTn id="4" fill="hold">
+                            <p:stCondLst>
+                              <p:cond delay="0"/>
+                            </p:stCondLst>
+                            <p:childTnLst>
+                              <p:par>
+                                <p:cTn id="5" presetID="9" presetClass="entr" presetSubtype="0" fill="hold" grpId="0" nodeType="clickEffect">
+                                  <p:stCondLst>
+                                    <p:cond delay="0"/>
+                                  </p:stCondLst>
+                                  <p:childTnLst>
+                                    <p:set>
+                                      <p:cBhvr>
+                                        <p:cTn id="6" dur="1" fill="hold">
+                                          <p:stCondLst>
+                                            <p:cond delay="0"/>
+                                          </p:stCondLst>
+                                        </p:cTn>
+                                        <p:tgtEl>
+                                          <p:spTgt spid="54"/>
+                                        </p:tgtEl>
+                                        <p:attrNameLst>
+                                          <p:attrName>style.visibility</p:attrName>
+                                        </p:attrNameLst>
+                                      </p:cBhvr>
+                                      <p:to>
+                                        <p:strVal val="visible"/>
+                                      </p:to>
+                                    </p:set>
+                                    <p:animEffect transition="in" filter="dissolve">
+                                      <p:cBhvr>
+                                        <p:cTn id="7" dur="500"/>
+                                        <p:tgtEl>
+                                          <p:spTgt spid="54"/>
+                                        </p:tgtEl>
+                                      </p:cBhvr>
+                                    </p:animEffect>
+                                  </p:childTnLst>
+                                </p:cTn>
+                              </p:par>
+                              <p:par>
+                                <p:cTn id="8" presetID="9" presetClass="entr" presetSubtype="0" fill="hold" grpId="0" nodeType="withEffect">
+                                  <p:stCondLst>
+                                    <p:cond delay="0"/>
+                                  </p:stCondLst>
+                                  <p:childTnLst>
+                                    <p:set>
+                                      <p:cBhvr>
+                                        <p:cTn id="9" dur="1" fill="hold">
+                                          <p:stCondLst>
+                                            <p:cond delay="0"/>
+                                          </p:stCondLst>
+                                        </p:cTn>
+                                        <p:tgtEl>
+                                          <p:spTgt spid="28"/>
+                                        </p:tgtEl>
+                                        <p:attrNameLst>
+                                          <p:attrName>style.visibility</p:attrName>
+                                        </p:attrNameLst>
+                                      </p:cBhvr>
+                                      <p:to>
+                                        <p:strVal val="visible"/>
+                                      </p:to>
+                                    </p:set>
+                                    <p:animEffect transition="in" filter="dissolve">
+                                      <p:cBhvr>
+                                        <p:cTn id="10" dur="500"/>
+                                        <p:tgtEl>
+                                          <p:spTgt spid="28"/>
+                                        </p:tgtEl>
+                                      </p:cBhvr>
+                                    </p:animEffect>
+                                  </p:childTnLst>
+                                </p:cTn>
+                              </p:par>
+                              <p:par>
+                                <p:cTn id="11" presetID="9" presetClass="entr" presetSubtype="0" fill="hold" grpId="0" nodeType="withEffect">
+                                  <p:stCondLst>
+                                    <p:cond delay="0"/>
+                                  </p:stCondLst>
+                                  <p:childTnLst>
+                                    <p:set>
+                                      <p:cBhvr>
+                                        <p:cTn id="12" dur="1" fill="hold">
+                                          <p:stCondLst>
+                                            <p:cond delay="0"/>
+                                          </p:stCondLst>
+                                        </p:cTn>
+                                        <p:tgtEl>
+                                          <p:spTgt spid="55"/>
+                                        </p:tgtEl>
+                                        <p:attrNameLst>
+                                          <p:attrName>style.visibility</p:attrName>
+                                        </p:attrNameLst>
+                                      </p:cBhvr>
+                                      <p:to>
+                                        <p:strVal val="visible"/>
+                                      </p:to>
+                                    </p:set>
+                                    <p:animEffect transition="in" filter="dissolve">
+                                      <p:cBhvr>
+                                        <p:cTn id="13" dur="500"/>
+                                        <p:tgtEl>
+                                          <p:spTgt spid="55"/>
+                                        </p:tgtEl>
+                                      </p:cBhvr>
+                                    </p:animEffect>
+                                  </p:childTnLst>
+                                </p:cTn>
+                              </p:par>
+                            </p:childTnLst>
+                          </p:cTn>
+                        </p:par>
+                      </p:childTnLst>
+                    </p:cTn>
+                  </p:par>
+                  <p:par>
+                    <p:cTn id="14" fill="hold">
+                      <p:stCondLst>
+                        <p:cond delay="indefinite"/>
+                      </p:stCondLst>
+                      <p:childTnLst>
+                        <p:par>
+                          <p:cTn id="15" fill="hold">
+                            <p:stCondLst>
+                              <p:cond delay="0"/>
+                            </p:stCondLst>
+                            <p:childTnLst>
+                              <p:par>
+                                <p:cTn id="16" presetID="22" presetClass="entr" presetSubtype="8" fill="hold" grpId="0" nodeType="clickEffect">
+                                  <p:stCondLst>
+                                    <p:cond delay="0"/>
+                                  </p:stCondLst>
+                                  <p:childTnLst>
+                                    <p:set>
+                                      <p:cBhvr>
+                                        <p:cTn id="17" dur="1" fill="hold">
+                                          <p:stCondLst>
+                                            <p:cond delay="0"/>
+                                          </p:stCondLst>
+                                        </p:cTn>
+                                        <p:tgtEl>
+                                          <p:spTgt spid="39"/>
+                                        </p:tgtEl>
+                                        <p:attrNameLst>
+                                          <p:attrName>style.visibility</p:attrName>
+                                        </p:attrNameLst>
+                                      </p:cBhvr>
+                                      <p:to>
+                                        <p:strVal val="visible"/>
+                                      </p:to>
+                                    </p:set>
+                                    <p:animEffect transition="in" filter="wipe(left)">
+                                      <p:cBhvr>
+                                        <p:cTn id="18" dur="2000"/>
+                                        <p:tgtEl>
+                                          <p:spTgt spid="39"/>
+                                        </p:tgtEl>
+                                      </p:cBhvr>
+                                    </p:animEffect>
+                                  </p:childTnLst>
+                                </p:cTn>
+                              </p:par>
+                            </p:childTnLst>
+                          </p:cTn>
+                        </p:par>
+                        <p:par>
+                          <p:cTn id="19" fill="hold">
+                            <p:stCondLst>
+                              <p:cond delay="2000"/>
+                            </p:stCondLst>
+                            <p:childTnLst>
+                              <p:par>
+                                <p:cTn id="20" presetID="9" presetClass="entr" presetSubtype="0" fill="hold" grpId="0" nodeType="afterEffect">
+                                  <p:stCondLst>
+                                    <p:cond delay="0"/>
+                                  </p:stCondLst>
+                                  <p:childTnLst>
+                                    <p:set>
+                                      <p:cBhvr>
+                                        <p:cTn id="21" dur="1" fill="hold">
+                                          <p:stCondLst>
+                                            <p:cond delay="0"/>
+                                          </p:stCondLst>
+                                        </p:cTn>
+                                        <p:tgtEl>
+                                          <p:spTgt spid="56"/>
+                                        </p:tgtEl>
+                                        <p:attrNameLst>
+                                          <p:attrName>style.visibility</p:attrName>
+                                        </p:attrNameLst>
+                                      </p:cBhvr>
+                                      <p:to>
+                                        <p:strVal val="visible"/>
+                                      </p:to>
+                                    </p:set>
+                                    <p:animEffect transition="in" filter="dissolve">
+                                      <p:cBhvr>
+                                        <p:cTn id="22" dur="500"/>
+                                        <p:tgtEl>
+                                          <p:spTgt spid="56"/>
+                                        </p:tgtEl>
+                                      </p:cBhvr>
+                                    </p:animEffect>
+                                  </p:childTnLst>
+                                </p:cTn>
+                              </p:par>
+                            </p:childTnLst>
+                          </p:cTn>
+                        </p:par>
+                      </p:childTnLst>
+                    </p:cTn>
+                  </p:par>
+                  <p:par>
+                    <p:cTn id="23" fill="hold">
+                      <p:stCondLst>
+                        <p:cond delay="indefinite"/>
+                      </p:stCondLst>
+                      <p:childTnLst>
+                        <p:par>
+                          <p:cTn id="24" fill="hold">
+                            <p:stCondLst>
+                              <p:cond delay="0"/>
+                            </p:stCondLst>
+                            <p:childTnLst>
+                              <p:par>
+                                <p:cTn id="25" presetID="22" presetClass="entr" presetSubtype="8" fill="hold" grpId="0" nodeType="clickEffect">
+                                  <p:stCondLst>
+                                    <p:cond delay="0"/>
+                                  </p:stCondLst>
+                                  <p:childTnLst>
+                                    <p:set>
+                                      <p:cBhvr>
+                                        <p:cTn id="26" dur="1" fill="hold">
+                                          <p:stCondLst>
+                                            <p:cond delay="0"/>
+                                          </p:stCondLst>
+                                        </p:cTn>
+                                        <p:tgtEl>
+                                          <p:spTgt spid="47"/>
+                                        </p:tgtEl>
+                                        <p:attrNameLst>
+                                          <p:attrName>style.visibility</p:attrName>
+                                        </p:attrNameLst>
+                                      </p:cBhvr>
+                                      <p:to>
+                                        <p:strVal val="visible"/>
+                                      </p:to>
+                                    </p:set>
+                                    <p:animEffect transition="in" filter="wipe(left)">
+                                      <p:cBhvr>
+                                        <p:cTn id="27" dur="2000"/>
+                                        <p:tgtEl>
+                                          <p:spTgt spid="47"/>
+                                        </p:tgtEl>
+                                      </p:cBhvr>
+                                    </p:animEffect>
+                                  </p:childTnLst>
+                                </p:cTn>
+                              </p:par>
+                            </p:childTnLst>
+                          </p:cTn>
+                        </p:par>
+                        <p:par>
+                          <p:cTn id="28" fill="hold">
+                            <p:stCondLst>
+                              <p:cond delay="2000"/>
+                            </p:stCondLst>
+                            <p:childTnLst>
+                              <p:par>
+                                <p:cTn id="29" presetID="9" presetClass="entr" presetSubtype="0" fill="hold" grpId="0" nodeType="afterEffect">
+                                  <p:stCondLst>
+                                    <p:cond delay="0"/>
+                                  </p:stCondLst>
+                                  <p:childTnLst>
+                                    <p:set>
+                                      <p:cBhvr>
+                                        <p:cTn id="30" dur="1" fill="hold">
+                                          <p:stCondLst>
+                                            <p:cond delay="0"/>
+                                          </p:stCondLst>
+                                        </p:cTn>
+                                        <p:tgtEl>
+                                          <p:spTgt spid="57"/>
+                                        </p:tgtEl>
+                                        <p:attrNameLst>
+                                          <p:attrName>style.visibility</p:attrName>
+                                        </p:attrNameLst>
+                                      </p:cBhvr>
+                                      <p:to>
+                                        <p:strVal val="visible"/>
+                                      </p:to>
+                                    </p:set>
+                                    <p:animEffect transition="in" filter="dissolve">
+                                      <p:cBhvr>
+                                        <p:cTn id="31" dur="500"/>
+                                        <p:tgtEl>
+                                          <p:spTgt spid="57"/>
+                                        </p:tgtEl>
+                                      </p:cBhvr>
+                                    </p:animEffect>
+                                  </p:childTnLst>
+                                </p:cTn>
+                              </p:par>
+                            </p:childTnLst>
+                          </p:cTn>
+                        </p:par>
+                      </p:childTnLst>
+                    </p:cTn>
+                  </p:par>
+                </p:childTnLst>
+              </p:cTn>
+              <p:prevCondLst>
+                <p:cond evt="onPrev" delay="0">
+                  <p:tgtEl>
+                    <p:sldTgt/>
+                  </p:tgtEl>
+                </p:cond>
+              </p:prevCondLst>
+              <p:nextCondLst>
+                <p:cond evt="onNext" delay="0">
+                  <p:tgtEl>
+                    <p:sldTgt/>
+                  </p:tgtEl>
+                </p:cond>
+              </p:nextCondLst>
+            </p:seq>
+          </p:childTnLst>
+        </p:cTn>
+      </p:par>
+    </p:tnLst>
+    <p:bldLst>
+      <p:bldP spid="28" grpId="0" animBg="1"/>
+      <p:bldP spid="39" grpId="0" animBg="1"/>
+      <p:bldP spid="47" grpId="0" animBg="1"/>
+      <p:bldP spid="54" grpId="0"/>
+      <p:bldP spid="55" grpId="0"/>
+      <p:bldP spid="56" grpId="0"/>
+      <p:bldP spid="57" grpId="0"/>
+    </p:bldLst>
+  </p:timing>
+</p:sld>
+</file>
+
+<file path=ppt/slides/slide7.xml><?xml version="1.0" encoding="utf-8"?>
+<p:sld xmlns:a="http://schemas.openxmlformats.org/drawingml/2006/main" xmlns:r="http://schemas.openxmlformats.org/officeDocument/2006/relationships" xmlns:p="http://schemas.openxmlformats.org/presentationml/2006/main">
+  <p:cSld>
+    <p:spTree>
+      <p:nvGrpSpPr>
+        <p:cNvPr id="1" name=""/>
+        <p:cNvGrpSpPr/>
+        <p:nvPr/>
+      </p:nvGrpSpPr>
+      <p:grpSpPr>
+        <a:xfrm>
+          <a:off x="0" y="0"/>
+          <a:ext cx="0" cy="0"/>
+          <a:chOff x="0" y="0"/>
+          <a:chExt cx="0" cy="0"/>
+        </a:xfrm>
+      </p:grpSpPr>
+      <p:sp>
+        <p:nvSpPr>
+          <p:cNvPr id="13" name="Textfeld 12"/>
+          <p:cNvSpPr txBox="1"/>
+          <p:nvPr/>
+        </p:nvSpPr>
+        <p:spPr>
+          <a:xfrm>
+            <a:off x="1" y="-21515"/>
+            <a:ext cx="9108504" cy="476250"/>
+          </a:xfrm>
+          <a:prstGeom prst="rect">
+            <a:avLst/>
+          </a:prstGeom>
+          <a:noFill/>
+          <a:effectLst/>
+        </p:spPr>
+        <p:txBody>
+          <a:bodyPr wrap="square" lIns="0" rIns="0" rtlCol="0">
+            <a:noAutofit/>
+          </a:bodyPr>
+          <a:lstStyle/>
+          <a:p>
+            <a:pPr algn="ctr">
+              <a:spcAft>
+                <a:spcPts val="0"/>
+              </a:spcAft>
+              <a:defRPr/>
+            </a:pPr>
+            <a:r>
+              <a:rPr lang="de-DE" sz="2800" dirty="0" smtClean="0">
+                <a:solidFill>
+                  <a:schemeClr val="bg1">
+                    <a:lumMod val="85000"/>
+                  </a:schemeClr>
+                </a:solidFill>
+                <a:latin typeface="Calibri" pitchFamily="34" charset="0"/>
+              </a:rPr>
+              <a:t>Kalibrierung und Validierung</a:t>
+            </a:r>
+            <a:endParaRPr lang="de-DE" sz="2800" dirty="0" smtClean="0">
+              <a:solidFill>
+                <a:schemeClr val="bg1">
+                  <a:lumMod val="85000"/>
+                </a:schemeClr>
+              </a:solidFill>
+              <a:latin typeface="Calibri" pitchFamily="34" charset="0"/>
+            </a:endParaRPr>
+          </a:p>
+        </p:txBody>
+      </p:sp>
+      <p:sp>
+        <p:nvSpPr>
+          <p:cNvPr id="10" name="Textfeld 9"/>
+          <p:cNvSpPr txBox="1"/>
+          <p:nvPr/>
+        </p:nvSpPr>
+        <p:spPr>
+          <a:xfrm>
+            <a:off x="250825" y="765175"/>
+            <a:ext cx="4896544" cy="523220"/>
+          </a:xfrm>
+          <a:prstGeom prst="rect">
+            <a:avLst/>
+          </a:prstGeom>
+          <a:noFill/>
+        </p:spPr>
+        <p:txBody>
+          <a:bodyPr wrap="square" rtlCol="0">
+            <a:spAutoFit/>
+          </a:bodyPr>
+          <a:lstStyle/>
+          <a:p>
+            <a:r>
+              <a:rPr lang="de-DE" sz="2800" dirty="0" smtClean="0">
+                <a:latin typeface="Calibri" pitchFamily="34" charset="0"/>
+              </a:rPr>
+              <a:t>Modellkalibrierung </a:t>
+            </a:r>
+            <a:endParaRPr lang="de-DE" sz="2800" dirty="0">
+              <a:latin typeface="Calibri" pitchFamily="34" charset="0"/>
+            </a:endParaRPr>
+          </a:p>
+        </p:txBody>
+      </p:sp>
+      <p:sp>
+        <p:nvSpPr>
+          <p:cNvPr id="23" name="Textfeld 22"/>
+          <p:cNvSpPr txBox="1"/>
+          <p:nvPr/>
+        </p:nvSpPr>
+        <p:spPr>
+          <a:xfrm>
+            <a:off x="250825" y="1484784"/>
+            <a:ext cx="6049367" cy="400110"/>
+          </a:xfrm>
+          <a:prstGeom prst="rect">
+            <a:avLst/>
+          </a:prstGeom>
+          <a:noFill/>
+        </p:spPr>
+        <p:txBody>
+          <a:bodyPr wrap="square" rtlCol="0">
+            <a:spAutoFit/>
+          </a:bodyPr>
+          <a:lstStyle/>
+          <a:p>
+            <a:pPr>
+              <a:spcAft>
+                <a:spcPts val="600"/>
+              </a:spcAft>
+            </a:pPr>
+            <a:r>
+              <a:rPr lang="de-DE" sz="2000" b="1" dirty="0" smtClean="0">
+                <a:latin typeface="Calibri" pitchFamily="34" charset="0"/>
+              </a:rPr>
+              <a:t>Parameter des abcd-Modells sind alle „konzeptionell“:</a:t>
+            </a:r>
+            <a:endParaRPr lang="de-DE" sz="2000" b="1" dirty="0" smtClean="0">
+              <a:latin typeface="Calibri" pitchFamily="34" charset="0"/>
+            </a:endParaRPr>
+          </a:p>
+        </p:txBody>
+      </p:sp>
+      <p:sp>
+        <p:nvSpPr>
+          <p:cNvPr id="29" name="Textfeld 28"/>
+          <p:cNvSpPr txBox="1"/>
+          <p:nvPr/>
+        </p:nvSpPr>
+        <p:spPr>
+          <a:xfrm>
+            <a:off x="250825" y="1916833"/>
+            <a:ext cx="6265391" cy="784830"/>
+          </a:xfrm>
+          <a:prstGeom prst="rect">
+            <a:avLst/>
+          </a:prstGeom>
+          <a:noFill/>
+        </p:spPr>
+        <p:txBody>
+          <a:bodyPr wrap="square" rtlCol="0">
+            <a:spAutoFit/>
+          </a:bodyPr>
+          <a:lstStyle/>
+          <a:p>
+            <a:pPr marL="273050" indent="-273050">
+              <a:spcAft>
+                <a:spcPts val="600"/>
+              </a:spcAft>
+              <a:buFont typeface="Wingdings" pitchFamily="2" charset="2"/>
+              <a:buChar char="§"/>
+              <a:tabLst>
+                <a:tab pos="273050" algn="l"/>
+              </a:tabLst>
+            </a:pPr>
+            <a:r>
+              <a:rPr lang="de-DE" sz="2000" dirty="0" smtClean="0">
+                <a:latin typeface="Calibri" pitchFamily="34" charset="0"/>
+              </a:rPr>
+              <a:t>Physikalisch interpretierbar, aber nicht messbar</a:t>
+            </a:r>
+          </a:p>
+          <a:p>
+            <a:pPr marL="273050" indent="-273050">
+              <a:spcAft>
+                <a:spcPts val="600"/>
+              </a:spcAft>
+              <a:buFont typeface="Wingdings" pitchFamily="2" charset="2"/>
+              <a:buChar char="§"/>
+              <a:tabLst>
+                <a:tab pos="273050" algn="l"/>
+              </a:tabLst>
+            </a:pPr>
+            <a:r>
+              <a:rPr lang="de-DE" sz="2000" dirty="0" smtClean="0">
+                <a:latin typeface="Calibri" pitchFamily="34" charset="0"/>
+              </a:rPr>
+              <a:t>Wie kann ich </a:t>
+            </a:r>
+            <a:r>
+              <a:rPr lang="de-DE" sz="2000" dirty="0" smtClean="0">
+                <a:latin typeface="Calibri" pitchFamily="34" charset="0"/>
+              </a:rPr>
+              <a:t>dann </a:t>
+            </a:r>
+            <a:r>
+              <a:rPr lang="de-DE" sz="2000" dirty="0" smtClean="0">
+                <a:latin typeface="Calibri" pitchFamily="34" charset="0"/>
+              </a:rPr>
+              <a:t>aber die Parameterwerte wählen?</a:t>
+            </a:r>
+            <a:endParaRPr lang="de-DE" sz="2000" dirty="0" smtClean="0">
+              <a:latin typeface="Calibri" pitchFamily="34" charset="0"/>
+            </a:endParaRPr>
+          </a:p>
+        </p:txBody>
+      </p:sp>
+      <p:sp>
+        <p:nvSpPr>
+          <p:cNvPr id="28" name="Textfeld 27"/>
+          <p:cNvSpPr txBox="1"/>
+          <p:nvPr/>
+        </p:nvSpPr>
+        <p:spPr>
+          <a:xfrm>
+            <a:off x="0" y="2874144"/>
+            <a:ext cx="9144000" cy="1015663"/>
+          </a:xfrm>
+          <a:prstGeom prst="rect">
+            <a:avLst/>
+          </a:prstGeom>
+          <a:solidFill>
+            <a:srgbClr val="2B5681"/>
+          </a:solidFill>
+        </p:spPr>
+        <p:txBody>
+          <a:bodyPr wrap="square" rtlCol="0">
+            <a:spAutoFit/>
+          </a:bodyPr>
+          <a:lstStyle/>
+          <a:p>
+            <a:pPr algn="ctr">
+              <a:spcAft>
+                <a:spcPts val="600"/>
+              </a:spcAft>
+            </a:pPr>
+            <a:r>
+              <a:rPr lang="de-DE" sz="2000" dirty="0" smtClean="0">
+                <a:solidFill>
+                  <a:schemeClr val="bg1"/>
+                </a:solidFill>
+                <a:latin typeface="Calibri" pitchFamily="34" charset="0"/>
+              </a:rPr>
+              <a:t>Suche eine Kombination von Parametern (</a:t>
+            </a:r>
+            <a:r>
+              <a:rPr lang="de-DE" sz="2000" dirty="0" smtClean="0">
+                <a:solidFill>
+                  <a:schemeClr val="bg1"/>
+                </a:solidFill>
+                <a:latin typeface="Courier New" pitchFamily="49" charset="0"/>
+                <a:cs typeface="Courier New" pitchFamily="49" charset="0"/>
+              </a:rPr>
+              <a:t>par</a:t>
+            </a:r>
+            <a:r>
+              <a:rPr lang="de-DE" sz="2000" dirty="0" smtClean="0">
+                <a:solidFill>
+                  <a:schemeClr val="bg1"/>
+                </a:solidFill>
+                <a:latin typeface="Calibri" pitchFamily="34" charset="0"/>
+              </a:rPr>
+              <a:t>), </a:t>
+            </a:r>
+            <a:br>
+              <a:rPr lang="de-DE" sz="2000" dirty="0" smtClean="0">
+                <a:solidFill>
+                  <a:schemeClr val="bg1"/>
+                </a:solidFill>
+                <a:latin typeface="Calibri" pitchFamily="34" charset="0"/>
+              </a:rPr>
+            </a:br>
+            <a:r>
+              <a:rPr lang="de-DE" sz="2000" dirty="0" smtClean="0">
+                <a:solidFill>
+                  <a:schemeClr val="bg1"/>
+                </a:solidFill>
+                <a:latin typeface="Calibri" pitchFamily="34" charset="0"/>
+              </a:rPr>
+              <a:t>so dass Beobachtung </a:t>
+            </a:r>
+            <a:r>
+              <a:rPr lang="de-DE" sz="2000" dirty="0" smtClean="0">
+                <a:solidFill>
+                  <a:schemeClr val="bg1"/>
+                </a:solidFill>
+                <a:latin typeface="Calibri" pitchFamily="34" charset="0"/>
+              </a:rPr>
+              <a:t>und Simulation </a:t>
+            </a:r>
+            <a:r>
+              <a:rPr lang="de-DE" sz="2000" dirty="0" smtClean="0">
+                <a:solidFill>
+                  <a:schemeClr val="bg1"/>
+                </a:solidFill>
+                <a:latin typeface="Calibri" pitchFamily="34" charset="0"/>
+              </a:rPr>
+              <a:t/>
+            </a:r>
+            <a:br>
+              <a:rPr lang="de-DE" sz="2000" dirty="0" smtClean="0">
+                <a:solidFill>
+                  <a:schemeClr val="bg1"/>
+                </a:solidFill>
+                <a:latin typeface="Calibri" pitchFamily="34" charset="0"/>
+              </a:rPr>
+            </a:br>
+            <a:r>
+              <a:rPr lang="de-DE" sz="2000" dirty="0" smtClean="0">
+                <a:solidFill>
+                  <a:schemeClr val="bg1"/>
+                </a:solidFill>
+                <a:latin typeface="Calibri" pitchFamily="34" charset="0"/>
+              </a:rPr>
+              <a:t>möglichst gut </a:t>
+            </a:r>
+            <a:r>
+              <a:rPr lang="de-DE" sz="2000" dirty="0" smtClean="0">
+                <a:solidFill>
+                  <a:schemeClr val="bg1"/>
+                </a:solidFill>
+                <a:latin typeface="Calibri" pitchFamily="34" charset="0"/>
+              </a:rPr>
+              <a:t>übereinstimmen</a:t>
+            </a:r>
+            <a:r>
+              <a:rPr lang="de-DE" sz="2000" dirty="0" smtClean="0">
+                <a:solidFill>
+                  <a:schemeClr val="bg1"/>
+                </a:solidFill>
+                <a:latin typeface="Calibri" pitchFamily="34" charset="0"/>
+              </a:rPr>
+              <a:t>.</a:t>
+            </a:r>
+            <a:endParaRPr lang="de-DE" sz="2000" dirty="0" smtClean="0">
+              <a:solidFill>
+                <a:schemeClr val="bg1"/>
+              </a:solidFill>
+              <a:latin typeface="Calibri" pitchFamily="34" charset="0"/>
+            </a:endParaRPr>
+          </a:p>
+        </p:txBody>
+      </p:sp>
+      <p:sp>
+        <p:nvSpPr>
+          <p:cNvPr id="39" name="Textfeld 38"/>
+          <p:cNvSpPr txBox="1"/>
+          <p:nvPr/>
+        </p:nvSpPr>
+        <p:spPr>
+          <a:xfrm>
+            <a:off x="251520" y="4026272"/>
+            <a:ext cx="8713093" cy="400110"/>
+          </a:xfrm>
+          <a:prstGeom prst="rect">
+            <a:avLst/>
+          </a:prstGeom>
+          <a:noFill/>
+        </p:spPr>
+        <p:txBody>
+          <a:bodyPr wrap="square" rtlCol="0">
+            <a:spAutoFit/>
+          </a:bodyPr>
+          <a:lstStyle/>
+          <a:p>
+            <a:pPr>
+              <a:spcAft>
+                <a:spcPts val="600"/>
+              </a:spcAft>
+              <a:tabLst>
+                <a:tab pos="1974850" algn="l"/>
+              </a:tabLst>
+            </a:pPr>
+            <a:r>
+              <a:rPr lang="de-DE" sz="2000" dirty="0" smtClean="0">
+                <a:latin typeface="Calibri" pitchFamily="34" charset="0"/>
+              </a:rPr>
+              <a:t>Beobachtung	: gemessener Abfluss </a:t>
+            </a:r>
+            <a:r>
+              <a:rPr lang="de-DE" sz="2000" dirty="0" err="1" smtClean="0">
+                <a:latin typeface="Courier New" pitchFamily="49" charset="0"/>
+                <a:cs typeface="Courier New" pitchFamily="49" charset="0"/>
+              </a:rPr>
+              <a:t>Q</a:t>
+            </a:r>
+            <a:r>
+              <a:rPr lang="de-DE" sz="2000" baseline="-25000" dirty="0" err="1" smtClean="0">
+                <a:latin typeface="Courier New" pitchFamily="49" charset="0"/>
+                <a:cs typeface="Courier New" pitchFamily="49" charset="0"/>
+              </a:rPr>
+              <a:t>obs</a:t>
+            </a:r>
+            <a:r>
+              <a:rPr lang="de-DE" sz="2000" dirty="0" smtClean="0">
+                <a:latin typeface="Calibri" pitchFamily="34" charset="0"/>
+              </a:rPr>
+              <a:t> am Gebietsauslass</a:t>
+            </a:r>
+            <a:endParaRPr lang="de-DE" sz="2000" dirty="0" smtClean="0">
+              <a:latin typeface="Calibri" pitchFamily="34" charset="0"/>
+            </a:endParaRPr>
+          </a:p>
+        </p:txBody>
+      </p:sp>
+      <p:sp>
+        <p:nvSpPr>
+          <p:cNvPr id="47" name="Textfeld 46"/>
+          <p:cNvSpPr txBox="1"/>
+          <p:nvPr/>
+        </p:nvSpPr>
+        <p:spPr>
+          <a:xfrm>
+            <a:off x="251520" y="4418250"/>
+            <a:ext cx="8713093" cy="400110"/>
+          </a:xfrm>
+          <a:prstGeom prst="rect">
+            <a:avLst/>
+          </a:prstGeom>
+          <a:noFill/>
+        </p:spPr>
+        <p:txBody>
+          <a:bodyPr wrap="square" rtlCol="0">
+            <a:spAutoFit/>
+          </a:bodyPr>
+          <a:lstStyle/>
+          <a:p>
+            <a:pPr>
+              <a:spcAft>
+                <a:spcPts val="600"/>
+              </a:spcAft>
+              <a:tabLst>
+                <a:tab pos="1974850" algn="l"/>
+              </a:tabLst>
+            </a:pPr>
+            <a:r>
+              <a:rPr lang="de-DE" sz="2000" dirty="0" smtClean="0">
+                <a:latin typeface="Calibri" pitchFamily="34" charset="0"/>
+              </a:rPr>
+              <a:t>Simulation	: simulierter Abfluss </a:t>
+            </a:r>
+            <a:r>
+              <a:rPr lang="de-DE" sz="2000" dirty="0" err="1" smtClean="0">
+                <a:latin typeface="Courier New" pitchFamily="49" charset="0"/>
+                <a:cs typeface="Courier New" pitchFamily="49" charset="0"/>
+              </a:rPr>
+              <a:t>Q</a:t>
+            </a:r>
+            <a:r>
+              <a:rPr lang="de-DE" sz="2000" baseline="-25000" dirty="0" err="1" smtClean="0">
+                <a:latin typeface="Courier New" pitchFamily="49" charset="0"/>
+                <a:cs typeface="Courier New" pitchFamily="49" charset="0"/>
+              </a:rPr>
+              <a:t>sim</a:t>
+            </a:r>
+            <a:r>
+              <a:rPr lang="de-DE" sz="2000" dirty="0" smtClean="0">
+                <a:latin typeface="Courier New" pitchFamily="49" charset="0"/>
+                <a:cs typeface="Courier New" pitchFamily="49" charset="0"/>
+              </a:rPr>
+              <a:t>(par)</a:t>
+            </a:r>
+            <a:r>
+              <a:rPr lang="de-DE" sz="2000" dirty="0" smtClean="0">
+                <a:latin typeface="Calibri" pitchFamily="34" charset="0"/>
+              </a:rPr>
+              <a:t> am Gebietsauslass</a:t>
+            </a:r>
+            <a:endParaRPr lang="de-DE" sz="2000" dirty="0" smtClean="0">
+              <a:latin typeface="Calibri" pitchFamily="34" charset="0"/>
+            </a:endParaRPr>
+          </a:p>
+        </p:txBody>
+      </p:sp>
+      <p:sp>
+        <p:nvSpPr>
+          <p:cNvPr id="54" name="Textfeld 53"/>
+          <p:cNvSpPr txBox="1"/>
+          <p:nvPr/>
+        </p:nvSpPr>
+        <p:spPr>
+          <a:xfrm>
+            <a:off x="250824" y="4818360"/>
+            <a:ext cx="9001696" cy="400110"/>
+          </a:xfrm>
+          <a:prstGeom prst="rect">
+            <a:avLst/>
+          </a:prstGeom>
+          <a:noFill/>
+        </p:spPr>
+        <p:txBody>
+          <a:bodyPr wrap="square" rtlCol="0">
+            <a:spAutoFit/>
+          </a:bodyPr>
+          <a:lstStyle/>
+          <a:p>
+            <a:pPr>
+              <a:spcAft>
+                <a:spcPts val="600"/>
+              </a:spcAft>
+              <a:tabLst>
+                <a:tab pos="1974850" algn="l"/>
+              </a:tabLst>
+            </a:pPr>
+            <a:r>
+              <a:rPr lang="de-DE" sz="2000" dirty="0" smtClean="0">
+                <a:latin typeface="Calibri" pitchFamily="34" charset="0"/>
+              </a:rPr>
+              <a:t>Übereinstimmung	: ein quantitatives Fehlermaß/</a:t>
+            </a:r>
+            <a:r>
+              <a:rPr lang="de-DE" sz="2000" dirty="0" err="1" smtClean="0">
+                <a:latin typeface="Calibri" pitchFamily="34" charset="0"/>
+              </a:rPr>
+              <a:t>Gütemaß</a:t>
+            </a:r>
+            <a:r>
+              <a:rPr lang="de-DE" sz="2000" dirty="0" smtClean="0">
+                <a:latin typeface="Calibri" pitchFamily="34" charset="0"/>
+              </a:rPr>
+              <a:t>  </a:t>
+            </a:r>
+            <a:r>
+              <a:rPr lang="de-DE" sz="2000" dirty="0" smtClean="0">
+                <a:latin typeface="Courier New" pitchFamily="49" charset="0"/>
+                <a:cs typeface="Courier New" pitchFamily="49" charset="0"/>
+              </a:rPr>
+              <a:t>x(</a:t>
+            </a:r>
+            <a:r>
+              <a:rPr lang="de-DE" sz="2000" dirty="0" err="1" smtClean="0">
+                <a:latin typeface="Courier New" pitchFamily="49" charset="0"/>
+                <a:cs typeface="Courier New" pitchFamily="49" charset="0"/>
+              </a:rPr>
+              <a:t>Q</a:t>
+            </a:r>
+            <a:r>
+              <a:rPr lang="de-DE" sz="2000" baseline="-25000" dirty="0" err="1" smtClean="0">
+                <a:latin typeface="Courier New" pitchFamily="49" charset="0"/>
+                <a:cs typeface="Courier New" pitchFamily="49" charset="0"/>
+              </a:rPr>
+              <a:t>obs</a:t>
+            </a:r>
+            <a:r>
+              <a:rPr lang="de-DE" sz="2000" dirty="0" err="1" smtClean="0">
+                <a:latin typeface="Courier New" pitchFamily="49" charset="0"/>
+                <a:cs typeface="Courier New" pitchFamily="49" charset="0"/>
+              </a:rPr>
+              <a:t>,Q</a:t>
+            </a:r>
+            <a:r>
+              <a:rPr lang="de-DE" sz="2000" baseline="-25000" dirty="0" err="1" smtClean="0">
+                <a:latin typeface="Courier New" pitchFamily="49" charset="0"/>
+                <a:cs typeface="Courier New" pitchFamily="49" charset="0"/>
+              </a:rPr>
+              <a:t>sim</a:t>
+            </a:r>
+            <a:r>
+              <a:rPr lang="de-DE" sz="2000" dirty="0" smtClean="0">
+                <a:latin typeface="Courier New" pitchFamily="49" charset="0"/>
+                <a:cs typeface="Courier New" pitchFamily="49" charset="0"/>
+              </a:rPr>
+              <a:t>(par))</a:t>
+            </a:r>
+            <a:r>
+              <a:rPr lang="de-DE" sz="2000" dirty="0" smtClean="0">
+                <a:latin typeface="Calibri" pitchFamily="34" charset="0"/>
+              </a:rPr>
+              <a:t>  </a:t>
+            </a:r>
+            <a:endParaRPr lang="de-DE" sz="2000" dirty="0" smtClean="0">
+              <a:latin typeface="Calibri" pitchFamily="34" charset="0"/>
+            </a:endParaRPr>
+          </a:p>
+        </p:txBody>
+      </p:sp>
+      <p:sp>
+        <p:nvSpPr>
+          <p:cNvPr id="55" name="Textfeld 54"/>
+          <p:cNvSpPr txBox="1"/>
+          <p:nvPr/>
+        </p:nvSpPr>
+        <p:spPr>
+          <a:xfrm>
+            <a:off x="250825" y="5221096"/>
+            <a:ext cx="8713788" cy="400110"/>
+          </a:xfrm>
+          <a:prstGeom prst="rect">
+            <a:avLst/>
+          </a:prstGeom>
+          <a:noFill/>
+        </p:spPr>
+        <p:txBody>
+          <a:bodyPr wrap="square" rtlCol="0">
+            <a:spAutoFit/>
+          </a:bodyPr>
+          <a:lstStyle/>
+          <a:p>
+            <a:pPr>
+              <a:spcAft>
+                <a:spcPts val="600"/>
+              </a:spcAft>
+              <a:tabLst>
+                <a:tab pos="1974850" algn="l"/>
+              </a:tabLst>
+            </a:pPr>
+            <a:r>
+              <a:rPr lang="de-DE" sz="2000" dirty="0" smtClean="0">
+                <a:latin typeface="Calibri" pitchFamily="34" charset="0"/>
+              </a:rPr>
+              <a:t>Suche	: Suchalgorithmus, der </a:t>
+            </a:r>
+            <a:r>
+              <a:rPr lang="de-DE" sz="2000" dirty="0" smtClean="0">
+                <a:latin typeface="Courier New" pitchFamily="49" charset="0"/>
+                <a:cs typeface="Courier New" pitchFamily="49" charset="0"/>
+              </a:rPr>
+              <a:t>x(par) </a:t>
+            </a:r>
+            <a:r>
+              <a:rPr lang="de-DE" sz="2000" dirty="0" smtClean="0">
+                <a:latin typeface="Calibri" pitchFamily="34" charset="0"/>
+              </a:rPr>
+              <a:t>maximiert /minimiert</a:t>
+            </a:r>
+            <a:endParaRPr lang="de-DE" sz="2000" dirty="0" smtClean="0">
+              <a:latin typeface="Calibri" pitchFamily="34" charset="0"/>
+            </a:endParaRPr>
+          </a:p>
+        </p:txBody>
+      </p:sp>
+      <p:sp>
+        <p:nvSpPr>
+          <p:cNvPr id="56" name="Textfeld 55"/>
+          <p:cNvSpPr txBox="1"/>
+          <p:nvPr/>
+        </p:nvSpPr>
+        <p:spPr>
+          <a:xfrm>
+            <a:off x="0" y="2874144"/>
+            <a:ext cx="9144000" cy="1015663"/>
+          </a:xfrm>
+          <a:prstGeom prst="rect">
+            <a:avLst/>
+          </a:prstGeom>
+          <a:solidFill>
+            <a:srgbClr val="2B5681"/>
+          </a:solidFill>
+        </p:spPr>
+        <p:txBody>
+          <a:bodyPr wrap="square" rtlCol="0">
+            <a:spAutoFit/>
+          </a:bodyPr>
+          <a:lstStyle/>
+          <a:p>
+            <a:pPr algn="ctr">
+              <a:spcAft>
+                <a:spcPts val="600"/>
+              </a:spcAft>
+            </a:pPr>
+            <a:r>
+              <a:rPr lang="de-DE" sz="2000" dirty="0" smtClean="0">
+                <a:solidFill>
+                  <a:schemeClr val="accent5">
+                    <a:lumMod val="75000"/>
+                  </a:schemeClr>
+                </a:solidFill>
+                <a:latin typeface="Calibri" pitchFamily="34" charset="0"/>
+              </a:rPr>
+              <a:t>Suche</a:t>
+            </a:r>
+            <a:r>
+              <a:rPr lang="de-DE" sz="2000" dirty="0" smtClean="0">
+                <a:solidFill>
+                  <a:schemeClr val="bg1"/>
+                </a:solidFill>
+                <a:latin typeface="Calibri" pitchFamily="34" charset="0"/>
+              </a:rPr>
+              <a:t> eine Kombination von Parametern (</a:t>
+            </a:r>
+            <a:r>
+              <a:rPr lang="de-DE" sz="2000" dirty="0" smtClean="0">
+                <a:solidFill>
+                  <a:schemeClr val="bg1"/>
+                </a:solidFill>
+                <a:latin typeface="Courier New" pitchFamily="49" charset="0"/>
+                <a:cs typeface="Courier New" pitchFamily="49" charset="0"/>
+              </a:rPr>
+              <a:t>par</a:t>
+            </a:r>
+            <a:r>
+              <a:rPr lang="de-DE" sz="2000" dirty="0" smtClean="0">
+                <a:solidFill>
+                  <a:schemeClr val="bg1"/>
+                </a:solidFill>
+                <a:latin typeface="Calibri" pitchFamily="34" charset="0"/>
+              </a:rPr>
+              <a:t>), </a:t>
+            </a:r>
+            <a:br>
+              <a:rPr lang="de-DE" sz="2000" dirty="0" smtClean="0">
+                <a:solidFill>
+                  <a:schemeClr val="bg1"/>
+                </a:solidFill>
+                <a:latin typeface="Calibri" pitchFamily="34" charset="0"/>
+              </a:rPr>
+            </a:br>
+            <a:r>
+              <a:rPr lang="de-DE" sz="2000" dirty="0" smtClean="0">
+                <a:solidFill>
+                  <a:schemeClr val="bg1"/>
+                </a:solidFill>
+                <a:latin typeface="Calibri" pitchFamily="34" charset="0"/>
+              </a:rPr>
+              <a:t>so dass </a:t>
+            </a:r>
+            <a:r>
+              <a:rPr lang="de-DE" sz="2000" dirty="0" smtClean="0">
+                <a:solidFill>
+                  <a:schemeClr val="accent5">
+                    <a:lumMod val="75000"/>
+                  </a:schemeClr>
+                </a:solidFill>
+                <a:latin typeface="Calibri" pitchFamily="34" charset="0"/>
+              </a:rPr>
+              <a:t>Beobachtung</a:t>
+            </a:r>
+            <a:r>
+              <a:rPr lang="de-DE" sz="2000" dirty="0" smtClean="0">
+                <a:solidFill>
+                  <a:schemeClr val="bg1"/>
+                </a:solidFill>
+                <a:latin typeface="Calibri" pitchFamily="34" charset="0"/>
+              </a:rPr>
+              <a:t> </a:t>
+            </a:r>
+            <a:r>
+              <a:rPr lang="de-DE" sz="2000" dirty="0" smtClean="0">
+                <a:solidFill>
+                  <a:schemeClr val="bg1"/>
+                </a:solidFill>
+                <a:latin typeface="Calibri" pitchFamily="34" charset="0"/>
+              </a:rPr>
+              <a:t>und </a:t>
+            </a:r>
+            <a:r>
+              <a:rPr lang="de-DE" sz="2000" dirty="0" smtClean="0">
+                <a:solidFill>
+                  <a:schemeClr val="accent5">
+                    <a:lumMod val="75000"/>
+                  </a:schemeClr>
+                </a:solidFill>
+                <a:latin typeface="Calibri" pitchFamily="34" charset="0"/>
+              </a:rPr>
+              <a:t>Simulation</a:t>
+            </a:r>
+            <a:r>
+              <a:rPr lang="de-DE" sz="2000" dirty="0" smtClean="0">
+                <a:solidFill>
+                  <a:schemeClr val="bg1"/>
+                </a:solidFill>
+                <a:latin typeface="Calibri" pitchFamily="34" charset="0"/>
+              </a:rPr>
+              <a:t> </a:t>
+            </a:r>
+            <a:r>
+              <a:rPr lang="de-DE" sz="2000" dirty="0" smtClean="0">
+                <a:solidFill>
+                  <a:schemeClr val="bg1"/>
+                </a:solidFill>
+                <a:latin typeface="Calibri" pitchFamily="34" charset="0"/>
+              </a:rPr>
+              <a:t/>
+            </a:r>
+            <a:br>
+              <a:rPr lang="de-DE" sz="2000" dirty="0" smtClean="0">
+                <a:solidFill>
+                  <a:schemeClr val="bg1"/>
+                </a:solidFill>
+                <a:latin typeface="Calibri" pitchFamily="34" charset="0"/>
+              </a:rPr>
+            </a:br>
+            <a:r>
+              <a:rPr lang="de-DE" sz="2000" dirty="0" smtClean="0">
+                <a:solidFill>
+                  <a:schemeClr val="bg1"/>
+                </a:solidFill>
+                <a:latin typeface="Calibri" pitchFamily="34" charset="0"/>
+              </a:rPr>
+              <a:t>möglichst gut </a:t>
+            </a:r>
+            <a:r>
+              <a:rPr lang="de-DE" sz="2000" dirty="0" smtClean="0">
+                <a:solidFill>
+                  <a:schemeClr val="accent5">
+                    <a:lumMod val="75000"/>
+                  </a:schemeClr>
+                </a:solidFill>
+                <a:latin typeface="Calibri" pitchFamily="34" charset="0"/>
+              </a:rPr>
+              <a:t>übereinstimmen</a:t>
+            </a:r>
+            <a:r>
+              <a:rPr lang="de-DE" sz="2000" dirty="0" smtClean="0">
+                <a:solidFill>
+                  <a:schemeClr val="bg1"/>
+                </a:solidFill>
+                <a:latin typeface="Calibri" pitchFamily="34" charset="0"/>
+              </a:rPr>
+              <a:t>.</a:t>
+            </a:r>
+            <a:endParaRPr lang="de-DE" sz="2000" dirty="0" smtClean="0">
+              <a:solidFill>
+                <a:schemeClr val="bg1"/>
+              </a:solidFill>
+              <a:latin typeface="Calibri" pitchFamily="34" charset="0"/>
+            </a:endParaRPr>
+          </a:p>
+        </p:txBody>
+      </p:sp>
+      <p:sp>
+        <p:nvSpPr>
+          <p:cNvPr id="58" name="Textfeld 57"/>
+          <p:cNvSpPr txBox="1"/>
+          <p:nvPr/>
+        </p:nvSpPr>
+        <p:spPr>
+          <a:xfrm>
+            <a:off x="251520" y="5667786"/>
+            <a:ext cx="2304256" cy="400110"/>
+          </a:xfrm>
+          <a:prstGeom prst="rect">
+            <a:avLst/>
+          </a:prstGeom>
+          <a:noFill/>
+        </p:spPr>
+        <p:txBody>
+          <a:bodyPr wrap="square" rtlCol="0">
+            <a:spAutoFit/>
+          </a:bodyPr>
+          <a:lstStyle/>
+          <a:p>
+            <a:pPr>
+              <a:spcAft>
+                <a:spcPts val="600"/>
+              </a:spcAft>
+              <a:tabLst>
+                <a:tab pos="1974850" algn="l"/>
+              </a:tabLst>
+            </a:pPr>
+            <a:r>
+              <a:rPr lang="de-DE" sz="2000" dirty="0" smtClean="0">
+                <a:latin typeface="Calibri" pitchFamily="34" charset="0"/>
+              </a:rPr>
+              <a:t>Beispiel	:</a:t>
+            </a:r>
+            <a:endParaRPr lang="de-DE" sz="2000" dirty="0" smtClean="0">
+              <a:latin typeface="Calibri" pitchFamily="34" charset="0"/>
+            </a:endParaRPr>
+          </a:p>
+        </p:txBody>
+      </p:sp>
+      <p:graphicFrame>
+        <p:nvGraphicFramePr>
+          <p:cNvPr id="59" name="Objekt 58"/>
+          <p:cNvGraphicFramePr>
+            <a:graphicFrameLocks noChangeAspect="1"/>
+          </p:cNvGraphicFramePr>
+          <p:nvPr/>
+        </p:nvGraphicFramePr>
+        <p:xfrm>
+          <a:off x="2407624" y="5542632"/>
+          <a:ext cx="3162298" cy="707356"/>
+        </p:xfrm>
+        <a:graphic>
+          <a:graphicData uri="http://schemas.openxmlformats.org/presentationml/2006/ole">
+            <p:oleObj spid="_x0000_s1026" name="Formel" r:id="rId4" imgW="1930320" imgH="431640" progId="Equation.3">
+              <p:embed/>
+            </p:oleObj>
+          </a:graphicData>
+        </a:graphic>
+      </p:graphicFrame>
+      <p:sp>
+        <p:nvSpPr>
+          <p:cNvPr id="60" name="Textfeld 59"/>
+          <p:cNvSpPr txBox="1"/>
+          <p:nvPr/>
+        </p:nvSpPr>
+        <p:spPr>
+          <a:xfrm>
+            <a:off x="5668789" y="5705886"/>
+            <a:ext cx="3475211" cy="400110"/>
+          </a:xfrm>
+          <a:prstGeom prst="rect">
+            <a:avLst/>
+          </a:prstGeom>
+          <a:noFill/>
+        </p:spPr>
+        <p:txBody>
+          <a:bodyPr wrap="square" rtlCol="0">
+            <a:spAutoFit/>
+          </a:bodyPr>
+          <a:lstStyle/>
+          <a:p>
+            <a:pPr>
+              <a:spcAft>
+                <a:spcPts val="600"/>
+              </a:spcAft>
+              <a:tabLst>
+                <a:tab pos="1974850" algn="l"/>
+              </a:tabLst>
+            </a:pPr>
+            <a:r>
+              <a:rPr lang="de-DE" sz="2000" i="1" dirty="0" smtClean="0">
+                <a:latin typeface="Calibri" pitchFamily="34" charset="0"/>
+              </a:rPr>
+              <a:t>(SSE… sollte minimal werden)</a:t>
+            </a:r>
+            <a:endParaRPr lang="de-DE" sz="2000" i="1" dirty="0" smtClean="0">
+              <a:latin typeface="Calibri" pitchFamily="34" charset="0"/>
+            </a:endParaRPr>
+          </a:p>
+        </p:txBody>
+      </p:sp>
+    </p:spTree>
+  </p:cSld>
+  <p:clrMapOvr>
+    <a:masterClrMapping/>
+  </p:clrMapOvr>
+  <p:transition>
+    <p:zoom/>
+  </p:transition>
+  <p:timing>
+    <p:tnLst>
+      <p:par>
+        <p:cTn id="1" dur="indefinite" restart="never" nodeType="tmRoot">
+          <p:childTnLst>
+            <p:seq concurrent="1" nextAc="seek">
+              <p:cTn id="2" dur="indefinite" nodeType="mainSeq">
+                <p:childTnLst>
+                  <p:par>
+                    <p:cTn id="3" fill="hold">
+                      <p:stCondLst>
+                        <p:cond delay="indefinite"/>
+                      </p:stCondLst>
+                      <p:childTnLst>
+                        <p:par>
+                          <p:cTn id="4" fill="hold">
+                            <p:stCondLst>
+                              <p:cond delay="0"/>
+                            </p:stCondLst>
+                            <p:childTnLst>
+                              <p:par>
+                                <p:cTn id="5" presetID="22" presetClass="entr" presetSubtype="8" fill="hold" grpId="0" nodeType="clickEffect">
+                                  <p:stCondLst>
+                                    <p:cond delay="0"/>
+                                  </p:stCondLst>
+                                  <p:childTnLst>
+                                    <p:set>
+                                      <p:cBhvr>
+                                        <p:cTn id="6" dur="1" fill="hold">
+                                          <p:stCondLst>
+                                            <p:cond delay="0"/>
+                                          </p:stCondLst>
+                                        </p:cTn>
+                                        <p:tgtEl>
+                                          <p:spTgt spid="23"/>
+                                        </p:tgtEl>
+                                        <p:attrNameLst>
+                                          <p:attrName>style.visibility</p:attrName>
+                                        </p:attrNameLst>
+                                      </p:cBhvr>
+                                      <p:to>
+                                        <p:strVal val="visible"/>
+                                      </p:to>
+                                    </p:set>
+                                    <p:animEffect transition="in" filter="wipe(left)">
+                                      <p:cBhvr>
+                                        <p:cTn id="7" dur="500"/>
+                                        <p:tgtEl>
+                                          <p:spTgt spid="23"/>
+                                        </p:tgtEl>
+                                      </p:cBhvr>
+                                    </p:animEffect>
+                                  </p:childTnLst>
+                                </p:cTn>
+                              </p:par>
+                            </p:childTnLst>
+                          </p:cTn>
+                        </p:par>
+                      </p:childTnLst>
+                    </p:cTn>
+                  </p:par>
+                  <p:par>
+                    <p:cTn id="8" fill="hold">
+                      <p:stCondLst>
+                        <p:cond delay="indefinite"/>
+                      </p:stCondLst>
+                      <p:childTnLst>
+                        <p:par>
+                          <p:cTn id="9" fill="hold">
+                            <p:stCondLst>
+                              <p:cond delay="0"/>
+                            </p:stCondLst>
+                            <p:childTnLst>
+                              <p:par>
+                                <p:cTn id="10" presetID="22" presetClass="entr" presetSubtype="1" fill="hold" grpId="0" nodeType="clickEffect">
+                                  <p:stCondLst>
+                                    <p:cond delay="0"/>
+                                  </p:stCondLst>
+                                  <p:childTnLst>
+                                    <p:set>
+                                      <p:cBhvr>
+                                        <p:cTn id="11" dur="1" fill="hold">
+                                          <p:stCondLst>
+                                            <p:cond delay="0"/>
+                                          </p:stCondLst>
+                                        </p:cTn>
+                                        <p:tgtEl>
+                                          <p:spTgt spid="29">
+                                            <p:txEl>
+                                              <p:pRg st="0" end="0"/>
+                                            </p:txEl>
+                                          </p:spTgt>
+                                        </p:tgtEl>
+                                        <p:attrNameLst>
+                                          <p:attrName>style.visibility</p:attrName>
+                                        </p:attrNameLst>
+                                      </p:cBhvr>
+                                      <p:to>
+                                        <p:strVal val="visible"/>
+                                      </p:to>
+                                    </p:set>
+                                    <p:animEffect transition="in" filter="wipe(up)">
+                                      <p:cBhvr>
+                                        <p:cTn id="12" dur="500"/>
+                                        <p:tgtEl>
+                                          <p:spTgt spid="29">
+                                            <p:txEl>
+                                              <p:pRg st="0" end="0"/>
+                                            </p:txEl>
+                                          </p:spTgt>
+                                        </p:tgtEl>
+                                      </p:cBhvr>
+                                    </p:animEffect>
+                                  </p:childTnLst>
+                                </p:cTn>
+                              </p:par>
+                            </p:childTnLst>
+                          </p:cTn>
+                        </p:par>
+                      </p:childTnLst>
+                    </p:cTn>
+                  </p:par>
+                  <p:par>
+                    <p:cTn id="13" fill="hold">
+                      <p:stCondLst>
+                        <p:cond delay="indefinite"/>
+                      </p:stCondLst>
+                      <p:childTnLst>
+                        <p:par>
+                          <p:cTn id="14" fill="hold">
+                            <p:stCondLst>
+                              <p:cond delay="0"/>
+                            </p:stCondLst>
+                            <p:childTnLst>
+                              <p:par>
+                                <p:cTn id="15" presetID="22" presetClass="entr" presetSubtype="1" fill="hold" grpId="0" nodeType="clickEffect">
+                                  <p:stCondLst>
+                                    <p:cond delay="0"/>
+                                  </p:stCondLst>
+                                  <p:childTnLst>
+                                    <p:set>
+                                      <p:cBhvr>
+                                        <p:cTn id="16" dur="1" fill="hold">
+                                          <p:stCondLst>
+                                            <p:cond delay="0"/>
+                                          </p:stCondLst>
+                                        </p:cTn>
+                                        <p:tgtEl>
+                                          <p:spTgt spid="29">
+                                            <p:txEl>
+                                              <p:pRg st="1" end="1"/>
+                                            </p:txEl>
+                                          </p:spTgt>
+                                        </p:tgtEl>
+                                        <p:attrNameLst>
+                                          <p:attrName>style.visibility</p:attrName>
+                                        </p:attrNameLst>
+                                      </p:cBhvr>
+                                      <p:to>
+                                        <p:strVal val="visible"/>
+                                      </p:to>
+                                    </p:set>
+                                    <p:animEffect transition="in" filter="wipe(up)">
+                                      <p:cBhvr>
+                                        <p:cTn id="17" dur="500"/>
+                                        <p:tgtEl>
+                                          <p:spTgt spid="29">
+                                            <p:txEl>
+                                              <p:pRg st="1" end="1"/>
+                                            </p:txEl>
+                                          </p:spTgt>
+                                        </p:tgtEl>
+                                      </p:cBhvr>
+                                    </p:animEffect>
+                                  </p:childTnLst>
+                                </p:cTn>
+                              </p:par>
+                            </p:childTnLst>
+                          </p:cTn>
+                        </p:par>
+                      </p:childTnLst>
+                    </p:cTn>
+                  </p:par>
+                  <p:par>
+                    <p:cTn id="18" fill="hold">
+                      <p:stCondLst>
+                        <p:cond delay="indefinite"/>
+                      </p:stCondLst>
+                      <p:childTnLst>
+                        <p:par>
+                          <p:cTn id="19" fill="hold">
+                            <p:stCondLst>
+                              <p:cond delay="0"/>
+                            </p:stCondLst>
+                            <p:childTnLst>
+                              <p:par>
+                                <p:cTn id="20" presetID="23" presetClass="entr" presetSubtype="288" fill="hold" grpId="0" nodeType="clickEffect">
+                                  <p:stCondLst>
+                                    <p:cond delay="0"/>
+                                  </p:stCondLst>
+                                  <p:childTnLst>
+                                    <p:set>
+                                      <p:cBhvr>
+                                        <p:cTn id="21" dur="1" fill="hold">
+                                          <p:stCondLst>
+                                            <p:cond delay="0"/>
+                                          </p:stCondLst>
+                                        </p:cTn>
+                                        <p:tgtEl>
+                                          <p:spTgt spid="28"/>
+                                        </p:tgtEl>
+                                        <p:attrNameLst>
+                                          <p:attrName>style.visibility</p:attrName>
+                                        </p:attrNameLst>
+                                      </p:cBhvr>
+                                      <p:to>
+                                        <p:strVal val="visible"/>
+                                      </p:to>
+                                    </p:set>
+                                    <p:anim calcmode="lin" valueType="num">
+                                      <p:cBhvr>
+                                        <p:cTn id="22" dur="500" fill="hold"/>
+                                        <p:tgtEl>
+                                          <p:spTgt spid="28"/>
+                                        </p:tgtEl>
+                                        <p:attrNameLst>
+                                          <p:attrName>ppt_w</p:attrName>
+                                        </p:attrNameLst>
+                                      </p:cBhvr>
+                                      <p:tavLst>
+                                        <p:tav tm="0">
+                                          <p:val>
+                                            <p:strVal val="4/3*#ppt_w"/>
+                                          </p:val>
+                                        </p:tav>
+                                        <p:tav tm="100000">
+                                          <p:val>
+                                            <p:strVal val="#ppt_w"/>
+                                          </p:val>
+                                        </p:tav>
+                                      </p:tavLst>
+                                    </p:anim>
+                                    <p:anim calcmode="lin" valueType="num">
+                                      <p:cBhvr>
+                                        <p:cTn id="23" dur="500" fill="hold"/>
+                                        <p:tgtEl>
+                                          <p:spTgt spid="28"/>
+                                        </p:tgtEl>
+                                        <p:attrNameLst>
+                                          <p:attrName>ppt_h</p:attrName>
+                                        </p:attrNameLst>
+                                      </p:cBhvr>
+                                      <p:tavLst>
+                                        <p:tav tm="0">
+                                          <p:val>
+                                            <p:strVal val="4/3*#ppt_h"/>
+                                          </p:val>
+                                        </p:tav>
+                                        <p:tav tm="100000">
+                                          <p:val>
+                                            <p:strVal val="#ppt_h"/>
+                                          </p:val>
+                                        </p:tav>
+                                      </p:tavLst>
+                                    </p:anim>
+                                  </p:childTnLst>
+                                </p:cTn>
+                              </p:par>
+                            </p:childTnLst>
+                          </p:cTn>
+                        </p:par>
+                      </p:childTnLst>
+                    </p:cTn>
+                  </p:par>
+                  <p:par>
+                    <p:cTn id="24" fill="hold">
+                      <p:stCondLst>
+                        <p:cond delay="indefinite"/>
+                      </p:stCondLst>
+                      <p:childTnLst>
+                        <p:par>
+                          <p:cTn id="25" fill="hold">
+                            <p:stCondLst>
+                              <p:cond delay="0"/>
+                            </p:stCondLst>
+                            <p:childTnLst>
+                              <p:par>
+                                <p:cTn id="26" presetID="9" presetClass="entr" presetSubtype="0" fill="hold" grpId="0" nodeType="clickEffect">
+                                  <p:stCondLst>
+                                    <p:cond delay="0"/>
+                                  </p:stCondLst>
+                                  <p:childTnLst>
+                                    <p:set>
+                                      <p:cBhvr>
+                                        <p:cTn id="27" dur="1" fill="hold">
+                                          <p:stCondLst>
+                                            <p:cond delay="0"/>
+                                          </p:stCondLst>
+                                        </p:cTn>
+                                        <p:tgtEl>
+                                          <p:spTgt spid="56"/>
+                                        </p:tgtEl>
+                                        <p:attrNameLst>
+                                          <p:attrName>style.visibility</p:attrName>
+                                        </p:attrNameLst>
+                                      </p:cBhvr>
+                                      <p:to>
+                                        <p:strVal val="visible"/>
+                                      </p:to>
+                                    </p:set>
+                                    <p:animEffect transition="in" filter="dissolve">
+                                      <p:cBhvr>
+                                        <p:cTn id="28" dur="500"/>
+                                        <p:tgtEl>
+                                          <p:spTgt spid="56"/>
+                                        </p:tgtEl>
+                                      </p:cBhvr>
+                                    </p:animEffect>
+                                  </p:childTnLst>
+                                </p:cTn>
+                              </p:par>
+                            </p:childTnLst>
+                          </p:cTn>
+                        </p:par>
+                      </p:childTnLst>
+                    </p:cTn>
+                  </p:par>
+                  <p:par>
+                    <p:cTn id="29" fill="hold">
+                      <p:stCondLst>
+                        <p:cond delay="indefinite"/>
+                      </p:stCondLst>
+                      <p:childTnLst>
+                        <p:par>
+                          <p:cTn id="30" fill="hold">
+                            <p:stCondLst>
+                              <p:cond delay="0"/>
+                            </p:stCondLst>
+                            <p:childTnLst>
+                              <p:par>
+                                <p:cTn id="31" presetID="9" presetClass="entr" presetSubtype="0" fill="hold" grpId="0" nodeType="clickEffect">
+                                  <p:stCondLst>
+                                    <p:cond delay="0"/>
+                                  </p:stCondLst>
+                                  <p:childTnLst>
+                                    <p:set>
+                                      <p:cBhvr>
+                                        <p:cTn id="32" dur="1" fill="hold">
+                                          <p:stCondLst>
+                                            <p:cond delay="0"/>
+                                          </p:stCondLst>
+                                        </p:cTn>
+                                        <p:tgtEl>
+                                          <p:spTgt spid="39"/>
+                                        </p:tgtEl>
+                                        <p:attrNameLst>
+                                          <p:attrName>style.visibility</p:attrName>
+                                        </p:attrNameLst>
+                                      </p:cBhvr>
+                                      <p:to>
+                                        <p:strVal val="visible"/>
+                                      </p:to>
+                                    </p:set>
+                                    <p:animEffect transition="in" filter="dissolve">
+                                      <p:cBhvr>
+                                        <p:cTn id="33" dur="500"/>
+                                        <p:tgtEl>
+                                          <p:spTgt spid="39"/>
+                                        </p:tgtEl>
+                                      </p:cBhvr>
+                                    </p:animEffect>
+                                  </p:childTnLst>
+                                </p:cTn>
+                              </p:par>
+                            </p:childTnLst>
+                          </p:cTn>
+                        </p:par>
+                      </p:childTnLst>
+                    </p:cTn>
+                  </p:par>
+                  <p:par>
+                    <p:cTn id="34" fill="hold">
+                      <p:stCondLst>
+                        <p:cond delay="indefinite"/>
+                      </p:stCondLst>
+                      <p:childTnLst>
+                        <p:par>
+                          <p:cTn id="35" fill="hold">
+                            <p:stCondLst>
+                              <p:cond delay="0"/>
+                            </p:stCondLst>
+                            <p:childTnLst>
+                              <p:par>
+                                <p:cTn id="36" presetID="9" presetClass="entr" presetSubtype="0" fill="hold" grpId="0" nodeType="clickEffect">
+                                  <p:stCondLst>
+                                    <p:cond delay="0"/>
+                                  </p:stCondLst>
+                                  <p:childTnLst>
+                                    <p:set>
+                                      <p:cBhvr>
+                                        <p:cTn id="37" dur="1" fill="hold">
+                                          <p:stCondLst>
+                                            <p:cond delay="0"/>
+                                          </p:stCondLst>
+                                        </p:cTn>
+                                        <p:tgtEl>
+                                          <p:spTgt spid="47"/>
+                                        </p:tgtEl>
+                                        <p:attrNameLst>
+                                          <p:attrName>style.visibility</p:attrName>
+                                        </p:attrNameLst>
+                                      </p:cBhvr>
+                                      <p:to>
+                                        <p:strVal val="visible"/>
+                                      </p:to>
+                                    </p:set>
+                                    <p:animEffect transition="in" filter="dissolve">
+                                      <p:cBhvr>
+                                        <p:cTn id="38" dur="500"/>
+                                        <p:tgtEl>
+                                          <p:spTgt spid="47"/>
+                                        </p:tgtEl>
+                                      </p:cBhvr>
+                                    </p:animEffect>
+                                  </p:childTnLst>
+                                </p:cTn>
+                              </p:par>
+                            </p:childTnLst>
+                          </p:cTn>
+                        </p:par>
+                      </p:childTnLst>
+                    </p:cTn>
+                  </p:par>
+                  <p:par>
+                    <p:cTn id="39" fill="hold">
+                      <p:stCondLst>
+                        <p:cond delay="indefinite"/>
+                      </p:stCondLst>
+                      <p:childTnLst>
+                        <p:par>
+                          <p:cTn id="40" fill="hold">
+                            <p:stCondLst>
+                              <p:cond delay="0"/>
+                            </p:stCondLst>
+                            <p:childTnLst>
+                              <p:par>
+                                <p:cTn id="41" presetID="9" presetClass="entr" presetSubtype="0" fill="hold" grpId="0" nodeType="clickEffect">
+                                  <p:stCondLst>
+                                    <p:cond delay="0"/>
+                                  </p:stCondLst>
+                                  <p:childTnLst>
+                                    <p:set>
+                                      <p:cBhvr>
+                                        <p:cTn id="42" dur="1" fill="hold">
+                                          <p:stCondLst>
+                                            <p:cond delay="0"/>
+                                          </p:stCondLst>
+                                        </p:cTn>
+                                        <p:tgtEl>
+                                          <p:spTgt spid="54"/>
+                                        </p:tgtEl>
+                                        <p:attrNameLst>
+                                          <p:attrName>style.visibility</p:attrName>
+                                        </p:attrNameLst>
+                                      </p:cBhvr>
+                                      <p:to>
+                                        <p:strVal val="visible"/>
+                                      </p:to>
+                                    </p:set>
+                                    <p:animEffect transition="in" filter="dissolve">
+                                      <p:cBhvr>
+                                        <p:cTn id="43" dur="500"/>
+                                        <p:tgtEl>
+                                          <p:spTgt spid="54"/>
+                                        </p:tgtEl>
+                                      </p:cBhvr>
+                                    </p:animEffect>
+                                  </p:childTnLst>
+                                </p:cTn>
+                              </p:par>
+                            </p:childTnLst>
+                          </p:cTn>
+                        </p:par>
+                      </p:childTnLst>
+                    </p:cTn>
+                  </p:par>
+                  <p:par>
+                    <p:cTn id="44" fill="hold">
+                      <p:stCondLst>
+                        <p:cond delay="indefinite"/>
+                      </p:stCondLst>
+                      <p:childTnLst>
+                        <p:par>
+                          <p:cTn id="45" fill="hold">
+                            <p:stCondLst>
+                              <p:cond delay="0"/>
+                            </p:stCondLst>
+                            <p:childTnLst>
+                              <p:par>
+                                <p:cTn id="46" presetID="9" presetClass="entr" presetSubtype="0" fill="hold" grpId="0" nodeType="clickEffect">
+                                  <p:stCondLst>
+                                    <p:cond delay="0"/>
+                                  </p:stCondLst>
+                                  <p:childTnLst>
+                                    <p:set>
+                                      <p:cBhvr>
+                                        <p:cTn id="47" dur="1" fill="hold">
+                                          <p:stCondLst>
+                                            <p:cond delay="0"/>
+                                          </p:stCondLst>
+                                        </p:cTn>
+                                        <p:tgtEl>
+                                          <p:spTgt spid="55"/>
+                                        </p:tgtEl>
+                                        <p:attrNameLst>
+                                          <p:attrName>style.visibility</p:attrName>
+                                        </p:attrNameLst>
+                                      </p:cBhvr>
+                                      <p:to>
+                                        <p:strVal val="visible"/>
+                                      </p:to>
+                                    </p:set>
+                                    <p:animEffect transition="in" filter="dissolve">
+                                      <p:cBhvr>
+                                        <p:cTn id="48" dur="500"/>
+                                        <p:tgtEl>
+                                          <p:spTgt spid="55"/>
+                                        </p:tgtEl>
+                                      </p:cBhvr>
+                                    </p:animEffect>
+                                  </p:childTnLst>
+                                </p:cTn>
+                              </p:par>
+                            </p:childTnLst>
+                          </p:cTn>
+                        </p:par>
+                      </p:childTnLst>
+                    </p:cTn>
+                  </p:par>
+                  <p:par>
+                    <p:cTn id="49" fill="hold">
+                      <p:stCondLst>
+                        <p:cond delay="indefinite"/>
+                      </p:stCondLst>
+                      <p:childTnLst>
+                        <p:par>
+                          <p:cTn id="50" fill="hold">
+                            <p:stCondLst>
+                              <p:cond delay="0"/>
+                            </p:stCondLst>
+                            <p:childTnLst>
+                              <p:par>
+                                <p:cTn id="51" presetID="9" presetClass="entr" presetSubtype="0" fill="hold" grpId="0" nodeType="clickEffect">
+                                  <p:stCondLst>
+                                    <p:cond delay="0"/>
+                                  </p:stCondLst>
+                                  <p:childTnLst>
+                                    <p:set>
+                                      <p:cBhvr>
+                                        <p:cTn id="52" dur="1" fill="hold">
+                                          <p:stCondLst>
+                                            <p:cond delay="0"/>
+                                          </p:stCondLst>
+                                        </p:cTn>
+                                        <p:tgtEl>
+                                          <p:spTgt spid="58"/>
+                                        </p:tgtEl>
+                                        <p:attrNameLst>
+                                          <p:attrName>style.visibility</p:attrName>
+                                        </p:attrNameLst>
+                                      </p:cBhvr>
+                                      <p:to>
+                                        <p:strVal val="visible"/>
+                                      </p:to>
+                                    </p:set>
+                                    <p:animEffect transition="in" filter="dissolve">
+                                      <p:cBhvr>
+                                        <p:cTn id="53" dur="500"/>
+                                        <p:tgtEl>
+                                          <p:spTgt spid="58"/>
+                                        </p:tgtEl>
+                                      </p:cBhvr>
+                                    </p:animEffect>
+                                  </p:childTnLst>
+                                </p:cTn>
+                              </p:par>
+                              <p:par>
+                                <p:cTn id="54" presetID="9" presetClass="entr" presetSubtype="0" fill="hold" nodeType="withEffect">
+                                  <p:stCondLst>
+                                    <p:cond delay="0"/>
+                                  </p:stCondLst>
+                                  <p:childTnLst>
+                                    <p:set>
+                                      <p:cBhvr>
+                                        <p:cTn id="55" dur="1" fill="hold">
+                                          <p:stCondLst>
+                                            <p:cond delay="0"/>
+                                          </p:stCondLst>
+                                        </p:cTn>
+                                        <p:tgtEl>
+                                          <p:spTgt spid="59"/>
+                                        </p:tgtEl>
+                                        <p:attrNameLst>
+                                          <p:attrName>style.visibility</p:attrName>
+                                        </p:attrNameLst>
+                                      </p:cBhvr>
+                                      <p:to>
+                                        <p:strVal val="visible"/>
+                                      </p:to>
+                                    </p:set>
+                                    <p:animEffect transition="in" filter="dissolve">
+                                      <p:cBhvr>
+                                        <p:cTn id="56" dur="500"/>
+                                        <p:tgtEl>
+                                          <p:spTgt spid="59"/>
+                                        </p:tgtEl>
+                                      </p:cBhvr>
+                                    </p:animEffect>
+                                  </p:childTnLst>
+                                </p:cTn>
+                              </p:par>
+                              <p:par>
+                                <p:cTn id="57" presetID="9" presetClass="entr" presetSubtype="0" fill="hold" grpId="0" nodeType="withEffect">
+                                  <p:stCondLst>
+                                    <p:cond delay="0"/>
+                                  </p:stCondLst>
+                                  <p:childTnLst>
+                                    <p:set>
+                                      <p:cBhvr>
+                                        <p:cTn id="58" dur="1" fill="hold">
+                                          <p:stCondLst>
+                                            <p:cond delay="0"/>
+                                          </p:stCondLst>
+                                        </p:cTn>
+                                        <p:tgtEl>
+                                          <p:spTgt spid="60"/>
+                                        </p:tgtEl>
+                                        <p:attrNameLst>
+                                          <p:attrName>style.visibility</p:attrName>
+                                        </p:attrNameLst>
+                                      </p:cBhvr>
+                                      <p:to>
+                                        <p:strVal val="visible"/>
+                                      </p:to>
+                                    </p:set>
+                                    <p:animEffect transition="in" filter="dissolve">
+                                      <p:cBhvr>
+                                        <p:cTn id="59" dur="500"/>
+                                        <p:tgtEl>
+                                          <p:spTgt spid="60"/>
+                                        </p:tgtEl>
+                                      </p:cBhvr>
+                                    </p:animEffect>
+                                  </p:childTnLst>
+                                </p:cTn>
+                              </p:par>
+                            </p:childTnLst>
+                          </p:cTn>
+                        </p:par>
+                      </p:childTnLst>
+                    </p:cTn>
+                  </p:par>
+                </p:childTnLst>
+              </p:cTn>
+              <p:prevCondLst>
+                <p:cond evt="onPrev" delay="0">
+                  <p:tgtEl>
+                    <p:sldTgt/>
+                  </p:tgtEl>
+                </p:cond>
+              </p:prevCondLst>
+              <p:nextCondLst>
+                <p:cond evt="onNext" delay="0">
+                  <p:tgtEl>
+                    <p:sldTgt/>
+                  </p:tgtEl>
+                </p:cond>
+              </p:nextCondLst>
+            </p:seq>
+          </p:childTnLst>
+        </p:cTn>
+      </p:par>
+    </p:tnLst>
+    <p:bldLst>
+      <p:bldP spid="23" grpId="0"/>
+      <p:bldP spid="29" grpId="0" build="p" bldLvl="2"/>
+      <p:bldP spid="28" grpId="0" animBg="1"/>
+      <p:bldP spid="39" grpId="0"/>
+      <p:bldP spid="47" grpId="0"/>
+      <p:bldP spid="54" grpId="0"/>
+      <p:bldP spid="55" grpId="0"/>
+      <p:bldP spid="56" grpId="0" animBg="1"/>
+      <p:bldP spid="58" grpId="0"/>
+      <p:bldP spid="60" grpId="0"/>
+    </p:bldLst>
+  </p:timing>
+</p:sld>
+</file>
+
+<file path=ppt/slides/slide8.xml><?xml version="1.0" encoding="utf-8"?>
+<p:sld xmlns:a="http://schemas.openxmlformats.org/drawingml/2006/main" xmlns:r="http://schemas.openxmlformats.org/officeDocument/2006/relationships" xmlns:p="http://schemas.openxmlformats.org/presentationml/2006/main">
+  <p:cSld>
+    <p:spTree>
+      <p:nvGrpSpPr>
+        <p:cNvPr id="1" name=""/>
+        <p:cNvGrpSpPr/>
+        <p:nvPr/>
+      </p:nvGrpSpPr>
+      <p:grpSpPr>
+        <a:xfrm>
+          <a:off x="0" y="0"/>
+          <a:ext cx="0" cy="0"/>
+          <a:chOff x="0" y="0"/>
+          <a:chExt cx="0" cy="0"/>
+        </a:xfrm>
+      </p:grpSpPr>
+      <p:sp>
+        <p:nvSpPr>
+          <p:cNvPr id="13" name="Textfeld 12"/>
+          <p:cNvSpPr txBox="1"/>
+          <p:nvPr/>
+        </p:nvSpPr>
+        <p:spPr>
+          <a:xfrm>
+            <a:off x="1" y="-21515"/>
+            <a:ext cx="9108504" cy="476250"/>
+          </a:xfrm>
+          <a:prstGeom prst="rect">
+            <a:avLst/>
+          </a:prstGeom>
+          <a:noFill/>
+          <a:effectLst/>
+        </p:spPr>
+        <p:txBody>
+          <a:bodyPr wrap="square" lIns="0" rIns="0" rtlCol="0">
+            <a:noAutofit/>
+          </a:bodyPr>
+          <a:lstStyle/>
+          <a:p>
+            <a:pPr algn="ctr">
+              <a:spcAft>
+                <a:spcPts val="0"/>
+              </a:spcAft>
+              <a:defRPr/>
+            </a:pPr>
+            <a:r>
+              <a:rPr lang="de-DE" sz="2800" dirty="0" smtClean="0">
+                <a:solidFill>
+                  <a:schemeClr val="bg1">
+                    <a:lumMod val="85000"/>
+                  </a:schemeClr>
+                </a:solidFill>
+                <a:latin typeface="Calibri" pitchFamily="34" charset="0"/>
+              </a:rPr>
+              <a:t>Kalibrierung und Validierung</a:t>
+            </a:r>
+            <a:endParaRPr lang="de-DE" sz="2800" dirty="0" smtClean="0">
+              <a:solidFill>
+                <a:schemeClr val="bg1">
+                  <a:lumMod val="85000"/>
+                </a:schemeClr>
+              </a:solidFill>
+              <a:latin typeface="Calibri" pitchFamily="34" charset="0"/>
+            </a:endParaRPr>
+          </a:p>
+        </p:txBody>
+      </p:sp>
+      <p:sp>
+        <p:nvSpPr>
+          <p:cNvPr id="10" name="Textfeld 9"/>
+          <p:cNvSpPr txBox="1"/>
+          <p:nvPr/>
+        </p:nvSpPr>
+        <p:spPr>
+          <a:xfrm>
+            <a:off x="250825" y="765175"/>
+            <a:ext cx="4896544" cy="523220"/>
+          </a:xfrm>
+          <a:prstGeom prst="rect">
+            <a:avLst/>
+          </a:prstGeom>
+          <a:noFill/>
+        </p:spPr>
+        <p:txBody>
+          <a:bodyPr wrap="square" rtlCol="0">
+            <a:spAutoFit/>
+          </a:bodyPr>
+          <a:lstStyle/>
+          <a:p>
+            <a:r>
+              <a:rPr lang="de-DE" sz="2800" dirty="0" smtClean="0">
+                <a:latin typeface="Calibri" pitchFamily="34" charset="0"/>
+              </a:rPr>
+              <a:t>Modellvalidierung </a:t>
+            </a:r>
+            <a:endParaRPr lang="de-DE" sz="2800" dirty="0">
+              <a:latin typeface="Calibri" pitchFamily="34" charset="0"/>
+            </a:endParaRPr>
+          </a:p>
+        </p:txBody>
+      </p:sp>
+      <p:sp>
+        <p:nvSpPr>
+          <p:cNvPr id="23" name="Textfeld 22"/>
+          <p:cNvSpPr txBox="1"/>
+          <p:nvPr/>
+        </p:nvSpPr>
+        <p:spPr>
+          <a:xfrm>
+            <a:off x="250825" y="1484784"/>
+            <a:ext cx="6049367" cy="400110"/>
+          </a:xfrm>
+          <a:prstGeom prst="rect">
+            <a:avLst/>
+          </a:prstGeom>
+          <a:noFill/>
+        </p:spPr>
+        <p:txBody>
+          <a:bodyPr wrap="square" rtlCol="0">
+            <a:spAutoFit/>
+          </a:bodyPr>
+          <a:lstStyle/>
+          <a:p>
+            <a:pPr>
+              <a:spcAft>
+                <a:spcPts val="600"/>
+              </a:spcAft>
+            </a:pPr>
+            <a:r>
+              <a:rPr lang="de-DE" sz="2000" b="1" dirty="0" smtClean="0">
+                <a:latin typeface="Calibri" pitchFamily="34" charset="0"/>
+              </a:rPr>
+              <a:t>Parameter des abcd-Modells sind alle „konzeptionell“:</a:t>
+            </a:r>
+            <a:endParaRPr lang="de-DE" sz="2000" b="1" dirty="0" smtClean="0">
+              <a:latin typeface="Calibri" pitchFamily="34" charset="0"/>
+            </a:endParaRPr>
+          </a:p>
+        </p:txBody>
+      </p:sp>
+      <p:sp>
+        <p:nvSpPr>
+          <p:cNvPr id="29" name="Textfeld 28"/>
+          <p:cNvSpPr txBox="1"/>
+          <p:nvPr/>
+        </p:nvSpPr>
+        <p:spPr>
+          <a:xfrm>
+            <a:off x="250825" y="1916833"/>
+            <a:ext cx="6265391" cy="784830"/>
+          </a:xfrm>
+          <a:prstGeom prst="rect">
+            <a:avLst/>
+          </a:prstGeom>
+          <a:noFill/>
+        </p:spPr>
+        <p:txBody>
+          <a:bodyPr wrap="square" rtlCol="0">
+            <a:spAutoFit/>
+          </a:bodyPr>
+          <a:lstStyle/>
+          <a:p>
+            <a:pPr marL="273050" indent="-273050">
+              <a:spcAft>
+                <a:spcPts val="600"/>
+              </a:spcAft>
+              <a:buFont typeface="Wingdings" pitchFamily="2" charset="2"/>
+              <a:buChar char="§"/>
+              <a:tabLst>
+                <a:tab pos="273050" algn="l"/>
+              </a:tabLst>
+            </a:pPr>
+            <a:r>
+              <a:rPr lang="de-DE" sz="2000" dirty="0" smtClean="0">
+                <a:latin typeface="Calibri" pitchFamily="34" charset="0"/>
+              </a:rPr>
+              <a:t>Physikalisch interpretierbar, aber nicht messbar</a:t>
+            </a:r>
+          </a:p>
+          <a:p>
+            <a:pPr marL="273050" indent="-273050">
+              <a:spcAft>
+                <a:spcPts val="600"/>
+              </a:spcAft>
+              <a:buFont typeface="Wingdings" pitchFamily="2" charset="2"/>
+              <a:buChar char="§"/>
+              <a:tabLst>
+                <a:tab pos="273050" algn="l"/>
+              </a:tabLst>
+            </a:pPr>
+            <a:r>
+              <a:rPr lang="de-DE" sz="2000" dirty="0" smtClean="0">
+                <a:latin typeface="Calibri" pitchFamily="34" charset="0"/>
+              </a:rPr>
+              <a:t>Wie kann ich </a:t>
+            </a:r>
+            <a:r>
+              <a:rPr lang="de-DE" sz="2000" dirty="0" smtClean="0">
+                <a:latin typeface="Calibri" pitchFamily="34" charset="0"/>
+              </a:rPr>
+              <a:t>dann </a:t>
+            </a:r>
+            <a:r>
+              <a:rPr lang="de-DE" sz="2000" dirty="0" smtClean="0">
+                <a:latin typeface="Calibri" pitchFamily="34" charset="0"/>
+              </a:rPr>
+              <a:t>aber die Parameterwerte wählen</a:t>
+            </a:r>
+          </a:p>
+        </p:txBody>
+      </p:sp>
+      <p:sp>
+        <p:nvSpPr>
+          <p:cNvPr id="15" name="Textfeld 14"/>
+          <p:cNvSpPr txBox="1"/>
+          <p:nvPr/>
+        </p:nvSpPr>
+        <p:spPr>
+          <a:xfrm>
+            <a:off x="0" y="2874144"/>
+            <a:ext cx="9144000" cy="1015663"/>
+          </a:xfrm>
+          <a:prstGeom prst="rect">
+            <a:avLst/>
+          </a:prstGeom>
+          <a:solidFill>
+            <a:srgbClr val="2B5681"/>
+          </a:solidFill>
+        </p:spPr>
+        <p:txBody>
+          <a:bodyPr wrap="square" rtlCol="0">
+            <a:spAutoFit/>
+          </a:bodyPr>
+          <a:lstStyle/>
+          <a:p>
+            <a:pPr algn="ctr">
+              <a:spcAft>
+                <a:spcPts val="600"/>
+              </a:spcAft>
+            </a:pPr>
+            <a:r>
+              <a:rPr lang="de-DE" sz="2000" dirty="0" smtClean="0">
+                <a:solidFill>
+                  <a:schemeClr val="accent5">
+                    <a:lumMod val="75000"/>
+                  </a:schemeClr>
+                </a:solidFill>
+                <a:latin typeface="Calibri" pitchFamily="34" charset="0"/>
+              </a:rPr>
+              <a:t>Suche</a:t>
+            </a:r>
+            <a:r>
+              <a:rPr lang="de-DE" sz="2000" dirty="0" smtClean="0">
+                <a:solidFill>
+                  <a:schemeClr val="bg1"/>
+                </a:solidFill>
+                <a:latin typeface="Calibri" pitchFamily="34" charset="0"/>
+              </a:rPr>
+              <a:t> eine Kombination von Parametern (</a:t>
+            </a:r>
+            <a:r>
+              <a:rPr lang="de-DE" sz="2000" dirty="0" smtClean="0">
+                <a:solidFill>
+                  <a:schemeClr val="bg1"/>
+                </a:solidFill>
+                <a:latin typeface="Courier New" pitchFamily="49" charset="0"/>
+                <a:cs typeface="Courier New" pitchFamily="49" charset="0"/>
+              </a:rPr>
+              <a:t>par</a:t>
+            </a:r>
+            <a:r>
+              <a:rPr lang="de-DE" sz="2000" dirty="0" smtClean="0">
+                <a:solidFill>
+                  <a:schemeClr val="bg1"/>
+                </a:solidFill>
+                <a:latin typeface="Calibri" pitchFamily="34" charset="0"/>
+              </a:rPr>
+              <a:t>), </a:t>
+            </a:r>
+            <a:br>
+              <a:rPr lang="de-DE" sz="2000" dirty="0" smtClean="0">
+                <a:solidFill>
+                  <a:schemeClr val="bg1"/>
+                </a:solidFill>
+                <a:latin typeface="Calibri" pitchFamily="34" charset="0"/>
+              </a:rPr>
+            </a:br>
+            <a:r>
+              <a:rPr lang="de-DE" sz="2000" dirty="0" smtClean="0">
+                <a:solidFill>
+                  <a:schemeClr val="bg1"/>
+                </a:solidFill>
+                <a:latin typeface="Calibri" pitchFamily="34" charset="0"/>
+              </a:rPr>
+              <a:t>so dass </a:t>
+            </a:r>
+            <a:r>
+              <a:rPr lang="de-DE" sz="2000" dirty="0" smtClean="0">
+                <a:solidFill>
+                  <a:schemeClr val="accent5">
+                    <a:lumMod val="75000"/>
+                  </a:schemeClr>
+                </a:solidFill>
+                <a:latin typeface="Calibri" pitchFamily="34" charset="0"/>
+              </a:rPr>
+              <a:t>Beobachtung</a:t>
+            </a:r>
+            <a:r>
+              <a:rPr lang="de-DE" sz="2000" dirty="0" smtClean="0">
+                <a:solidFill>
+                  <a:schemeClr val="bg1"/>
+                </a:solidFill>
+                <a:latin typeface="Calibri" pitchFamily="34" charset="0"/>
+              </a:rPr>
+              <a:t> </a:t>
+            </a:r>
+            <a:r>
+              <a:rPr lang="de-DE" sz="2000" dirty="0" smtClean="0">
+                <a:solidFill>
+                  <a:schemeClr val="bg1"/>
+                </a:solidFill>
+                <a:latin typeface="Calibri" pitchFamily="34" charset="0"/>
+              </a:rPr>
+              <a:t>und </a:t>
+            </a:r>
+            <a:r>
+              <a:rPr lang="de-DE" sz="2000" dirty="0" smtClean="0">
+                <a:solidFill>
+                  <a:schemeClr val="accent5">
+                    <a:lumMod val="75000"/>
+                  </a:schemeClr>
+                </a:solidFill>
+                <a:latin typeface="Calibri" pitchFamily="34" charset="0"/>
+              </a:rPr>
+              <a:t>Simulation</a:t>
+            </a:r>
+            <a:r>
+              <a:rPr lang="de-DE" sz="2000" dirty="0" smtClean="0">
+                <a:solidFill>
+                  <a:schemeClr val="bg1"/>
+                </a:solidFill>
+                <a:latin typeface="Calibri" pitchFamily="34" charset="0"/>
+              </a:rPr>
+              <a:t> </a:t>
+            </a:r>
+            <a:r>
+              <a:rPr lang="de-DE" sz="2000" dirty="0" smtClean="0">
+                <a:solidFill>
+                  <a:schemeClr val="bg1"/>
+                </a:solidFill>
+                <a:latin typeface="Calibri" pitchFamily="34" charset="0"/>
+              </a:rPr>
+              <a:t/>
+            </a:r>
+            <a:br>
+              <a:rPr lang="de-DE" sz="2000" dirty="0" smtClean="0">
+                <a:solidFill>
+                  <a:schemeClr val="bg1"/>
+                </a:solidFill>
+                <a:latin typeface="Calibri" pitchFamily="34" charset="0"/>
+              </a:rPr>
+            </a:br>
+            <a:r>
+              <a:rPr lang="de-DE" sz="2000" dirty="0" smtClean="0">
+                <a:solidFill>
+                  <a:schemeClr val="bg1"/>
+                </a:solidFill>
+                <a:latin typeface="Calibri" pitchFamily="34" charset="0"/>
+              </a:rPr>
+              <a:t>möglichst gut </a:t>
+            </a:r>
+            <a:r>
+              <a:rPr lang="de-DE" sz="2000" dirty="0" smtClean="0">
+                <a:solidFill>
+                  <a:schemeClr val="accent5">
+                    <a:lumMod val="75000"/>
+                  </a:schemeClr>
+                </a:solidFill>
+                <a:latin typeface="Calibri" pitchFamily="34" charset="0"/>
+              </a:rPr>
+              <a:t>übereinstimmen</a:t>
+            </a:r>
+            <a:r>
+              <a:rPr lang="de-DE" sz="2000" dirty="0" smtClean="0">
+                <a:solidFill>
+                  <a:schemeClr val="bg1"/>
+                </a:solidFill>
+                <a:latin typeface="Calibri" pitchFamily="34" charset="0"/>
+              </a:rPr>
+              <a:t>.</a:t>
+            </a:r>
+            <a:endParaRPr lang="de-DE" sz="2000" dirty="0" smtClean="0">
+              <a:solidFill>
+                <a:schemeClr val="bg1"/>
+              </a:solidFill>
+              <a:latin typeface="Calibri" pitchFamily="34" charset="0"/>
+            </a:endParaRPr>
+          </a:p>
+        </p:txBody>
+      </p:sp>
+      <p:sp>
+        <p:nvSpPr>
+          <p:cNvPr id="16" name="Textfeld 15"/>
+          <p:cNvSpPr txBox="1"/>
+          <p:nvPr/>
+        </p:nvSpPr>
+        <p:spPr>
+          <a:xfrm>
+            <a:off x="250825" y="4084330"/>
+            <a:ext cx="8893176" cy="1862048"/>
+          </a:xfrm>
+          <a:prstGeom prst="rect">
+            <a:avLst/>
+          </a:prstGeom>
+          <a:noFill/>
+        </p:spPr>
+        <p:txBody>
+          <a:bodyPr wrap="square" rtlCol="0">
+            <a:spAutoFit/>
+          </a:bodyPr>
+          <a:lstStyle/>
+          <a:p>
+            <a:pPr>
+              <a:spcAft>
+                <a:spcPts val="600"/>
+              </a:spcAft>
+              <a:tabLst>
+                <a:tab pos="0" algn="l"/>
+              </a:tabLst>
+            </a:pPr>
+            <a:r>
+              <a:rPr lang="de-DE" sz="2000" dirty="0" smtClean="0">
+                <a:latin typeface="Calibri" pitchFamily="34" charset="0"/>
+              </a:rPr>
+              <a:t>Aber funktionieren die „optimalen“ Parameter auch für Zeiträume, </a:t>
+            </a:r>
+            <a:br>
+              <a:rPr lang="de-DE" sz="2000" dirty="0" smtClean="0">
+                <a:latin typeface="Calibri" pitchFamily="34" charset="0"/>
+              </a:rPr>
+            </a:br>
+            <a:r>
+              <a:rPr lang="de-DE" sz="2000" dirty="0" smtClean="0">
+                <a:latin typeface="Calibri" pitchFamily="34" charset="0"/>
+              </a:rPr>
+              <a:t>die ich nicht für die </a:t>
+            </a:r>
+            <a:r>
+              <a:rPr lang="de-DE" sz="2000" dirty="0" err="1" smtClean="0">
+                <a:latin typeface="Calibri" pitchFamily="34" charset="0"/>
+              </a:rPr>
+              <a:t>Kalibierung</a:t>
+            </a:r>
+            <a:r>
+              <a:rPr lang="de-DE" sz="2000" dirty="0" smtClean="0">
+                <a:latin typeface="Calibri" pitchFamily="34" charset="0"/>
+              </a:rPr>
+              <a:t> genutzt habe?</a:t>
+            </a:r>
+          </a:p>
+          <a:p>
+            <a:pPr marL="444500" indent="-444500">
+              <a:spcAft>
+                <a:spcPts val="600"/>
+              </a:spcAft>
+              <a:buFont typeface="Wingdings" pitchFamily="2" charset="2"/>
+              <a:buChar char="ð"/>
+              <a:tabLst>
+                <a:tab pos="444500" algn="l"/>
+              </a:tabLst>
+            </a:pPr>
+            <a:r>
+              <a:rPr lang="de-DE" sz="2000" dirty="0" smtClean="0">
+                <a:latin typeface="Calibri" pitchFamily="34" charset="0"/>
+                <a:sym typeface="Wingdings"/>
+              </a:rPr>
+              <a:t>teile den Datensatz (z.B. Abflussmessung) in z.B. zwei Hälften</a:t>
+            </a:r>
+          </a:p>
+          <a:p>
+            <a:pPr marL="444500" indent="-444500">
+              <a:spcAft>
+                <a:spcPts val="600"/>
+              </a:spcAft>
+              <a:buFont typeface="Wingdings" pitchFamily="2" charset="2"/>
+              <a:buChar char="ð"/>
+              <a:tabLst>
+                <a:tab pos="444500" algn="l"/>
+              </a:tabLst>
+            </a:pPr>
+            <a:r>
+              <a:rPr lang="de-DE" sz="2000" dirty="0" smtClean="0">
+                <a:latin typeface="Calibri" pitchFamily="34" charset="0"/>
+                <a:sym typeface="Wingdings"/>
+              </a:rPr>
+              <a:t>nutze den ersten Teil zur Kalibrierung</a:t>
+            </a:r>
+          </a:p>
+          <a:p>
+            <a:pPr marL="444500" indent="-444500">
+              <a:spcAft>
+                <a:spcPts val="600"/>
+              </a:spcAft>
+              <a:buFont typeface="Wingdings" pitchFamily="2" charset="2"/>
+              <a:buChar char="ð"/>
+              <a:tabLst>
+                <a:tab pos="444500" algn="l"/>
+              </a:tabLst>
+            </a:pPr>
+            <a:r>
+              <a:rPr lang="de-DE" sz="2000" dirty="0" smtClean="0">
+                <a:latin typeface="Calibri" pitchFamily="34" charset="0"/>
+                <a:sym typeface="Wingdings"/>
+              </a:rPr>
+              <a:t>prüfe den „optimalen“ Parametersatz an der zweiten Hälfte</a:t>
+            </a:r>
+          </a:p>
+        </p:txBody>
+      </p:sp>
+    </p:spTree>
+  </p:cSld>
+  <p:clrMapOvr>
+    <a:masterClrMapping/>
+  </p:clrMapOvr>
+  <p:transition>
+    <p:zoom/>
+  </p:transition>
+  <p:timing>
+    <p:tnLst>
+      <p:par>
+        <p:cTn id="1" dur="indefinite" restart="never" nodeType="tmRoot">
+          <p:childTnLst>
+            <p:seq concurrent="1" nextAc="seek">
+              <p:cTn id="2" dur="indefinite" nodeType="mainSeq">
+                <p:childTnLst>
+                  <p:par>
+                    <p:cTn id="3" fill="hold">
+                      <p:stCondLst>
+                        <p:cond delay="indefinite"/>
+                      </p:stCondLst>
+                      <p:childTnLst>
+                        <p:par>
+                          <p:cTn id="4" fill="hold">
+                            <p:stCondLst>
+                              <p:cond delay="0"/>
+                            </p:stCondLst>
+                            <p:childTnLst>
+                              <p:par>
+                                <p:cTn id="5" presetID="22" presetClass="entr" presetSubtype="1" fill="hold" grpId="0" nodeType="clickEffect">
+                                  <p:stCondLst>
+                                    <p:cond delay="0"/>
+                                  </p:stCondLst>
+                                  <p:childTnLst>
+                                    <p:set>
+                                      <p:cBhvr>
+                                        <p:cTn id="6" dur="1" fill="hold">
+                                          <p:stCondLst>
+                                            <p:cond delay="0"/>
+                                          </p:stCondLst>
+                                        </p:cTn>
+                                        <p:tgtEl>
+                                          <p:spTgt spid="16">
+                                            <p:txEl>
+                                              <p:pRg st="0" end="0"/>
+                                            </p:txEl>
+                                          </p:spTgt>
+                                        </p:tgtEl>
+                                        <p:attrNameLst>
+                                          <p:attrName>style.visibility</p:attrName>
+                                        </p:attrNameLst>
+                                      </p:cBhvr>
+                                      <p:to>
+                                        <p:strVal val="visible"/>
+                                      </p:to>
+                                    </p:set>
+                                    <p:animEffect transition="in" filter="wipe(up)">
+                                      <p:cBhvr>
+                                        <p:cTn id="7" dur="500"/>
+                                        <p:tgtEl>
+                                          <p:spTgt spid="16">
+                                            <p:txEl>
+                                              <p:pRg st="0" end="0"/>
+                                            </p:txEl>
+                                          </p:spTgt>
+                                        </p:tgtEl>
+                                      </p:cBhvr>
+                                    </p:animEffect>
+                                  </p:childTnLst>
+                                </p:cTn>
+                              </p:par>
+                            </p:childTnLst>
+                          </p:cTn>
+                        </p:par>
+                      </p:childTnLst>
+                    </p:cTn>
+                  </p:par>
+                  <p:par>
+                    <p:cTn id="8" fill="hold">
+                      <p:stCondLst>
+                        <p:cond delay="indefinite"/>
+                      </p:stCondLst>
+                      <p:childTnLst>
+                        <p:par>
+                          <p:cTn id="9" fill="hold">
+                            <p:stCondLst>
+                              <p:cond delay="0"/>
+                            </p:stCondLst>
+                            <p:childTnLst>
+                              <p:par>
+                                <p:cTn id="10" presetID="22" presetClass="entr" presetSubtype="1" fill="hold" grpId="0" nodeType="clickEffect">
+                                  <p:stCondLst>
+                                    <p:cond delay="0"/>
+                                  </p:stCondLst>
+                                  <p:childTnLst>
+                                    <p:set>
+                                      <p:cBhvr>
+                                        <p:cTn id="11" dur="1" fill="hold">
+                                          <p:stCondLst>
+                                            <p:cond delay="0"/>
+                                          </p:stCondLst>
+                                        </p:cTn>
+                                        <p:tgtEl>
+                                          <p:spTgt spid="16">
+                                            <p:txEl>
+                                              <p:pRg st="1" end="1"/>
+                                            </p:txEl>
+                                          </p:spTgt>
+                                        </p:tgtEl>
+                                        <p:attrNameLst>
+                                          <p:attrName>style.visibility</p:attrName>
+                                        </p:attrNameLst>
+                                      </p:cBhvr>
+                                      <p:to>
+                                        <p:strVal val="visible"/>
+                                      </p:to>
+                                    </p:set>
+                                    <p:animEffect transition="in" filter="wipe(up)">
+                                      <p:cBhvr>
+                                        <p:cTn id="12" dur="500"/>
+                                        <p:tgtEl>
+                                          <p:spTgt spid="16">
+                                            <p:txEl>
+                                              <p:pRg st="1" end="1"/>
+                                            </p:txEl>
+                                          </p:spTgt>
+                                        </p:tgtEl>
+                                      </p:cBhvr>
+                                    </p:animEffect>
+                                  </p:childTnLst>
+                                </p:cTn>
+                              </p:par>
+                            </p:childTnLst>
+                          </p:cTn>
+                        </p:par>
+                      </p:childTnLst>
+                    </p:cTn>
+                  </p:par>
+                  <p:par>
+                    <p:cTn id="13" fill="hold">
+                      <p:stCondLst>
+                        <p:cond delay="indefinite"/>
+                      </p:stCondLst>
+                      <p:childTnLst>
+                        <p:par>
+                          <p:cTn id="14" fill="hold">
+                            <p:stCondLst>
+                              <p:cond delay="0"/>
+                            </p:stCondLst>
+                            <p:childTnLst>
+                              <p:par>
+                                <p:cTn id="15" presetID="22" presetClass="entr" presetSubtype="1" fill="hold" grpId="0" nodeType="clickEffect">
+                                  <p:stCondLst>
+                                    <p:cond delay="0"/>
+                                  </p:stCondLst>
+                                  <p:childTnLst>
+                                    <p:set>
+                                      <p:cBhvr>
+                                        <p:cTn id="16" dur="1" fill="hold">
+                                          <p:stCondLst>
+                                            <p:cond delay="0"/>
+                                          </p:stCondLst>
+                                        </p:cTn>
+                                        <p:tgtEl>
+                                          <p:spTgt spid="16">
+                                            <p:txEl>
+                                              <p:pRg st="2" end="2"/>
+                                            </p:txEl>
+                                          </p:spTgt>
+                                        </p:tgtEl>
+                                        <p:attrNameLst>
+                                          <p:attrName>style.visibility</p:attrName>
+                                        </p:attrNameLst>
+                                      </p:cBhvr>
+                                      <p:to>
+                                        <p:strVal val="visible"/>
+                                      </p:to>
+                                    </p:set>
+                                    <p:animEffect transition="in" filter="wipe(up)">
+                                      <p:cBhvr>
+                                        <p:cTn id="17" dur="500"/>
+                                        <p:tgtEl>
+                                          <p:spTgt spid="16">
+                                            <p:txEl>
+                                              <p:pRg st="2" end="2"/>
+                                            </p:txEl>
+                                          </p:spTgt>
+                                        </p:tgtEl>
+                                      </p:cBhvr>
+                                    </p:animEffect>
+                                  </p:childTnLst>
+                                </p:cTn>
+                              </p:par>
+                            </p:childTnLst>
+                          </p:cTn>
+                        </p:par>
+                      </p:childTnLst>
+                    </p:cTn>
+                  </p:par>
+                  <p:par>
+                    <p:cTn id="18" fill="hold">
+                      <p:stCondLst>
+                        <p:cond delay="indefinite"/>
+                      </p:stCondLst>
+                      <p:childTnLst>
+                        <p:par>
+                          <p:cTn id="19" fill="hold">
+                            <p:stCondLst>
+                              <p:cond delay="0"/>
+                            </p:stCondLst>
+                            <p:childTnLst>
+                              <p:par>
+                                <p:cTn id="20" presetID="22" presetClass="entr" presetSubtype="1" fill="hold" grpId="0" nodeType="clickEffect">
+                                  <p:stCondLst>
+                                    <p:cond delay="0"/>
+                                  </p:stCondLst>
+                                  <p:childTnLst>
+                                    <p:set>
+                                      <p:cBhvr>
+                                        <p:cTn id="21" dur="1" fill="hold">
+                                          <p:stCondLst>
+                                            <p:cond delay="0"/>
+                                          </p:stCondLst>
+                                        </p:cTn>
+                                        <p:tgtEl>
+                                          <p:spTgt spid="16">
+                                            <p:txEl>
+                                              <p:pRg st="3" end="3"/>
+                                            </p:txEl>
+                                          </p:spTgt>
+                                        </p:tgtEl>
+                                        <p:attrNameLst>
+                                          <p:attrName>style.visibility</p:attrName>
+                                        </p:attrNameLst>
+                                      </p:cBhvr>
+                                      <p:to>
+                                        <p:strVal val="visible"/>
+                                      </p:to>
+                                    </p:set>
+                                    <p:animEffect transition="in" filter="wipe(up)">
+                                      <p:cBhvr>
+                                        <p:cTn id="22" dur="500"/>
+                                        <p:tgtEl>
+                                          <p:spTgt spid="16">
+                                            <p:txEl>
+                                              <p:pRg st="3" end="3"/>
+                                            </p:txEl>
+                                          </p:spTgt>
+                                        </p:tgtEl>
+                                      </p:cBhvr>
+                                    </p:animEffect>
+                                  </p:childTnLst>
+                                </p:cTn>
+                              </p:par>
+                            </p:childTnLst>
+                          </p:cTn>
+                        </p:par>
+                      </p:childTnLst>
+                    </p:cTn>
+                  </p:par>
+                </p:childTnLst>
+              </p:cTn>
+              <p:prevCondLst>
+                <p:cond evt="onPrev" delay="0">
+                  <p:tgtEl>
+                    <p:sldTgt/>
+                  </p:tgtEl>
+                </p:cond>
+              </p:prevCondLst>
+              <p:nextCondLst>
+                <p:cond evt="onNext" delay="0">
+                  <p:tgtEl>
+                    <p:sldTgt/>
+                  </p:tgtEl>
+                </p:cond>
+              </p:nextCondLst>
+            </p:seq>
+          </p:childTnLst>
+        </p:cTn>
+      </p:par>
+    </p:tnLst>
+    <p:bldLst>
+      <p:bldP spid="16" grpId="0" build="p" bldLvl="2"/>
+    </p:bldLst>
+  </p:timing>
+</p:sld>
+</file>
+
+<file path=ppt/slides/slide9.xml><?xml version="1.0" encoding="utf-8"?>
+<p:sld xmlns:a="http://schemas.openxmlformats.org/drawingml/2006/main" xmlns:r="http://schemas.openxmlformats.org/officeDocument/2006/relationships" xmlns:p="http://schemas.openxmlformats.org/presentationml/2006/main">
+  <p:cSld>
+    <p:spTree>
+      <p:nvGrpSpPr>
+        <p:cNvPr id="1" name=""/>
+        <p:cNvGrpSpPr/>
+        <p:nvPr/>
+      </p:nvGrpSpPr>
+      <p:grpSpPr>
+        <a:xfrm>
+          <a:off x="0" y="0"/>
+          <a:ext cx="0" cy="0"/>
+          <a:chOff x="0" y="0"/>
+          <a:chExt cx="0" cy="0"/>
+        </a:xfrm>
+      </p:grpSpPr>
+      <p:sp>
+        <p:nvSpPr>
+          <p:cNvPr id="13" name="Textfeld 12"/>
+          <p:cNvSpPr txBox="1"/>
+          <p:nvPr/>
+        </p:nvSpPr>
+        <p:spPr>
+          <a:xfrm>
+            <a:off x="1" y="-21515"/>
+            <a:ext cx="9108504" cy="476250"/>
+          </a:xfrm>
+          <a:prstGeom prst="rect">
+            <a:avLst/>
+          </a:prstGeom>
+          <a:noFill/>
+          <a:effectLst/>
+        </p:spPr>
+        <p:txBody>
+          <a:bodyPr wrap="square" lIns="0" rIns="0" rtlCol="0">
+            <a:noAutofit/>
+          </a:bodyPr>
+          <a:lstStyle/>
+          <a:p>
+            <a:pPr algn="ctr">
+              <a:spcAft>
+                <a:spcPts val="0"/>
+              </a:spcAft>
+              <a:defRPr/>
+            </a:pPr>
+            <a:r>
+              <a:rPr lang="de-DE" sz="2800" dirty="0" smtClean="0">
+                <a:solidFill>
+                  <a:schemeClr val="bg1">
+                    <a:lumMod val="85000"/>
+                  </a:schemeClr>
+                </a:solidFill>
+                <a:latin typeface="Calibri" pitchFamily="34" charset="0"/>
+              </a:rPr>
+              <a:t>Kalibrierung und Validierung</a:t>
+            </a:r>
+            <a:endParaRPr lang="de-DE" sz="2800" dirty="0" smtClean="0">
+              <a:solidFill>
+                <a:schemeClr val="bg1">
+                  <a:lumMod val="85000"/>
+                </a:schemeClr>
+              </a:solidFill>
+              <a:latin typeface="Calibri" pitchFamily="34" charset="0"/>
+            </a:endParaRPr>
+          </a:p>
+        </p:txBody>
+      </p:sp>
+      <p:pic>
+        <p:nvPicPr>
+          <p:cNvPr id="4100" name="Picture 4" descr="http://4.bp.blogspot.com/-ZJngZgD6GiE/TeuTaeyRB9I/AAAAAAAAAZ0/tfQ15EtrPpE/s1600/Quiz%2BKids%2B01.jpg"/>
+          <p:cNvPicPr>
+            <a:picLocks noChangeAspect="1" noChangeArrowheads="1"/>
+          </p:cNvPicPr>
+          <p:nvPr/>
+        </p:nvPicPr>
+        <p:blipFill>
+          <a:blip r:embed="rId3" cstate="print"/>
+          <a:srcRect l="5222" r="5218"/>
+          <a:stretch>
+            <a:fillRect/>
+          </a:stretch>
+        </p:blipFill>
+        <p:spPr bwMode="auto">
+          <a:xfrm>
+            <a:off x="-1" y="-1"/>
+            <a:ext cx="9200499" cy="6856413"/>
+          </a:xfrm>
+          <a:prstGeom prst="rect">
+            <a:avLst/>
+          </a:prstGeom>
+          <a:noFill/>
+        </p:spPr>
+      </p:pic>
     </p:spTree>
   </p:cSld>
   <p:clrMapOvr>

--- a/Termin_4/folien/UebungModellierung#4.pptx
+++ b/Termin_4/folien/UebungModellierung#4.pptx
@@ -395,7 +395,7 @@
     </p:spTree>
     <p:extLst>
       <p:ext uri="{BB962C8B-B14F-4D97-AF65-F5344CB8AC3E}">
-        <p14:creationId xmlns="" xmlns:p14="http://schemas.microsoft.com/office/powerpoint/2010/main" val="1882660213"/>
+        <p14:creationId xmlns:p14="http://schemas.microsoft.com/office/powerpoint/2010/main" xmlns="" val="1882660213"/>
       </p:ext>
     </p:extLst>
   </p:cSld>
@@ -734,7 +734,7 @@
     </p:spTree>
     <p:extLst>
       <p:ext uri="{BB962C8B-B14F-4D97-AF65-F5344CB8AC3E}">
-        <p14:creationId xmlns="" xmlns:p14="http://schemas.microsoft.com/office/powerpoint/2010/main" val="2781074432"/>
+        <p14:creationId xmlns:p14="http://schemas.microsoft.com/office/powerpoint/2010/main" xmlns="" val="2781074432"/>
       </p:ext>
     </p:extLst>
   </p:cSld>
@@ -5281,23 +5281,8 @@
               <a:rPr lang="de-DE" sz="2400" dirty="0" smtClean="0">
                 <a:latin typeface="Calibri" pitchFamily="34" charset="0"/>
               </a:rPr>
-              <a:t>(Erweiterung </a:t>
-            </a:r>
-            <a:r>
-              <a:rPr lang="de-DE" sz="2400" dirty="0" smtClean="0">
-                <a:latin typeface="Calibri" pitchFamily="34" charset="0"/>
-              </a:rPr>
-              <a:t>des </a:t>
-            </a:r>
-            <a:r>
-              <a:rPr lang="de-DE" sz="2400" dirty="0" smtClean="0">
-                <a:latin typeface="Calibri" pitchFamily="34" charset="0"/>
-              </a:rPr>
-              <a:t>abcd-Modells)</a:t>
-            </a:r>
-            <a:endParaRPr lang="de-DE" sz="2400" dirty="0" smtClean="0">
-              <a:latin typeface="Calibri" pitchFamily="34" charset="0"/>
-            </a:endParaRPr>
+              <a:t>(Erweiterung des abcd-Modells)</a:t>
+            </a:r>
           </a:p>
           <a:p>
             <a:pPr marL="269875" indent="-269875" algn="ctr">
@@ -6371,13 +6356,7 @@
               <a:rPr lang="de-DE" sz="2000" dirty="0" smtClean="0">
                 <a:latin typeface="Calibri" pitchFamily="34" charset="0"/>
               </a:rPr>
-              <a:t>Einfluss der Gebietsfeuchte </a:t>
-            </a:r>
-            <a:r>
-              <a:rPr lang="de-DE" sz="2000" dirty="0" smtClean="0">
-                <a:latin typeface="Calibri" pitchFamily="34" charset="0"/>
-              </a:rPr>
-              <a:t>‚</a:t>
+              <a:t>Einfluss der Gebietsfeuchte ‚</a:t>
             </a:r>
             <a:br>
               <a:rPr lang="de-DE" sz="2000" dirty="0" smtClean="0">
@@ -6388,13 +6367,7 @@
               <a:rPr lang="de-DE" sz="2000" dirty="0" smtClean="0">
                 <a:latin typeface="Calibri" pitchFamily="34" charset="0"/>
               </a:rPr>
-              <a:t>auf </a:t>
-            </a:r>
-            <a:r>
-              <a:rPr lang="de-DE" sz="2000" dirty="0" smtClean="0">
-                <a:latin typeface="Calibri" pitchFamily="34" charset="0"/>
-              </a:rPr>
-              <a:t>Abflussbildung</a:t>
+              <a:t>auf Abflussbildung</a:t>
             </a:r>
           </a:p>
           <a:p>
@@ -6411,12 +6384,6 @@
               </a:rPr>
               <a:t>Abbildung physikalischer Prozesse </a:t>
             </a:r>
-            <a:r>
-              <a:rPr lang="de-DE" sz="2000" dirty="0" smtClean="0">
-                <a:latin typeface="Calibri" pitchFamily="34" charset="0"/>
-              </a:rPr>
-              <a:t/>
-            </a:r>
             <a:br>
               <a:rPr lang="de-DE" sz="2000" dirty="0" smtClean="0">
                 <a:latin typeface="Calibri" pitchFamily="34" charset="0"/>
@@ -6426,13 +6393,7 @@
               <a:rPr lang="de-DE" sz="2000" dirty="0" smtClean="0">
                 <a:latin typeface="Calibri" pitchFamily="34" charset="0"/>
               </a:rPr>
-              <a:t>(hier: Verdunstung</a:t>
-            </a:r>
-            <a:r>
-              <a:rPr lang="de-DE" sz="2000" dirty="0" smtClean="0">
-                <a:latin typeface="Calibri" pitchFamily="34" charset="0"/>
-              </a:rPr>
-              <a:t>)</a:t>
+              <a:t>(hier: Verdunstung)</a:t>
             </a:r>
           </a:p>
         </p:txBody>
@@ -6817,9 +6778,6 @@
               </a:rPr>
               <a:t>Das Modell erfüllt einen bestimmten Zweck.</a:t>
             </a:r>
-            <a:endParaRPr lang="de-DE" sz="2000" b="1" dirty="0" smtClean="0">
-              <a:latin typeface="Calibri" pitchFamily="34" charset="0"/>
-            </a:endParaRPr>
           </a:p>
         </p:txBody>
       </p:sp>
@@ -6886,9 +6844,6 @@
               </a:rPr>
               <a:t>z.B.	Hochwasservorhersage</a:t>
             </a:r>
-            <a:endParaRPr lang="de-DE" sz="2000" dirty="0" smtClean="0">
-              <a:latin typeface="Calibri" pitchFamily="34" charset="0"/>
-            </a:endParaRPr>
           </a:p>
         </p:txBody>
       </p:sp>
@@ -6923,17 +6878,8 @@
               <a:rPr lang="de-DE" sz="2000" b="1" dirty="0" smtClean="0">
                 <a:latin typeface="Calibri" pitchFamily="34" charset="0"/>
               </a:rPr>
-              <a:t>Das Modell </a:t>
-            </a:r>
-            <a:r>
-              <a:rPr lang="de-DE" sz="2000" b="1" dirty="0" smtClean="0">
-                <a:latin typeface="Calibri" pitchFamily="34" charset="0"/>
-              </a:rPr>
-              <a:t>hat eine sinnvolle Struktur.</a:t>
-            </a:r>
-            <a:endParaRPr lang="de-DE" sz="2000" b="1" dirty="0" smtClean="0">
-              <a:latin typeface="Calibri" pitchFamily="34" charset="0"/>
-            </a:endParaRPr>
+              <a:t>Das Modell hat eine sinnvolle Struktur.</a:t>
+            </a:r>
           </a:p>
         </p:txBody>
       </p:sp>
@@ -7197,9 +7143,6 @@
               </a:rPr>
               <a:t>Massenerhaltung</a:t>
             </a:r>
-            <a:endParaRPr lang="de-DE" sz="2000" dirty="0" smtClean="0">
-              <a:latin typeface="Calibri" pitchFamily="34" charset="0"/>
-            </a:endParaRPr>
           </a:p>
           <a:p>
             <a:pPr marL="174625" indent="-174625">
@@ -7213,13 +7156,7 @@
               <a:rPr lang="de-DE" sz="2000" dirty="0" smtClean="0">
                 <a:latin typeface="Calibri" pitchFamily="34" charset="0"/>
               </a:rPr>
-              <a:t>Einfluss </a:t>
-            </a:r>
-            <a:r>
-              <a:rPr lang="de-DE" sz="2000" dirty="0" smtClean="0">
-                <a:latin typeface="Calibri" pitchFamily="34" charset="0"/>
-              </a:rPr>
-              <a:t>der Gebietsfeuchte auf Abflussbildung</a:t>
+              <a:t>Einfluss der Gebietsfeuchte auf Abflussbildung</a:t>
             </a:r>
           </a:p>
           <a:p>
@@ -7234,13 +7171,7 @@
               <a:rPr lang="de-DE" sz="2000" dirty="0" smtClean="0">
                 <a:latin typeface="Calibri" pitchFamily="34" charset="0"/>
               </a:rPr>
-              <a:t>Abbildung </a:t>
-            </a:r>
-            <a:r>
-              <a:rPr lang="de-DE" sz="2000" dirty="0" smtClean="0">
-                <a:latin typeface="Calibri" pitchFamily="34" charset="0"/>
-              </a:rPr>
-              <a:t>physikalischer Prozesse (Verdunstung)</a:t>
+              <a:t>Abbildung physikalischer Prozesse (Verdunstung)</a:t>
             </a:r>
           </a:p>
         </p:txBody>
@@ -7276,17 +7207,8 @@
               <a:rPr lang="de-DE" sz="2000" b="1" dirty="0" smtClean="0">
                 <a:latin typeface="Calibri" pitchFamily="34" charset="0"/>
               </a:rPr>
-              <a:t>Das Modell </a:t>
-            </a:r>
-            <a:r>
-              <a:rPr lang="de-DE" sz="2000" b="1" dirty="0" smtClean="0">
-                <a:latin typeface="Calibri" pitchFamily="34" charset="0"/>
-              </a:rPr>
-              <a:t>ist im Zielgebiet einsetzbar.</a:t>
-            </a:r>
-            <a:endParaRPr lang="de-DE" sz="2000" b="1" dirty="0" smtClean="0">
-              <a:latin typeface="Calibri" pitchFamily="34" charset="0"/>
-            </a:endParaRPr>
+              <a:t>Das Modell ist im Zielgebiet einsetzbar.</a:t>
+            </a:r>
           </a:p>
         </p:txBody>
       </p:sp>
@@ -7351,9 +7273,6 @@
               </a:rPr>
               <a:t>durch das Modell abgebildet.</a:t>
             </a:r>
-            <a:endParaRPr lang="de-DE" sz="2000" dirty="0" smtClean="0">
-              <a:latin typeface="Calibri" pitchFamily="34" charset="0"/>
-            </a:endParaRPr>
           </a:p>
         </p:txBody>
       </p:sp>
@@ -10752,14 +10671,6 @@
               </a:rPr>
               <a:t>Kalibrierung und Validierung</a:t>
             </a:r>
-            <a:endParaRPr lang="de-DE" sz="2800" dirty="0" smtClean="0">
-              <a:solidFill>
-                <a:schemeClr val="bg1">
-                  <a:lumMod val="85000"/>
-                </a:schemeClr>
-              </a:solidFill>
-              <a:latin typeface="Calibri" pitchFamily="34" charset="0"/>
-            </a:endParaRPr>
           </a:p>
         </p:txBody>
       </p:sp>
@@ -10830,9 +10741,6 @@
               </a:rPr>
               <a:t>Parameter des abcd-Modells sind alle „konzeptionell“:</a:t>
             </a:r>
-            <a:endParaRPr lang="de-DE" sz="2000" b="1" dirty="0" smtClean="0">
-              <a:latin typeface="Calibri" pitchFamily="34" charset="0"/>
-            </a:endParaRPr>
           </a:p>
         </p:txBody>
       </p:sp>
@@ -10890,23 +10798,8 @@
               <a:rPr lang="de-DE" sz="2000" dirty="0" smtClean="0">
                 <a:latin typeface="Calibri" pitchFamily="34" charset="0"/>
               </a:rPr>
-              <a:t>Wie kann ich </a:t>
-            </a:r>
-            <a:r>
-              <a:rPr lang="de-DE" sz="2000" dirty="0" smtClean="0">
-                <a:latin typeface="Calibri" pitchFamily="34" charset="0"/>
-              </a:rPr>
-              <a:t>dann </a:t>
-            </a:r>
-            <a:r>
-              <a:rPr lang="de-DE" sz="2000" dirty="0" smtClean="0">
-                <a:latin typeface="Calibri" pitchFamily="34" charset="0"/>
-              </a:rPr>
-              <a:t>aber die Parameterwerte wählen?</a:t>
-            </a:r>
-            <a:endParaRPr lang="de-DE" sz="2000" dirty="0" smtClean="0">
-              <a:latin typeface="Calibri" pitchFamily="34" charset="0"/>
-            </a:endParaRPr>
+              <a:t>Wie kann ich dann aber die Parameterwerte wählen?</a:t>
+            </a:r>
           </a:p>
         </p:txBody>
       </p:sp>
@@ -10982,25 +10875,7 @@
                 </a:solidFill>
                 <a:latin typeface="Calibri" pitchFamily="34" charset="0"/>
               </a:rPr>
-              <a:t>so dass Beobachtung </a:t>
-            </a:r>
-            <a:r>
-              <a:rPr lang="de-DE" sz="2000" dirty="0" smtClean="0">
-                <a:solidFill>
-                  <a:schemeClr val="bg1"/>
-                </a:solidFill>
-                <a:latin typeface="Calibri" pitchFamily="34" charset="0"/>
-              </a:rPr>
-              <a:t>und Simulation </a:t>
-            </a:r>
-            <a:r>
-              <a:rPr lang="de-DE" sz="2000" dirty="0" smtClean="0">
-                <a:solidFill>
-                  <a:schemeClr val="bg1"/>
-                </a:solidFill>
-                <a:latin typeface="Calibri" pitchFamily="34" charset="0"/>
-              </a:rPr>
-              <a:t/>
+              <a:t>so dass Beobachtung und Simulation </a:t>
             </a:r>
             <a:br>
               <a:rPr lang="de-DE" sz="2000" dirty="0" smtClean="0">
@@ -11017,32 +10892,8 @@
                 </a:solidFill>
                 <a:latin typeface="Calibri" pitchFamily="34" charset="0"/>
               </a:rPr>
-              <a:t>möglichst gut </a:t>
-            </a:r>
-            <a:r>
-              <a:rPr lang="de-DE" sz="2000" dirty="0" smtClean="0">
-                <a:solidFill>
-                  <a:schemeClr val="bg1"/>
-                </a:solidFill>
-                <a:latin typeface="Calibri" pitchFamily="34" charset="0"/>
-              </a:rPr>
-              <a:t>übereinstimmen</a:t>
-            </a:r>
-            <a:r>
-              <a:rPr lang="de-DE" sz="2000" dirty="0" smtClean="0">
-                <a:solidFill>
-                  <a:schemeClr val="bg1"/>
-                </a:solidFill>
-                <a:latin typeface="Calibri" pitchFamily="34" charset="0"/>
-              </a:rPr>
-              <a:t>.</a:t>
-            </a:r>
-            <a:endParaRPr lang="de-DE" sz="2000" dirty="0" smtClean="0">
-              <a:solidFill>
-                <a:schemeClr val="bg1"/>
-              </a:solidFill>
-              <a:latin typeface="Calibri" pitchFamily="34" charset="0"/>
-            </a:endParaRPr>
+              <a:t>möglichst gut übereinstimmen.</a:t>
+            </a:r>
           </a:p>
         </p:txBody>
       </p:sp>
@@ -11102,9 +10953,6 @@
               </a:rPr>
               <a:t> am Gebietsauslass</a:t>
             </a:r>
-            <a:endParaRPr lang="de-DE" sz="2000" dirty="0" smtClean="0">
-              <a:latin typeface="Calibri" pitchFamily="34" charset="0"/>
-            </a:endParaRPr>
           </a:p>
         </p:txBody>
       </p:sp>
@@ -11171,9 +11019,6 @@
               </a:rPr>
               <a:t> am Gebietsauslass</a:t>
             </a:r>
-            <a:endParaRPr lang="de-DE" sz="2000" dirty="0" smtClean="0">
-              <a:latin typeface="Calibri" pitchFamily="34" charset="0"/>
-            </a:endParaRPr>
           </a:p>
         </p:txBody>
       </p:sp>
@@ -11273,9 +11118,6 @@
               </a:rPr>
               <a:t>  </a:t>
             </a:r>
-            <a:endParaRPr lang="de-DE" sz="2000" dirty="0" smtClean="0">
-              <a:latin typeface="Calibri" pitchFamily="34" charset="0"/>
-            </a:endParaRPr>
           </a:p>
         </p:txBody>
       </p:sp>
@@ -11328,9 +11170,6 @@
               </a:rPr>
               <a:t>maximiert /minimiert</a:t>
             </a:r>
-            <a:endParaRPr lang="de-DE" sz="2000" dirty="0" smtClean="0">
-              <a:latin typeface="Calibri" pitchFamily="34" charset="0"/>
-            </a:endParaRPr>
           </a:p>
         </p:txBody>
       </p:sp>
@@ -11437,16 +11276,7 @@
                 </a:solidFill>
                 <a:latin typeface="Calibri" pitchFamily="34" charset="0"/>
               </a:rPr>
-              <a:t> </a:t>
-            </a:r>
-            <a:r>
-              <a:rPr lang="de-DE" sz="2000" dirty="0" smtClean="0">
-                <a:solidFill>
-                  <a:schemeClr val="bg1"/>
-                </a:solidFill>
-                <a:latin typeface="Calibri" pitchFamily="34" charset="0"/>
-              </a:rPr>
-              <a:t>und </a:t>
+              <a:t> und </a:t>
             </a:r>
             <a:r>
               <a:rPr lang="de-DE" sz="2000" dirty="0" smtClean="0">
@@ -11468,15 +11298,6 @@
               </a:rPr>
               <a:t> </a:t>
             </a:r>
-            <a:r>
-              <a:rPr lang="de-DE" sz="2000" dirty="0" smtClean="0">
-                <a:solidFill>
-                  <a:schemeClr val="bg1"/>
-                </a:solidFill>
-                <a:latin typeface="Calibri" pitchFamily="34" charset="0"/>
-              </a:rPr>
-              <a:t/>
-            </a:r>
             <a:br>
               <a:rPr lang="de-DE" sz="2000" dirty="0" smtClean="0">
                 <a:solidFill>
@@ -11514,12 +11335,6 @@
               </a:rPr>
               <a:t>.</a:t>
             </a:r>
-            <a:endParaRPr lang="de-DE" sz="2000" dirty="0" smtClean="0">
-              <a:solidFill>
-                <a:schemeClr val="bg1"/>
-              </a:solidFill>
-              <a:latin typeface="Calibri" pitchFamily="34" charset="0"/>
-            </a:endParaRPr>
           </a:p>
         </p:txBody>
       </p:sp>
@@ -11559,9 +11374,6 @@
               </a:rPr>
               <a:t>Beispiel	:</a:t>
             </a:r>
-            <a:endParaRPr lang="de-DE" sz="2000" dirty="0" smtClean="0">
-              <a:latin typeface="Calibri" pitchFamily="34" charset="0"/>
-            </a:endParaRPr>
           </a:p>
         </p:txBody>
       </p:sp>
@@ -11621,9 +11433,6 @@
               </a:rPr>
               <a:t>(SSE… sollte minimal werden)</a:t>
             </a:r>
-            <a:endParaRPr lang="de-DE" sz="2000" i="1" dirty="0" smtClean="0">
-              <a:latin typeface="Calibri" pitchFamily="34" charset="0"/>
-            </a:endParaRPr>
           </a:p>
         </p:txBody>
       </p:sp>
@@ -12391,14 +12200,6 @@
               </a:rPr>
               <a:t>Kalibrierung und Validierung</a:t>
             </a:r>
-            <a:endParaRPr lang="de-DE" sz="2800" dirty="0" smtClean="0">
-              <a:solidFill>
-                <a:schemeClr val="bg1">
-                  <a:lumMod val="85000"/>
-                </a:schemeClr>
-              </a:solidFill>
-              <a:latin typeface="Calibri" pitchFamily="34" charset="0"/>
-            </a:endParaRPr>
           </a:p>
         </p:txBody>
       </p:sp>
@@ -12469,9 +12270,6 @@
               </a:rPr>
               <a:t>Parameter des abcd-Modells sind alle „konzeptionell“:</a:t>
             </a:r>
-            <a:endParaRPr lang="de-DE" sz="2000" b="1" dirty="0" smtClean="0">
-              <a:latin typeface="Calibri" pitchFamily="34" charset="0"/>
-            </a:endParaRPr>
           </a:p>
         </p:txBody>
       </p:sp>
@@ -12529,19 +12327,7 @@
               <a:rPr lang="de-DE" sz="2000" dirty="0" smtClean="0">
                 <a:latin typeface="Calibri" pitchFamily="34" charset="0"/>
               </a:rPr>
-              <a:t>Wie kann ich </a:t>
-            </a:r>
-            <a:r>
-              <a:rPr lang="de-DE" sz="2000" dirty="0" smtClean="0">
-                <a:latin typeface="Calibri" pitchFamily="34" charset="0"/>
-              </a:rPr>
-              <a:t>dann </a:t>
-            </a:r>
-            <a:r>
-              <a:rPr lang="de-DE" sz="2000" dirty="0" smtClean="0">
-                <a:latin typeface="Calibri" pitchFamily="34" charset="0"/>
-              </a:rPr>
-              <a:t>aber die Parameterwerte wählen</a:t>
+              <a:t>Wie kann ich dann aber die Parameterwerte wählen</a:t>
             </a:r>
           </a:p>
         </p:txBody>
@@ -12649,16 +12435,7 @@
                 </a:solidFill>
                 <a:latin typeface="Calibri" pitchFamily="34" charset="0"/>
               </a:rPr>
-              <a:t> </a:t>
-            </a:r>
-            <a:r>
-              <a:rPr lang="de-DE" sz="2000" dirty="0" smtClean="0">
-                <a:solidFill>
-                  <a:schemeClr val="bg1"/>
-                </a:solidFill>
-                <a:latin typeface="Calibri" pitchFamily="34" charset="0"/>
-              </a:rPr>
-              <a:t>und </a:t>
+              <a:t> und </a:t>
             </a:r>
             <a:r>
               <a:rPr lang="de-DE" sz="2000" dirty="0" smtClean="0">
@@ -12680,15 +12457,6 @@
               </a:rPr>
               <a:t> </a:t>
             </a:r>
-            <a:r>
-              <a:rPr lang="de-DE" sz="2000" dirty="0" smtClean="0">
-                <a:solidFill>
-                  <a:schemeClr val="bg1"/>
-                </a:solidFill>
-                <a:latin typeface="Calibri" pitchFamily="34" charset="0"/>
-              </a:rPr>
-              <a:t/>
-            </a:r>
             <a:br>
               <a:rPr lang="de-DE" sz="2000" dirty="0" smtClean="0">
                 <a:solidFill>
@@ -12726,12 +12494,6 @@
               </a:rPr>
               <a:t>.</a:t>
             </a:r>
-            <a:endParaRPr lang="de-DE" sz="2000" dirty="0" smtClean="0">
-              <a:solidFill>
-                <a:schemeClr val="bg1"/>
-              </a:solidFill>
-              <a:latin typeface="Calibri" pitchFamily="34" charset="0"/>
-            </a:endParaRPr>
           </a:p>
         </p:txBody>
       </p:sp>
@@ -12783,16 +12545,16 @@
               <a:t>die ich nicht für die </a:t>
             </a:r>
             <a:r>
-              <a:rPr lang="de-DE" sz="2000" dirty="0" err="1" smtClean="0">
-                <a:latin typeface="Calibri" pitchFamily="34" charset="0"/>
-              </a:rPr>
-              <a:t>Kalibierung</a:t>
-            </a:r>
-            <a:r>
               <a:rPr lang="de-DE" sz="2000" dirty="0" smtClean="0">
                 <a:latin typeface="Calibri" pitchFamily="34" charset="0"/>
               </a:rPr>
-              <a:t> genutzt habe?</a:t>
+              <a:t>Kalibrierung </a:t>
+            </a:r>
+            <a:r>
+              <a:rPr lang="de-DE" sz="2000" dirty="0" smtClean="0">
+                <a:latin typeface="Calibri" pitchFamily="34" charset="0"/>
+              </a:rPr>
+              <a:t>genutzt habe?</a:t>
             </a:r>
           </a:p>
           <a:p>
@@ -13199,14 +12961,6 @@
               </a:rPr>
               <a:t>Kalibrierung und Validierung</a:t>
             </a:r>
-            <a:endParaRPr lang="de-DE" sz="2800" dirty="0" smtClean="0">
-              <a:solidFill>
-                <a:schemeClr val="bg1">
-                  <a:lumMod val="85000"/>
-                </a:schemeClr>
-              </a:solidFill>
-              <a:latin typeface="Calibri" pitchFamily="34" charset="0"/>
-            </a:endParaRPr>
           </a:p>
         </p:txBody>
       </p:sp>

--- a/Termin_4/folien/UebungModellierung#4.pptx
+++ b/Termin_4/folien/UebungModellierung#4.pptx
@@ -403,7 +403,7 @@
     </p:spTree>
     <p:extLst>
       <p:ext uri="{BB962C8B-B14F-4D97-AF65-F5344CB8AC3E}">
-        <p14:creationId xmlns="" xmlns:p14="http://schemas.microsoft.com/office/powerpoint/2010/main" val="1882660213"/>
+        <p14:creationId xmlns:p14="http://schemas.microsoft.com/office/powerpoint/2010/main" xmlns="" val="1882660213"/>
       </p:ext>
     </p:extLst>
   </p:cSld>
@@ -742,7 +742,7 @@
     </p:spTree>
     <p:extLst>
       <p:ext uri="{BB962C8B-B14F-4D97-AF65-F5344CB8AC3E}">
-        <p14:creationId xmlns="" xmlns:p14="http://schemas.microsoft.com/office/powerpoint/2010/main" val="2781074432"/>
+        <p14:creationId xmlns:p14="http://schemas.microsoft.com/office/powerpoint/2010/main" xmlns="" val="2781074432"/>
       </p:ext>
     </p:extLst>
   </p:cSld>
@@ -4517,7 +4517,47 @@
                 <a:latin typeface="Calibri" pitchFamily="34" charset="0"/>
                 <a:cs typeface="+mn-cs"/>
               </a:rPr>
-              <a:t>Seminar „Einführung in die Modellierung“, Wintersemester 2016/17                 #</a:t>
+              <a:t>Übung </a:t>
+            </a:r>
+            <a:r>
+              <a:rPr lang="de-DE" noProof="0" dirty="0" smtClean="0">
+                <a:solidFill>
+                  <a:schemeClr val="bg1"/>
+                </a:solidFill>
+                <a:latin typeface="Calibri" pitchFamily="34" charset="0"/>
+                <a:cs typeface="+mn-cs"/>
+              </a:rPr>
+              <a:t>„Einführung in die Modellierung</a:t>
+            </a:r>
+            <a:r>
+              <a:rPr lang="de-DE" noProof="0" dirty="0" smtClean="0">
+                <a:solidFill>
+                  <a:schemeClr val="bg1"/>
+                </a:solidFill>
+                <a:latin typeface="Calibri" pitchFamily="34" charset="0"/>
+                <a:cs typeface="+mn-cs"/>
+              </a:rPr>
+              <a:t>“    			</a:t>
+            </a:r>
+            <a:r>
+              <a:rPr lang="de-DE" baseline="0" noProof="0" dirty="0" smtClean="0">
+                <a:solidFill>
+                  <a:schemeClr val="bg1"/>
+                </a:solidFill>
+                <a:latin typeface="Calibri" pitchFamily="34" charset="0"/>
+                <a:cs typeface="+mn-cs"/>
+              </a:rPr>
+              <a:t>       </a:t>
+            </a:r>
+            <a:r>
+              <a:rPr lang="de-DE" noProof="0" dirty="0" smtClean="0">
+                <a:solidFill>
+                  <a:schemeClr val="bg1"/>
+                </a:solidFill>
+                <a:latin typeface="Calibri" pitchFamily="34" charset="0"/>
+                <a:cs typeface="+mn-cs"/>
+              </a:rPr>
+              <a:t>#</a:t>
             </a:r>
             <a:fld id="{19621714-58BB-457A-826B-841F6E217726}" type="slidenum">
               <a:rPr lang="de-DE" noProof="0" smtClean="0">
@@ -5044,8 +5084,17 @@
               <a:rPr lang="de-DE" sz="3600" dirty="0" smtClean="0">
                 <a:latin typeface="Calibri" pitchFamily="34" charset="0"/>
               </a:rPr>
-              <a:t>Wintersemester 2016/17</a:t>
-            </a:r>
+              <a:t>Wintersemester </a:t>
+            </a:r>
+            <a:r>
+              <a:rPr lang="de-DE" sz="3600" dirty="0" smtClean="0">
+                <a:latin typeface="Calibri" pitchFamily="34" charset="0"/>
+              </a:rPr>
+              <a:t>2017/18</a:t>
+            </a:r>
+            <a:endParaRPr lang="de-DE" sz="3600" dirty="0" smtClean="0">
+              <a:latin typeface="Calibri" pitchFamily="34" charset="0"/>
+            </a:endParaRPr>
           </a:p>
           <a:p>
             <a:pPr lvl="0" algn="ctr">
@@ -12852,16 +12901,7 @@
                 </a:solidFill>
                 <a:latin typeface="Calibri" pitchFamily="34" charset="0"/>
               </a:rPr>
-              <a:t>= </a:t>
-            </a:r>
-            <a:r>
-              <a:rPr lang="de-DE" sz="2000" dirty="0" smtClean="0">
-                <a:solidFill>
-                  <a:srgbClr val="C00000"/>
-                </a:solidFill>
-                <a:latin typeface="Calibri" pitchFamily="34" charset="0"/>
-              </a:rPr>
-              <a:t>b </a:t>
+              <a:t>= b </a:t>
             </a:r>
             <a:r>
               <a:rPr lang="de-DE" sz="2000" baseline="30000" dirty="0" smtClean="0">
@@ -12928,16 +12968,7 @@
                 </a:solidFill>
                 <a:latin typeface="Calibri" pitchFamily="34" charset="0"/>
               </a:rPr>
-              <a:t>= </a:t>
-            </a:r>
-            <a:r>
-              <a:rPr lang="de-DE" sz="2000" dirty="0" smtClean="0">
-                <a:solidFill>
-                  <a:srgbClr val="C00000"/>
-                </a:solidFill>
-                <a:latin typeface="Calibri" pitchFamily="34" charset="0"/>
-              </a:rPr>
-              <a:t>a </a:t>
+              <a:t>= a </a:t>
             </a:r>
             <a:r>
               <a:rPr lang="de-DE" sz="2000" baseline="30000" dirty="0" smtClean="0">
@@ -15447,16 +15478,7 @@
                 </a:solidFill>
                 <a:latin typeface="Calibri" pitchFamily="34" charset="0"/>
               </a:rPr>
-              <a:t>= </a:t>
-            </a:r>
-            <a:r>
-              <a:rPr lang="de-DE" sz="2000" dirty="0" smtClean="0">
-                <a:solidFill>
-                  <a:srgbClr val="C00000"/>
-                </a:solidFill>
-                <a:latin typeface="Calibri" pitchFamily="34" charset="0"/>
-              </a:rPr>
-              <a:t>b </a:t>
+              <a:t>= b </a:t>
             </a:r>
             <a:r>
               <a:rPr lang="de-DE" sz="2000" baseline="30000" dirty="0" smtClean="0">
@@ -15523,16 +15545,7 @@
                 </a:solidFill>
                 <a:latin typeface="Calibri" pitchFamily="34" charset="0"/>
               </a:rPr>
-              <a:t>= </a:t>
-            </a:r>
-            <a:r>
-              <a:rPr lang="de-DE" sz="2000" dirty="0" smtClean="0">
-                <a:solidFill>
-                  <a:srgbClr val="C00000"/>
-                </a:solidFill>
-                <a:latin typeface="Calibri" pitchFamily="34" charset="0"/>
-              </a:rPr>
-              <a:t>a </a:t>
+              <a:t>= a </a:t>
             </a:r>
             <a:r>
               <a:rPr lang="de-DE" sz="2000" baseline="30000" dirty="0" smtClean="0">
@@ -17391,16 +17404,7 @@
                 </a:solidFill>
                 <a:latin typeface="Calibri" pitchFamily="34" charset="0"/>
               </a:rPr>
-              <a:t>= </a:t>
-            </a:r>
-            <a:r>
-              <a:rPr lang="de-DE" sz="2000" dirty="0" smtClean="0">
-                <a:solidFill>
-                  <a:srgbClr val="C00000"/>
-                </a:solidFill>
-                <a:latin typeface="Calibri" pitchFamily="34" charset="0"/>
-              </a:rPr>
-              <a:t>b </a:t>
+              <a:t>= b </a:t>
             </a:r>
             <a:r>
               <a:rPr lang="de-DE" sz="2000" baseline="30000" dirty="0" smtClean="0">
@@ -17467,16 +17471,7 @@
                 </a:solidFill>
                 <a:latin typeface="Calibri" pitchFamily="34" charset="0"/>
               </a:rPr>
-              <a:t>= </a:t>
-            </a:r>
-            <a:r>
-              <a:rPr lang="de-DE" sz="2000" dirty="0" smtClean="0">
-                <a:solidFill>
-                  <a:srgbClr val="C00000"/>
-                </a:solidFill>
-                <a:latin typeface="Calibri" pitchFamily="34" charset="0"/>
-              </a:rPr>
-              <a:t>a </a:t>
+              <a:t>= a </a:t>
             </a:r>
             <a:r>
               <a:rPr lang="de-DE" sz="2000" baseline="30000" dirty="0" smtClean="0">
@@ -19219,8 +19214,17 @@
               <a:rPr lang="de-DE" sz="3600" dirty="0" smtClean="0">
                 <a:latin typeface="Calibri" pitchFamily="34" charset="0"/>
               </a:rPr>
-              <a:t>Wintersemester 2016/17</a:t>
-            </a:r>
+              <a:t>Wintersemester </a:t>
+            </a:r>
+            <a:r>
+              <a:rPr lang="de-DE" sz="3600" dirty="0" smtClean="0">
+                <a:latin typeface="Calibri" pitchFamily="34" charset="0"/>
+              </a:rPr>
+              <a:t>2017/18</a:t>
+            </a:r>
+            <a:endParaRPr lang="de-DE" sz="3600" dirty="0" smtClean="0">
+              <a:latin typeface="Calibri" pitchFamily="34" charset="0"/>
+            </a:endParaRPr>
           </a:p>
           <a:p>
             <a:pPr lvl="0" algn="ctr">
@@ -19560,8 +19564,17 @@
               <a:rPr lang="de-DE" sz="3600" dirty="0" smtClean="0">
                 <a:latin typeface="Calibri" pitchFamily="34" charset="0"/>
               </a:rPr>
-              <a:t>Wintersemester 2016/17</a:t>
-            </a:r>
+              <a:t>Wintersemester </a:t>
+            </a:r>
+            <a:r>
+              <a:rPr lang="de-DE" sz="3600" dirty="0" smtClean="0">
+                <a:latin typeface="Calibri" pitchFamily="34" charset="0"/>
+              </a:rPr>
+              <a:t>2017/18</a:t>
+            </a:r>
+            <a:endParaRPr lang="de-DE" sz="3600" dirty="0" smtClean="0">
+              <a:latin typeface="Calibri" pitchFamily="34" charset="0"/>
+            </a:endParaRPr>
           </a:p>
           <a:p>
             <a:pPr lvl="0" algn="ctr">
